--- a/@src/Img/Edition/Conlangs' Flags.pptx
+++ b/@src/Img/Edition/Conlangs' Flags.pptx
@@ -8,14 +8,17 @@
     <p:sldId id="264" r:id="rId2"/>
     <p:sldId id="262" r:id="rId3"/>
     <p:sldId id="263" r:id="rId4"/>
-    <p:sldId id="261" r:id="rId5"/>
-    <p:sldId id="260" r:id="rId6"/>
-    <p:sldId id="259" r:id="rId7"/>
-    <p:sldId id="257" r:id="rId8"/>
-    <p:sldId id="256" r:id="rId9"/>
-    <p:sldId id="265" r:id="rId10"/>
-    <p:sldId id="266" r:id="rId11"/>
-    <p:sldId id="267" r:id="rId12"/>
+    <p:sldId id="271" r:id="rId5"/>
+    <p:sldId id="261" r:id="rId6"/>
+    <p:sldId id="272" r:id="rId7"/>
+    <p:sldId id="270" r:id="rId8"/>
+    <p:sldId id="259" r:id="rId9"/>
+    <p:sldId id="260" r:id="rId10"/>
+    <p:sldId id="257" r:id="rId11"/>
+    <p:sldId id="256" r:id="rId12"/>
+    <p:sldId id="266" r:id="rId13"/>
+    <p:sldId id="269" r:id="rId14"/>
+    <p:sldId id="273" r:id="rId15"/>
   </p:sldIdLst>
   <p:sldSz cx="12192000" cy="6858000"/>
   <p:notesSz cx="6858000" cy="9144000"/>
@@ -271,7 +274,7 @@
           <a:p>
             <a:fld id="{97D07C31-17FD-4282-BE1B-410575909701}" type="datetimeFigureOut">
               <a:rPr lang="es-CL" smtClean="0"/>
-              <a:t>29-11-2022</a:t>
+              <a:t>16-02-2023</a:t>
             </a:fld>
             <a:endParaRPr lang="es-CL"/>
           </a:p>
@@ -471,7 +474,7 @@
           <a:p>
             <a:fld id="{97D07C31-17FD-4282-BE1B-410575909701}" type="datetimeFigureOut">
               <a:rPr lang="es-CL" smtClean="0"/>
-              <a:t>29-11-2022</a:t>
+              <a:t>16-02-2023</a:t>
             </a:fld>
             <a:endParaRPr lang="es-CL"/>
           </a:p>
@@ -681,7 +684,7 @@
           <a:p>
             <a:fld id="{97D07C31-17FD-4282-BE1B-410575909701}" type="datetimeFigureOut">
               <a:rPr lang="es-CL" smtClean="0"/>
-              <a:t>29-11-2022</a:t>
+              <a:t>16-02-2023</a:t>
             </a:fld>
             <a:endParaRPr lang="es-CL"/>
           </a:p>
@@ -881,7 +884,7 @@
           <a:p>
             <a:fld id="{97D07C31-17FD-4282-BE1B-410575909701}" type="datetimeFigureOut">
               <a:rPr lang="es-CL" smtClean="0"/>
-              <a:t>29-11-2022</a:t>
+              <a:t>16-02-2023</a:t>
             </a:fld>
             <a:endParaRPr lang="es-CL"/>
           </a:p>
@@ -1157,7 +1160,7 @@
           <a:p>
             <a:fld id="{97D07C31-17FD-4282-BE1B-410575909701}" type="datetimeFigureOut">
               <a:rPr lang="es-CL" smtClean="0"/>
-              <a:t>29-11-2022</a:t>
+              <a:t>16-02-2023</a:t>
             </a:fld>
             <a:endParaRPr lang="es-CL"/>
           </a:p>
@@ -1425,7 +1428,7 @@
           <a:p>
             <a:fld id="{97D07C31-17FD-4282-BE1B-410575909701}" type="datetimeFigureOut">
               <a:rPr lang="es-CL" smtClean="0"/>
-              <a:t>29-11-2022</a:t>
+              <a:t>16-02-2023</a:t>
             </a:fld>
             <a:endParaRPr lang="es-CL"/>
           </a:p>
@@ -1840,7 +1843,7 @@
           <a:p>
             <a:fld id="{97D07C31-17FD-4282-BE1B-410575909701}" type="datetimeFigureOut">
               <a:rPr lang="es-CL" smtClean="0"/>
-              <a:t>29-11-2022</a:t>
+              <a:t>16-02-2023</a:t>
             </a:fld>
             <a:endParaRPr lang="es-CL"/>
           </a:p>
@@ -1982,7 +1985,7 @@
           <a:p>
             <a:fld id="{97D07C31-17FD-4282-BE1B-410575909701}" type="datetimeFigureOut">
               <a:rPr lang="es-CL" smtClean="0"/>
-              <a:t>29-11-2022</a:t>
+              <a:t>16-02-2023</a:t>
             </a:fld>
             <a:endParaRPr lang="es-CL"/>
           </a:p>
@@ -2095,7 +2098,7 @@
           <a:p>
             <a:fld id="{97D07C31-17FD-4282-BE1B-410575909701}" type="datetimeFigureOut">
               <a:rPr lang="es-CL" smtClean="0"/>
-              <a:t>29-11-2022</a:t>
+              <a:t>16-02-2023</a:t>
             </a:fld>
             <a:endParaRPr lang="es-CL"/>
           </a:p>
@@ -2408,7 +2411,7 @@
           <a:p>
             <a:fld id="{97D07C31-17FD-4282-BE1B-410575909701}" type="datetimeFigureOut">
               <a:rPr lang="es-CL" smtClean="0"/>
-              <a:t>29-11-2022</a:t>
+              <a:t>16-02-2023</a:t>
             </a:fld>
             <a:endParaRPr lang="es-CL"/>
           </a:p>
@@ -2697,7 +2700,7 @@
           <a:p>
             <a:fld id="{97D07C31-17FD-4282-BE1B-410575909701}" type="datetimeFigureOut">
               <a:rPr lang="es-CL" smtClean="0"/>
-              <a:t>29-11-2022</a:t>
+              <a:t>16-02-2023</a:t>
             </a:fld>
             <a:endParaRPr lang="es-CL"/>
           </a:p>
@@ -2940,7 +2943,7 @@
           <a:p>
             <a:fld id="{97D07C31-17FD-4282-BE1B-410575909701}" type="datetimeFigureOut">
               <a:rPr lang="es-CL" smtClean="0"/>
-              <a:t>29-11-2022</a:t>
+              <a:t>16-02-2023</a:t>
             </a:fld>
             <a:endParaRPr lang="es-CL"/>
           </a:p>
@@ -3842,10 +3845,10 @@
       </p:grpSpPr>
       <p:pic>
         <p:nvPicPr>
-          <p:cNvPr id="3" name="Imagen 2" descr="Icono&#10;&#10;Descripción generada automáticamente">
+          <p:cNvPr id="10" name="Imagen 9" descr="Una caricatura de una persona&#10;&#10;Descripción generada automáticamente con confianza baja">
             <a:extLst>
               <a:ext uri="{FF2B5EF4-FFF2-40B4-BE49-F238E27FC236}">
-                <a16:creationId xmlns:a16="http://schemas.microsoft.com/office/drawing/2014/main" id="{3EAB1697-F7DA-4401-A3D1-38D1631A3E0E}"/>
+                <a16:creationId xmlns:a16="http://schemas.microsoft.com/office/drawing/2014/main" id="{D1ED679A-6E78-4791-BCD4-97DA44E3EAB8}"/>
               </a:ext>
             </a:extLst>
           </p:cNvPr>
@@ -3854,7 +3857,7 @@
           </p:cNvPicPr>
           <p:nvPr/>
         </p:nvPicPr>
-        <p:blipFill rotWithShape="1">
+        <p:blipFill>
           <a:blip r:embed="rId2">
             <a:extLst>
               <a:ext uri="{28A0092B-C50C-407E-A947-70E740481C1C}">
@@ -3862,13 +3865,14 @@
               </a:ext>
             </a:extLst>
           </a:blip>
-          <a:srcRect l="7553" t="3" b="16008"/>
-          <a:stretch/>
+          <a:stretch>
+            <a:fillRect/>
+          </a:stretch>
         </p:blipFill>
         <p:spPr>
           <a:xfrm>
-            <a:off x="1776025" y="128513"/>
-            <a:ext cx="9719532" cy="6480000"/>
+            <a:off x="1235778" y="188390"/>
+            <a:ext cx="9720443" cy="6481219"/>
           </a:xfrm>
           <a:prstGeom prst="rect">
             <a:avLst/>
@@ -3878,7 +3882,7 @@
     </p:spTree>
     <p:extLst>
       <p:ext uri="{BB962C8B-B14F-4D97-AF65-F5344CB8AC3E}">
-        <p14:creationId xmlns:p14="http://schemas.microsoft.com/office/powerpoint/2010/main" val="18676436"/>
+        <p14:creationId xmlns:p14="http://schemas.microsoft.com/office/powerpoint/2010/main" val="3009604549"/>
       </p:ext>
     </p:extLst>
   </p:cSld>
@@ -3905,12 +3909,274 @@
           <a:chExt cx="0" cy="0"/>
         </a:xfrm>
       </p:grpSpPr>
+      <p:grpSp>
+        <p:nvGrpSpPr>
+          <p:cNvPr id="11" name="Grupo 10">
+            <a:extLst>
+              <a:ext uri="{FF2B5EF4-FFF2-40B4-BE49-F238E27FC236}">
+                <a16:creationId xmlns:a16="http://schemas.microsoft.com/office/drawing/2014/main" id="{B58696A0-230F-4738-B623-CAD2C5234DF3}"/>
+              </a:ext>
+            </a:extLst>
+          </p:cNvPr>
+          <p:cNvGrpSpPr/>
+          <p:nvPr/>
+        </p:nvGrpSpPr>
+        <p:grpSpPr>
+          <a:xfrm>
+            <a:off x="1235999" y="188999"/>
+            <a:ext cx="9720000" cy="6480000"/>
+            <a:chOff x="1235999" y="188999"/>
+            <a:chExt cx="9720000" cy="6480000"/>
+          </a:xfrm>
+        </p:grpSpPr>
+        <p:grpSp>
+          <p:nvGrpSpPr>
+            <p:cNvPr id="10" name="Grupo 9">
+              <a:extLst>
+                <a:ext uri="{FF2B5EF4-FFF2-40B4-BE49-F238E27FC236}">
+                  <a16:creationId xmlns:a16="http://schemas.microsoft.com/office/drawing/2014/main" id="{19B6DE51-90DC-4BFD-B9CD-ED11BE084854}"/>
+                </a:ext>
+              </a:extLst>
+            </p:cNvPr>
+            <p:cNvGrpSpPr/>
+            <p:nvPr/>
+          </p:nvGrpSpPr>
+          <p:grpSpPr>
+            <a:xfrm>
+              <a:off x="1235999" y="188999"/>
+              <a:ext cx="9720000" cy="6480000"/>
+              <a:chOff x="1235999" y="188999"/>
+              <a:chExt cx="9720000" cy="6480000"/>
+            </a:xfrm>
+          </p:grpSpPr>
+          <p:sp>
+            <p:nvSpPr>
+              <p:cNvPr id="4" name="Rectángulo 3">
+                <a:extLst>
+                  <a:ext uri="{FF2B5EF4-FFF2-40B4-BE49-F238E27FC236}">
+                    <a16:creationId xmlns:a16="http://schemas.microsoft.com/office/drawing/2014/main" id="{8B4459B7-4FC6-41BB-A5B5-82B19B60EE21}"/>
+                  </a:ext>
+                </a:extLst>
+              </p:cNvPr>
+              <p:cNvSpPr/>
+              <p:nvPr/>
+            </p:nvSpPr>
+            <p:spPr>
+              <a:xfrm>
+                <a:off x="1235999" y="188999"/>
+                <a:ext cx="9720000" cy="6480000"/>
+              </a:xfrm>
+              <a:prstGeom prst="rect">
+                <a:avLst/>
+              </a:prstGeom>
+              <a:solidFill>
+                <a:schemeClr val="tx1">
+                  <a:lumMod val="75000"/>
+                  <a:lumOff val="25000"/>
+                </a:schemeClr>
+              </a:solidFill>
+              <a:ln>
+                <a:noFill/>
+              </a:ln>
+            </p:spPr>
+            <p:style>
+              <a:lnRef idx="2">
+                <a:schemeClr val="dk1">
+                  <a:shade val="50000"/>
+                </a:schemeClr>
+              </a:lnRef>
+              <a:fillRef idx="1">
+                <a:schemeClr val="dk1"/>
+              </a:fillRef>
+              <a:effectRef idx="0">
+                <a:schemeClr val="dk1"/>
+              </a:effectRef>
+              <a:fontRef idx="minor">
+                <a:schemeClr val="lt1"/>
+              </a:fontRef>
+            </p:style>
+            <p:txBody>
+              <a:bodyPr rtlCol="0" anchor="ctr"/>
+              <a:lstStyle/>
+              <a:p>
+                <a:pPr algn="ctr"/>
+                <a:endParaRPr lang="es-CL"/>
+              </a:p>
+            </p:txBody>
+          </p:sp>
+          <p:sp>
+            <p:nvSpPr>
+              <p:cNvPr id="5" name="Elipse 4">
+                <a:extLst>
+                  <a:ext uri="{FF2B5EF4-FFF2-40B4-BE49-F238E27FC236}">
+                    <a16:creationId xmlns:a16="http://schemas.microsoft.com/office/drawing/2014/main" id="{3E870D2A-FF07-4E38-8AA2-1CEABCFA06D3}"/>
+                  </a:ext>
+                </a:extLst>
+              </p:cNvPr>
+              <p:cNvSpPr/>
+              <p:nvPr/>
+            </p:nvSpPr>
+            <p:spPr>
+              <a:xfrm rot="18900000">
+                <a:off x="3396000" y="729000"/>
+                <a:ext cx="5400000" cy="5400000"/>
+              </a:xfrm>
+              <a:prstGeom prst="ellipse">
+                <a:avLst/>
+              </a:prstGeom>
+              <a:blipFill dpi="0" rotWithShape="1">
+                <a:blip r:embed="rId2">
+                  <a:extLst>
+                    <a:ext uri="{28A0092B-C50C-407E-A947-70E740481C1C}">
+                      <a14:useLocalDpi xmlns:a14="http://schemas.microsoft.com/office/drawing/2010/main" val="0"/>
+                    </a:ext>
+                  </a:extLst>
+                </a:blip>
+                <a:srcRect/>
+                <a:stretch>
+                  <a:fillRect/>
+                </a:stretch>
+              </a:blipFill>
+              <a:ln>
+                <a:noFill/>
+              </a:ln>
+            </p:spPr>
+            <p:style>
+              <a:lnRef idx="2">
+                <a:schemeClr val="accent1">
+                  <a:shade val="50000"/>
+                </a:schemeClr>
+              </a:lnRef>
+              <a:fillRef idx="1">
+                <a:schemeClr val="accent1"/>
+              </a:fillRef>
+              <a:effectRef idx="0">
+                <a:schemeClr val="accent1"/>
+              </a:effectRef>
+              <a:fontRef idx="minor">
+                <a:schemeClr val="lt1"/>
+              </a:fontRef>
+            </p:style>
+            <p:txBody>
+              <a:bodyPr rtlCol="0" anchor="ctr"/>
+              <a:lstStyle/>
+              <a:p>
+                <a:pPr algn="ctr"/>
+                <a:endParaRPr lang="es-CL"/>
+              </a:p>
+            </p:txBody>
+          </p:sp>
+        </p:grpSp>
+        <p:sp>
+          <p:nvSpPr>
+            <p:cNvPr id="9" name="Rectángulo 8">
+              <a:extLst>
+                <a:ext uri="{FF2B5EF4-FFF2-40B4-BE49-F238E27FC236}">
+                  <a16:creationId xmlns:a16="http://schemas.microsoft.com/office/drawing/2014/main" id="{7AD57C64-C306-44D5-A8D5-578078518E86}"/>
+                </a:ext>
+              </a:extLst>
+            </p:cNvPr>
+            <p:cNvSpPr/>
+            <p:nvPr/>
+          </p:nvSpPr>
+          <p:spPr>
+            <a:xfrm>
+              <a:off x="2590682" y="2705724"/>
+              <a:ext cx="7010637" cy="1446550"/>
+            </a:xfrm>
+            <a:prstGeom prst="rect">
+              <a:avLst/>
+            </a:prstGeom>
+            <a:noFill/>
+          </p:spPr>
+          <p:txBody>
+            <a:bodyPr wrap="none" lIns="91440" tIns="45720" rIns="91440" bIns="45720">
+              <a:spAutoFit/>
+            </a:bodyPr>
+            <a:lstStyle/>
+            <a:p>
+              <a:pPr algn="ctr"/>
+              <a:r>
+                <a:rPr lang="es-ES" sz="8800" b="0" cap="none" spc="0" dirty="0">
+                  <a:ln w="28575">
+                    <a:solidFill>
+                      <a:schemeClr val="tx1"/>
+                    </a:solidFill>
+                  </a:ln>
+                  <a:solidFill>
+                    <a:schemeClr val="bg1"/>
+                  </a:solidFill>
+                  <a:effectLst>
+                    <a:outerShdw blurRad="38100" dist="19050" dir="2700000" algn="tl" rotWithShape="0">
+                      <a:schemeClr val="dk1">
+                        <a:alpha val="40000"/>
+                      </a:schemeClr>
+                    </a:outerShdw>
+                  </a:effectLst>
+                  <a:latin typeface="Gill Sans Nova" panose="020B0602020104020203" pitchFamily="34" charset="0"/>
+                  <a:cs typeface="Arial" panose="020B0604020202020204" pitchFamily="34" charset="0"/>
+                </a:rPr>
+                <a:t>A P A B A R A</a:t>
+              </a:r>
+              <a:endParaRPr lang="es-ES" sz="5400" b="0" cap="none" spc="0" dirty="0">
+                <a:ln w="28575">
+                  <a:solidFill>
+                    <a:schemeClr val="tx1"/>
+                  </a:solidFill>
+                </a:ln>
+                <a:solidFill>
+                  <a:schemeClr val="bg1"/>
+                </a:solidFill>
+                <a:effectLst>
+                  <a:outerShdw blurRad="38100" dist="19050" dir="2700000" algn="tl" rotWithShape="0">
+                    <a:schemeClr val="dk1">
+                      <a:alpha val="40000"/>
+                    </a:schemeClr>
+                  </a:outerShdw>
+                </a:effectLst>
+                <a:latin typeface="Gill Sans Nova" panose="020B0602020104020203" pitchFamily="34" charset="0"/>
+                <a:cs typeface="Arial" panose="020B0604020202020204" pitchFamily="34" charset="0"/>
+              </a:endParaRPr>
+            </a:p>
+          </p:txBody>
+        </p:sp>
+      </p:grpSp>
+    </p:spTree>
+    <p:extLst>
+      <p:ext uri="{BB962C8B-B14F-4D97-AF65-F5344CB8AC3E}">
+        <p14:creationId xmlns:p14="http://schemas.microsoft.com/office/powerpoint/2010/main" val="1449549819"/>
+      </p:ext>
+    </p:extLst>
+  </p:cSld>
+  <p:clrMapOvr>
+    <a:masterClrMapping/>
+  </p:clrMapOvr>
+</p:sld>
+</file>
+
+<file path=ppt/slides/slide12.xml><?xml version="1.0" encoding="utf-8"?>
+<p:sld xmlns:a="http://schemas.openxmlformats.org/drawingml/2006/main" xmlns:r="http://schemas.openxmlformats.org/officeDocument/2006/relationships" xmlns:p="http://schemas.openxmlformats.org/presentationml/2006/main">
+  <p:cSld>
+    <p:spTree>
+      <p:nvGrpSpPr>
+        <p:cNvPr id="1" name=""/>
+        <p:cNvGrpSpPr/>
+        <p:nvPr/>
+      </p:nvGrpSpPr>
+      <p:grpSpPr>
+        <a:xfrm>
+          <a:off x="0" y="0"/>
+          <a:ext cx="0" cy="0"/>
+          <a:chOff x="0" y="0"/>
+          <a:chExt cx="0" cy="0"/>
+        </a:xfrm>
+      </p:grpSpPr>
       <p:pic>
         <p:nvPicPr>
-          <p:cNvPr id="5" name="Imagen 4" descr="Icono&#10;&#10;Descripción generada automáticamente">
+          <p:cNvPr id="3" name="Imagen 2" descr="Icono&#10;&#10;Descripción generada automáticamente">
             <a:extLst>
               <a:ext uri="{FF2B5EF4-FFF2-40B4-BE49-F238E27FC236}">
-                <a16:creationId xmlns:a16="http://schemas.microsoft.com/office/drawing/2014/main" id="{C64DFFC2-EABA-4C75-9CF1-4C28140B3D9D}"/>
+                <a16:creationId xmlns:a16="http://schemas.microsoft.com/office/drawing/2014/main" id="{3EAB1697-F7DA-4401-A3D1-38D1631A3E0E}"/>
               </a:ext>
             </a:extLst>
           </p:cNvPr>
@@ -3927,13 +4193,13 @@
               </a:ext>
             </a:extLst>
           </a:blip>
-          <a:srcRect l="7544" t="-1" b="16006"/>
+          <a:srcRect l="7553" t="3" b="16008"/>
           <a:stretch/>
         </p:blipFill>
         <p:spPr>
           <a:xfrm>
-            <a:off x="1235606" y="189000"/>
-            <a:ext cx="9720787" cy="6480000"/>
+            <a:off x="1236234" y="189000"/>
+            <a:ext cx="9719532" cy="6480000"/>
           </a:xfrm>
           <a:prstGeom prst="rect">
             <a:avLst/>
@@ -3943,7 +4209,1783 @@
     </p:spTree>
     <p:extLst>
       <p:ext uri="{BB962C8B-B14F-4D97-AF65-F5344CB8AC3E}">
-        <p14:creationId xmlns:p14="http://schemas.microsoft.com/office/powerpoint/2010/main" val="1036759011"/>
+        <p14:creationId xmlns:p14="http://schemas.microsoft.com/office/powerpoint/2010/main" val="18676436"/>
+      </p:ext>
+    </p:extLst>
+  </p:cSld>
+  <p:clrMapOvr>
+    <a:masterClrMapping/>
+  </p:clrMapOvr>
+</p:sld>
+</file>
+
+<file path=ppt/slides/slide13.xml><?xml version="1.0" encoding="utf-8"?>
+<p:sld xmlns:a="http://schemas.openxmlformats.org/drawingml/2006/main" xmlns:r="http://schemas.openxmlformats.org/officeDocument/2006/relationships" xmlns:p="http://schemas.openxmlformats.org/presentationml/2006/main">
+  <p:cSld>
+    <p:spTree>
+      <p:nvGrpSpPr>
+        <p:cNvPr id="1" name=""/>
+        <p:cNvGrpSpPr/>
+        <p:nvPr/>
+      </p:nvGrpSpPr>
+      <p:grpSpPr>
+        <a:xfrm>
+          <a:off x="0" y="0"/>
+          <a:ext cx="0" cy="0"/>
+          <a:chOff x="0" y="0"/>
+          <a:chExt cx="0" cy="0"/>
+        </a:xfrm>
+      </p:grpSpPr>
+      <p:grpSp>
+        <p:nvGrpSpPr>
+          <p:cNvPr id="10" name="Grupo 9">
+            <a:extLst>
+              <a:ext uri="{FF2B5EF4-FFF2-40B4-BE49-F238E27FC236}">
+                <a16:creationId xmlns:a16="http://schemas.microsoft.com/office/drawing/2014/main" id="{0C9E8649-E280-9F60-EBDB-2C15329422A7}"/>
+              </a:ext>
+            </a:extLst>
+          </p:cNvPr>
+          <p:cNvGrpSpPr/>
+          <p:nvPr/>
+        </p:nvGrpSpPr>
+        <p:grpSpPr>
+          <a:xfrm>
+            <a:off x="1235994" y="189000"/>
+            <a:ext cx="9720006" cy="6481460"/>
+            <a:chOff x="1235994" y="189000"/>
+            <a:chExt cx="9720006" cy="6481460"/>
+          </a:xfrm>
+        </p:grpSpPr>
+        <p:grpSp>
+          <p:nvGrpSpPr>
+            <p:cNvPr id="11" name="Grupo 10">
+              <a:extLst>
+                <a:ext uri="{FF2B5EF4-FFF2-40B4-BE49-F238E27FC236}">
+                  <a16:creationId xmlns:a16="http://schemas.microsoft.com/office/drawing/2014/main" id="{21AD3414-154E-6B87-B49D-BF4CB9AAABF0}"/>
+                </a:ext>
+              </a:extLst>
+            </p:cNvPr>
+            <p:cNvGrpSpPr/>
+            <p:nvPr/>
+          </p:nvGrpSpPr>
+          <p:grpSpPr>
+            <a:xfrm>
+              <a:off x="1235994" y="189000"/>
+              <a:ext cx="9720006" cy="6480000"/>
+              <a:chOff x="1235994" y="189000"/>
+              <a:chExt cx="9720006" cy="6480000"/>
+            </a:xfrm>
+          </p:grpSpPr>
+          <p:sp>
+            <p:nvSpPr>
+              <p:cNvPr id="2" name="Rectángulo 1">
+                <a:extLst>
+                  <a:ext uri="{FF2B5EF4-FFF2-40B4-BE49-F238E27FC236}">
+                    <a16:creationId xmlns:a16="http://schemas.microsoft.com/office/drawing/2014/main" id="{EC25AB12-58FE-E2F2-7F5B-05A76B38634B}"/>
+                  </a:ext>
+                </a:extLst>
+              </p:cNvPr>
+              <p:cNvSpPr/>
+              <p:nvPr/>
+            </p:nvSpPr>
+            <p:spPr>
+              <a:xfrm>
+                <a:off x="1236000" y="189000"/>
+                <a:ext cx="9720000" cy="6480000"/>
+              </a:xfrm>
+              <a:prstGeom prst="rect">
+                <a:avLst/>
+              </a:prstGeom>
+              <a:solidFill>
+                <a:schemeClr val="accent2">
+                  <a:lumMod val="75000"/>
+                </a:schemeClr>
+              </a:solidFill>
+              <a:ln>
+                <a:noFill/>
+              </a:ln>
+            </p:spPr>
+            <p:style>
+              <a:lnRef idx="2">
+                <a:schemeClr val="accent1">
+                  <a:shade val="50000"/>
+                </a:schemeClr>
+              </a:lnRef>
+              <a:fillRef idx="1">
+                <a:schemeClr val="accent1"/>
+              </a:fillRef>
+              <a:effectRef idx="0">
+                <a:schemeClr val="accent1"/>
+              </a:effectRef>
+              <a:fontRef idx="minor">
+                <a:schemeClr val="lt1"/>
+              </a:fontRef>
+            </p:style>
+            <p:txBody>
+              <a:bodyPr rtlCol="0" anchor="ctr"/>
+              <a:lstStyle/>
+              <a:p>
+                <a:pPr algn="ctr"/>
+                <a:endParaRPr lang="es-CL"/>
+              </a:p>
+            </p:txBody>
+          </p:sp>
+          <p:sp>
+            <p:nvSpPr>
+              <p:cNvPr id="4" name="Rectángulo 3">
+                <a:extLst>
+                  <a:ext uri="{FF2B5EF4-FFF2-40B4-BE49-F238E27FC236}">
+                    <a16:creationId xmlns:a16="http://schemas.microsoft.com/office/drawing/2014/main" id="{141EE63E-779D-3742-3553-7A9610004212}"/>
+                  </a:ext>
+                </a:extLst>
+              </p:cNvPr>
+              <p:cNvSpPr>
+                <a:spLocks noChangeAspect="1"/>
+              </p:cNvSpPr>
+              <p:nvPr/>
+            </p:nvSpPr>
+            <p:spPr>
+              <a:xfrm>
+                <a:off x="6095996" y="189000"/>
+                <a:ext cx="4860001" cy="3240000"/>
+              </a:xfrm>
+              <a:prstGeom prst="rect">
+                <a:avLst/>
+              </a:prstGeom>
+              <a:solidFill>
+                <a:schemeClr val="tx1">
+                  <a:lumMod val="85000"/>
+                  <a:lumOff val="15000"/>
+                </a:schemeClr>
+              </a:solidFill>
+              <a:ln>
+                <a:noFill/>
+              </a:ln>
+            </p:spPr>
+            <p:style>
+              <a:lnRef idx="2">
+                <a:schemeClr val="accent1">
+                  <a:shade val="50000"/>
+                </a:schemeClr>
+              </a:lnRef>
+              <a:fillRef idx="1">
+                <a:schemeClr val="accent1"/>
+              </a:fillRef>
+              <a:effectRef idx="0">
+                <a:schemeClr val="accent1"/>
+              </a:effectRef>
+              <a:fontRef idx="minor">
+                <a:schemeClr val="lt1"/>
+              </a:fontRef>
+            </p:style>
+            <p:txBody>
+              <a:bodyPr rtlCol="0" anchor="ctr"/>
+              <a:lstStyle/>
+              <a:p>
+                <a:pPr algn="ctr"/>
+                <a:endParaRPr lang="es-CL"/>
+              </a:p>
+            </p:txBody>
+          </p:sp>
+          <p:sp>
+            <p:nvSpPr>
+              <p:cNvPr id="6" name="Rectángulo 5">
+                <a:extLst>
+                  <a:ext uri="{FF2B5EF4-FFF2-40B4-BE49-F238E27FC236}">
+                    <a16:creationId xmlns:a16="http://schemas.microsoft.com/office/drawing/2014/main" id="{C71C5AEE-F588-85C4-34E3-CB6A005BB0ED}"/>
+                  </a:ext>
+                </a:extLst>
+              </p:cNvPr>
+              <p:cNvSpPr>
+                <a:spLocks noChangeAspect="1"/>
+              </p:cNvSpPr>
+              <p:nvPr/>
+            </p:nvSpPr>
+            <p:spPr>
+              <a:xfrm flipH="1">
+                <a:off x="1235996" y="3429000"/>
+                <a:ext cx="4860001" cy="3240000"/>
+              </a:xfrm>
+              <a:prstGeom prst="rect">
+                <a:avLst/>
+              </a:prstGeom>
+              <a:solidFill>
+                <a:schemeClr val="accent2">
+                  <a:lumMod val="60000"/>
+                  <a:lumOff val="40000"/>
+                </a:schemeClr>
+              </a:solidFill>
+              <a:ln>
+                <a:noFill/>
+              </a:ln>
+            </p:spPr>
+            <p:style>
+              <a:lnRef idx="2">
+                <a:schemeClr val="accent1">
+                  <a:shade val="50000"/>
+                </a:schemeClr>
+              </a:lnRef>
+              <a:fillRef idx="1">
+                <a:schemeClr val="accent1"/>
+              </a:fillRef>
+              <a:effectRef idx="0">
+                <a:schemeClr val="accent1"/>
+              </a:effectRef>
+              <a:fontRef idx="minor">
+                <a:schemeClr val="lt1"/>
+              </a:fontRef>
+            </p:style>
+            <p:txBody>
+              <a:bodyPr rtlCol="0" anchor="ctr"/>
+              <a:lstStyle/>
+              <a:p>
+                <a:pPr algn="ctr"/>
+                <a:endParaRPr lang="es-CL"/>
+              </a:p>
+            </p:txBody>
+          </p:sp>
+          <p:sp>
+            <p:nvSpPr>
+              <p:cNvPr id="7" name="Rectángulo 6">
+                <a:extLst>
+                  <a:ext uri="{FF2B5EF4-FFF2-40B4-BE49-F238E27FC236}">
+                    <a16:creationId xmlns:a16="http://schemas.microsoft.com/office/drawing/2014/main" id="{07C09074-B936-CB2A-63FF-04EAE2BBD07B}"/>
+                  </a:ext>
+                </a:extLst>
+              </p:cNvPr>
+              <p:cNvSpPr>
+                <a:spLocks noChangeAspect="1"/>
+              </p:cNvSpPr>
+              <p:nvPr/>
+            </p:nvSpPr>
+            <p:spPr>
+              <a:xfrm flipH="1">
+                <a:off x="6095995" y="3429000"/>
+                <a:ext cx="4860001" cy="3240000"/>
+              </a:xfrm>
+              <a:prstGeom prst="rect">
+                <a:avLst/>
+              </a:prstGeom>
+              <a:solidFill>
+                <a:schemeClr val="bg1">
+                  <a:lumMod val="65000"/>
+                </a:schemeClr>
+              </a:solidFill>
+              <a:ln>
+                <a:noFill/>
+              </a:ln>
+            </p:spPr>
+            <p:style>
+              <a:lnRef idx="2">
+                <a:schemeClr val="accent1">
+                  <a:shade val="50000"/>
+                </a:schemeClr>
+              </a:lnRef>
+              <a:fillRef idx="1">
+                <a:schemeClr val="accent1"/>
+              </a:fillRef>
+              <a:effectRef idx="0">
+                <a:schemeClr val="accent1"/>
+              </a:effectRef>
+              <a:fontRef idx="minor">
+                <a:schemeClr val="lt1"/>
+              </a:fontRef>
+            </p:style>
+            <p:txBody>
+              <a:bodyPr rtlCol="0" anchor="ctr"/>
+              <a:lstStyle/>
+              <a:p>
+                <a:pPr algn="ctr"/>
+                <a:endParaRPr lang="es-CL"/>
+              </a:p>
+            </p:txBody>
+          </p:sp>
+          <p:sp>
+            <p:nvSpPr>
+              <p:cNvPr id="8" name="Triángulo rectángulo 7">
+                <a:extLst>
+                  <a:ext uri="{FF2B5EF4-FFF2-40B4-BE49-F238E27FC236}">
+                    <a16:creationId xmlns:a16="http://schemas.microsoft.com/office/drawing/2014/main" id="{8F3A10CC-111E-89E8-93DE-36C50DFDD4CB}"/>
+                  </a:ext>
+                </a:extLst>
+              </p:cNvPr>
+              <p:cNvSpPr>
+                <a:spLocks noChangeAspect="1"/>
+              </p:cNvSpPr>
+              <p:nvPr/>
+            </p:nvSpPr>
+            <p:spPr>
+              <a:xfrm flipH="1">
+                <a:off x="1235996" y="3429000"/>
+                <a:ext cx="4860001" cy="3240000"/>
+              </a:xfrm>
+              <a:prstGeom prst="rtTriangle">
+                <a:avLst/>
+              </a:prstGeom>
+              <a:solidFill>
+                <a:schemeClr val="accent2">
+                  <a:lumMod val="40000"/>
+                  <a:lumOff val="60000"/>
+                </a:schemeClr>
+              </a:solidFill>
+              <a:ln>
+                <a:noFill/>
+              </a:ln>
+            </p:spPr>
+            <p:style>
+              <a:lnRef idx="2">
+                <a:schemeClr val="accent1">
+                  <a:shade val="50000"/>
+                </a:schemeClr>
+              </a:lnRef>
+              <a:fillRef idx="1">
+                <a:schemeClr val="accent1"/>
+              </a:fillRef>
+              <a:effectRef idx="0">
+                <a:schemeClr val="accent1"/>
+              </a:effectRef>
+              <a:fontRef idx="minor">
+                <a:schemeClr val="lt1"/>
+              </a:fontRef>
+            </p:style>
+            <p:txBody>
+              <a:bodyPr rtlCol="0" anchor="ctr"/>
+              <a:lstStyle/>
+              <a:p>
+                <a:pPr algn="ctr"/>
+                <a:endParaRPr lang="es-CL" dirty="0"/>
+              </a:p>
+            </p:txBody>
+          </p:sp>
+          <p:sp>
+            <p:nvSpPr>
+              <p:cNvPr id="9" name="Triángulo rectángulo 8">
+                <a:extLst>
+                  <a:ext uri="{FF2B5EF4-FFF2-40B4-BE49-F238E27FC236}">
+                    <a16:creationId xmlns:a16="http://schemas.microsoft.com/office/drawing/2014/main" id="{921ACE6B-D471-2AFB-45A5-C5BE2264AB54}"/>
+                  </a:ext>
+                </a:extLst>
+              </p:cNvPr>
+              <p:cNvSpPr>
+                <a:spLocks noChangeAspect="1"/>
+              </p:cNvSpPr>
+              <p:nvPr/>
+            </p:nvSpPr>
+            <p:spPr>
+              <a:xfrm flipH="1" flipV="1">
+                <a:off x="1235994" y="189000"/>
+                <a:ext cx="4860001" cy="3240000"/>
+              </a:xfrm>
+              <a:prstGeom prst="rtTriangle">
+                <a:avLst/>
+              </a:prstGeom>
+              <a:solidFill>
+                <a:srgbClr val="5C2A00"/>
+              </a:solidFill>
+              <a:ln>
+                <a:noFill/>
+              </a:ln>
+            </p:spPr>
+            <p:style>
+              <a:lnRef idx="2">
+                <a:schemeClr val="accent1">
+                  <a:shade val="50000"/>
+                </a:schemeClr>
+              </a:lnRef>
+              <a:fillRef idx="1">
+                <a:schemeClr val="accent1"/>
+              </a:fillRef>
+              <a:effectRef idx="0">
+                <a:schemeClr val="accent1"/>
+              </a:effectRef>
+              <a:fontRef idx="minor">
+                <a:schemeClr val="lt1"/>
+              </a:fontRef>
+            </p:style>
+            <p:txBody>
+              <a:bodyPr rtlCol="0" anchor="ctr"/>
+              <a:lstStyle/>
+              <a:p>
+                <a:pPr algn="ctr"/>
+                <a:endParaRPr lang="es-CL" dirty="0"/>
+              </a:p>
+            </p:txBody>
+          </p:sp>
+          <p:sp>
+            <p:nvSpPr>
+              <p:cNvPr id="5" name="Triángulo rectángulo 4">
+                <a:extLst>
+                  <a:ext uri="{FF2B5EF4-FFF2-40B4-BE49-F238E27FC236}">
+                    <a16:creationId xmlns:a16="http://schemas.microsoft.com/office/drawing/2014/main" id="{2271BCE5-66DB-BC5A-A2DE-93F22B360F3C}"/>
+                  </a:ext>
+                </a:extLst>
+              </p:cNvPr>
+              <p:cNvSpPr>
+                <a:spLocks noChangeAspect="1"/>
+              </p:cNvSpPr>
+              <p:nvPr/>
+            </p:nvSpPr>
+            <p:spPr>
+              <a:xfrm flipH="1" flipV="1">
+                <a:off x="6095994" y="3429000"/>
+                <a:ext cx="4860001" cy="3240000"/>
+              </a:xfrm>
+              <a:prstGeom prst="rtTriangle">
+                <a:avLst/>
+              </a:prstGeom>
+              <a:solidFill>
+                <a:schemeClr val="bg2">
+                  <a:lumMod val="50000"/>
+                </a:schemeClr>
+              </a:solidFill>
+              <a:ln>
+                <a:noFill/>
+              </a:ln>
+            </p:spPr>
+            <p:style>
+              <a:lnRef idx="2">
+                <a:schemeClr val="accent1">
+                  <a:shade val="50000"/>
+                </a:schemeClr>
+              </a:lnRef>
+              <a:fillRef idx="1">
+                <a:schemeClr val="accent1"/>
+              </a:fillRef>
+              <a:effectRef idx="0">
+                <a:schemeClr val="accent1"/>
+              </a:effectRef>
+              <a:fontRef idx="minor">
+                <a:schemeClr val="lt1"/>
+              </a:fontRef>
+            </p:style>
+            <p:txBody>
+              <a:bodyPr rtlCol="0" anchor="ctr"/>
+              <a:lstStyle/>
+              <a:p>
+                <a:pPr algn="ctr"/>
+                <a:endParaRPr lang="es-CL"/>
+              </a:p>
+            </p:txBody>
+          </p:sp>
+          <p:sp>
+            <p:nvSpPr>
+              <p:cNvPr id="3" name="Triángulo rectángulo 2">
+                <a:extLst>
+                  <a:ext uri="{FF2B5EF4-FFF2-40B4-BE49-F238E27FC236}">
+                    <a16:creationId xmlns:a16="http://schemas.microsoft.com/office/drawing/2014/main" id="{1AA79B4B-EEA3-996B-4BA6-F3ACA93B6DA6}"/>
+                  </a:ext>
+                </a:extLst>
+              </p:cNvPr>
+              <p:cNvSpPr>
+                <a:spLocks noChangeAspect="1"/>
+              </p:cNvSpPr>
+              <p:nvPr/>
+            </p:nvSpPr>
+            <p:spPr>
+              <a:xfrm flipH="1">
+                <a:off x="6095994" y="189000"/>
+                <a:ext cx="4860001" cy="3240000"/>
+              </a:xfrm>
+              <a:prstGeom prst="rtTriangle">
+                <a:avLst/>
+              </a:prstGeom>
+              <a:solidFill>
+                <a:schemeClr val="bg2">
+                  <a:lumMod val="25000"/>
+                </a:schemeClr>
+              </a:solidFill>
+              <a:ln>
+                <a:noFill/>
+              </a:ln>
+            </p:spPr>
+            <p:style>
+              <a:lnRef idx="2">
+                <a:schemeClr val="accent1">
+                  <a:shade val="50000"/>
+                </a:schemeClr>
+              </a:lnRef>
+              <a:fillRef idx="1">
+                <a:schemeClr val="accent1"/>
+              </a:fillRef>
+              <a:effectRef idx="0">
+                <a:schemeClr val="accent1"/>
+              </a:effectRef>
+              <a:fontRef idx="minor">
+                <a:schemeClr val="lt1"/>
+              </a:fontRef>
+            </p:style>
+            <p:txBody>
+              <a:bodyPr rtlCol="0" anchor="ctr"/>
+              <a:lstStyle/>
+              <a:p>
+                <a:pPr algn="ctr"/>
+                <a:endParaRPr lang="es-CL"/>
+              </a:p>
+            </p:txBody>
+          </p:sp>
+        </p:grpSp>
+        <p:pic>
+          <p:nvPicPr>
+            <p:cNvPr id="13" name="Imagen 12">
+              <a:extLst>
+                <a:ext uri="{FF2B5EF4-FFF2-40B4-BE49-F238E27FC236}">
+                  <a16:creationId xmlns:a16="http://schemas.microsoft.com/office/drawing/2014/main" id="{09516514-24BD-8200-9BC6-99FCBC2FCF80}"/>
+                </a:ext>
+              </a:extLst>
+            </p:cNvPr>
+            <p:cNvPicPr>
+              <a:picLocks noChangeAspect="1"/>
+            </p:cNvPicPr>
+            <p:nvPr/>
+          </p:nvPicPr>
+          <p:blipFill rotWithShape="1">
+            <a:blip r:embed="rId2">
+              <a:extLst>
+                <a:ext uri="{BEBA8EAE-BF5A-486C-A8C5-ECC9F3942E4B}">
+                  <a14:imgProps xmlns:a14="http://schemas.microsoft.com/office/drawing/2010/main">
+                    <a14:imgLayer r:embed="rId3">
+                      <a14:imgEffect>
+                        <a14:backgroundRemoval t="41960" b="94598" l="35667" r="71667">
+                          <a14:foregroundMark x1="35667" y1="67965" x2="35667" y2="67965"/>
+                          <a14:foregroundMark x1="49500" y1="46231" x2="49500" y2="46231"/>
+                          <a14:foregroundMark x1="50000" y1="44975" x2="50000" y2="44975"/>
+                          <a14:foregroundMark x1="49500" y1="42085" x2="49500" y2="42085"/>
+                          <a14:foregroundMark x1="69000" y1="57538" x2="69000" y2="57538"/>
+                          <a14:foregroundMark x1="71833" y1="70352" x2="71833" y2="70352"/>
+                          <a14:foregroundMark x1="55500" y1="94598" x2="55500" y2="94598"/>
+                          <a14:backgroundMark x1="55833" y1="53894" x2="55833" y2="53894"/>
+                          <a14:backgroundMark x1="55000" y1="50377" x2="55000" y2="50377"/>
+                          <a14:backgroundMark x1="54667" y1="50000" x2="54667" y2="50000"/>
+                          <a14:backgroundMark x1="55167" y1="53141" x2="55167" y2="53141"/>
+                          <a14:backgroundMark x1="55167" y1="52261" x2="55167" y2="52261"/>
+                          <a14:backgroundMark x1="55000" y1="51508" x2="55000" y2="51508"/>
+                          <a14:backgroundMark x1="54333" y1="49372" x2="54333" y2="49372"/>
+                          <a14:backgroundMark x1="54333" y1="48995" x2="54333" y2="48995"/>
+                          <a14:backgroundMark x1="54167" y1="48367" x2="54167" y2="48367"/>
+                          <a14:backgroundMark x1="54667" y1="57663" x2="54667" y2="57663"/>
+                          <a14:backgroundMark x1="55167" y1="57286" x2="55167" y2="57286"/>
+                          <a14:backgroundMark x1="55833" y1="55779" x2="55833" y2="55779"/>
+                          <a14:backgroundMark x1="55833" y1="55402" x2="55833" y2="55402"/>
+                          <a14:backgroundMark x1="62667" y1="49121" x2="62667" y2="49121"/>
+                          <a14:backgroundMark x1="62667" y1="49121" x2="63833" y2="46608"/>
+                          <a14:backgroundMark x1="63833" y1="48492" x2="67333" y2="48492"/>
+                          <a14:backgroundMark x1="64833" y1="48492" x2="64833" y2="48492"/>
+                          <a14:backgroundMark x1="40333" y1="93593" x2="40333" y2="93593"/>
+                          <a14:backgroundMark x1="38167" y1="92462" x2="46167" y2="95352"/>
+                        </a14:backgroundRemoval>
+                      </a14:imgEffect>
+                    </a14:imgLayer>
+                  </a14:imgProps>
+                </a:ext>
+              </a:extLst>
+            </a:blip>
+            <a:srcRect l="32055" t="39510" r="25105"/>
+            <a:stretch/>
+          </p:blipFill>
+          <p:spPr>
+            <a:xfrm>
+              <a:off x="7731580" y="381662"/>
+              <a:ext cx="1588828" cy="2976251"/>
+            </a:xfrm>
+            <a:prstGeom prst="rect">
+              <a:avLst/>
+            </a:prstGeom>
+          </p:spPr>
+        </p:pic>
+        <p:pic>
+          <p:nvPicPr>
+            <p:cNvPr id="14" name="Imagen 13">
+              <a:extLst>
+                <a:ext uri="{FF2B5EF4-FFF2-40B4-BE49-F238E27FC236}">
+                  <a16:creationId xmlns:a16="http://schemas.microsoft.com/office/drawing/2014/main" id="{473DA890-955E-452F-30C4-89A3C774180D}"/>
+                </a:ext>
+              </a:extLst>
+            </p:cNvPr>
+            <p:cNvPicPr>
+              <a:picLocks noChangeAspect="1"/>
+            </p:cNvPicPr>
+            <p:nvPr/>
+          </p:nvPicPr>
+          <p:blipFill rotWithShape="1">
+            <a:blip r:embed="rId4">
+              <a:extLst>
+                <a:ext uri="{BEBA8EAE-BF5A-486C-A8C5-ECC9F3942E4B}">
+                  <a14:imgProps xmlns:a14="http://schemas.microsoft.com/office/drawing/2010/main">
+                    <a14:imgLayer r:embed="rId3">
+                      <a14:imgEffect>
+                        <a14:backgroundRemoval t="3141" b="44975" l="3333" r="30000">
+                          <a14:foregroundMark x1="17833" y1="7286" x2="17000" y2="3141"/>
+                          <a14:foregroundMark x1="29333" y1="35050" x2="29000" y2="27764"/>
+                          <a14:foregroundMark x1="4833" y1="18216" x2="5000" y2="11307"/>
+                          <a14:foregroundMark x1="7833" y1="21985" x2="7500" y2="17965"/>
+                          <a14:foregroundMark x1="7833" y1="20477" x2="7500" y2="12940"/>
+                          <a14:backgroundMark x1="8185" y1="14546" x2="8000" y2="12563"/>
+                          <a14:backgroundMark x1="8833" y1="21482" x2="8496" y2="17876"/>
+                          <a14:backgroundMark x1="20000" y1="20226" x2="20000" y2="20226"/>
+                          <a14:backgroundMark x1="20000" y1="13568" x2="20000" y2="13568"/>
+                          <a14:backgroundMark x1="20167" y1="12940" x2="20167" y2="12940"/>
+                          <a14:backgroundMark x1="20000" y1="12563" x2="20000" y2="12563"/>
+                          <a14:backgroundMark x1="20167" y1="15704" x2="20167" y2="15704"/>
+                          <a14:backgroundMark x1="20167" y1="15075" x2="20167" y2="15075"/>
+                          <a14:backgroundMark x1="20167" y1="17714" x2="20167" y2="17714"/>
+                          <a14:backgroundMark x1="20000" y1="11055" x2="20000" y2="11055"/>
+                        </a14:backgroundRemoval>
+                      </a14:imgEffect>
+                    </a14:imgLayer>
+                  </a14:imgProps>
+                </a:ext>
+              </a:extLst>
+            </a:blip>
+            <a:srcRect r="66495" b="50000"/>
+            <a:stretch/>
+          </p:blipFill>
+          <p:spPr>
+            <a:xfrm flipH="1">
+              <a:off x="7757518" y="3627572"/>
+              <a:ext cx="1536952" cy="3042888"/>
+            </a:xfrm>
+            <a:prstGeom prst="rect">
+              <a:avLst/>
+            </a:prstGeom>
+          </p:spPr>
+        </p:pic>
+        <p:pic>
+          <p:nvPicPr>
+            <p:cNvPr id="16" name="Imagen 15">
+              <a:extLst>
+                <a:ext uri="{FF2B5EF4-FFF2-40B4-BE49-F238E27FC236}">
+                  <a16:creationId xmlns:a16="http://schemas.microsoft.com/office/drawing/2014/main" id="{6AB5B826-61A6-D2E8-52AA-BA240B424115}"/>
+                </a:ext>
+              </a:extLst>
+            </p:cNvPr>
+            <p:cNvPicPr>
+              <a:picLocks noChangeAspect="1"/>
+            </p:cNvPicPr>
+            <p:nvPr/>
+          </p:nvPicPr>
+          <p:blipFill rotWithShape="1">
+            <a:blip r:embed="rId5">
+              <a:extLst>
+                <a:ext uri="{BEBA8EAE-BF5A-486C-A8C5-ECC9F3942E4B}">
+                  <a14:imgProps xmlns:a14="http://schemas.microsoft.com/office/drawing/2010/main">
+                    <a14:imgLayer r:embed="rId3">
+                      <a14:imgEffect>
+                        <a14:backgroundRemoval t="2261" b="44975" l="73000" r="97000">
+                          <a14:foregroundMark x1="73167" y1="34171" x2="73167" y2="34171"/>
+                          <a14:foregroundMark x1="84167" y1="4146" x2="84167" y2="4146"/>
+                          <a14:foregroundMark x1="84667" y1="2261" x2="84667" y2="2261"/>
+                          <a14:backgroundMark x1="90000" y1="10678" x2="90000" y2="10678"/>
+                          <a14:backgroundMark x1="90000" y1="11683" x2="90000" y2="11683"/>
+                          <a14:backgroundMark x1="90000" y1="13317" x2="90000" y2="13317"/>
+                          <a14:backgroundMark x1="90000" y1="14824" x2="90000" y2="14824"/>
+                          <a14:backgroundMark x1="89667" y1="19221" x2="89667" y2="19221"/>
+                          <a14:backgroundMark x1="89667" y1="18593" x2="89667" y2="18593"/>
+                          <a14:backgroundMark x1="89667" y1="17965" x2="89667" y2="17965"/>
+                          <a14:backgroundMark x1="89667" y1="17462" x2="89667" y2="17462"/>
+                          <a14:backgroundMark x1="90000" y1="13945" x2="90000" y2="13945"/>
+                          <a14:backgroundMark x1="90000" y1="16457" x2="90000" y2="16457"/>
+                          <a14:backgroundMark x1="90000" y1="19849" x2="90000" y2="19849"/>
+                          <a14:backgroundMark x1="79167" y1="42714" x2="79167" y2="42714"/>
+                          <a14:backgroundMark x1="84167" y1="1633" x2="84167" y2="1633"/>
+                          <a14:backgroundMark x1="85500" y1="1508" x2="85500" y2="1508"/>
+                          <a14:backgroundMark x1="82167" y1="6533" x2="82167" y2="6533"/>
+                          <a14:backgroundMark x1="82167" y1="6030" x2="82167" y2="6030"/>
+                          <a14:backgroundMark x1="82000" y1="7161" x2="82000" y2="7161"/>
+                        </a14:backgroundRemoval>
+                      </a14:imgEffect>
+                    </a14:imgLayer>
+                  </a14:imgProps>
+                </a:ext>
+              </a:extLst>
+            </a:blip>
+            <a:srcRect l="70012" b="50000"/>
+            <a:stretch/>
+          </p:blipFill>
+          <p:spPr>
+            <a:xfrm flipH="1">
+              <a:off x="2983740" y="381662"/>
+              <a:ext cx="1364493" cy="3018300"/>
+            </a:xfrm>
+            <a:prstGeom prst="rect">
+              <a:avLst/>
+            </a:prstGeom>
+          </p:spPr>
+        </p:pic>
+        <p:pic>
+          <p:nvPicPr>
+            <p:cNvPr id="17" name="Imagen 16">
+              <a:extLst>
+                <a:ext uri="{FF2B5EF4-FFF2-40B4-BE49-F238E27FC236}">
+                  <a16:creationId xmlns:a16="http://schemas.microsoft.com/office/drawing/2014/main" id="{23C21973-490C-458E-A1DE-6D14AFF35469}"/>
+                </a:ext>
+              </a:extLst>
+            </p:cNvPr>
+            <p:cNvPicPr>
+              <a:picLocks noChangeAspect="1"/>
+            </p:cNvPicPr>
+            <p:nvPr/>
+          </p:nvPicPr>
+          <p:blipFill rotWithShape="1">
+            <a:blip r:embed="rId6">
+              <a:extLst>
+                <a:ext uri="{BEBA8EAE-BF5A-486C-A8C5-ECC9F3942E4B}">
+                  <a14:imgProps xmlns:a14="http://schemas.microsoft.com/office/drawing/2010/main">
+                    <a14:imgLayer r:embed="rId3">
+                      <a14:imgEffect>
+                        <a14:backgroundRemoval t="2764" b="35302" l="39167" r="66000">
+                          <a14:foregroundMark x1="49500" y1="3392" x2="49500" y2="3392"/>
+                          <a14:foregroundMark x1="54000" y1="2764" x2="54000" y2="2764"/>
+                          <a14:foregroundMark x1="65000" y1="20477" x2="65000" y2="20477"/>
+                          <a14:foregroundMark x1="53667" y1="33668" x2="53667" y2="33668"/>
+                          <a14:foregroundMark x1="46167" y1="35302" x2="46167" y2="35302"/>
+                          <a14:foregroundMark x1="51000" y1="5276" x2="51000" y2="5276"/>
+                          <a14:backgroundMark x1="46500" y1="16206" x2="46500" y2="8040"/>
+                          <a14:backgroundMark x1="56500" y1="15327" x2="56500" y2="15327"/>
+                          <a14:backgroundMark x1="56500" y1="14070" x2="56500" y2="14070"/>
+                          <a14:backgroundMark x1="56667" y1="12563" x2="56667" y2="12563"/>
+                          <a14:backgroundMark x1="56667" y1="11181" x2="56667" y2="11181"/>
+                          <a14:backgroundMark x1="56667" y1="10176" x2="56667" y2="10176"/>
+                          <a14:backgroundMark x1="56500" y1="7035" x2="56500" y2="7035"/>
+                          <a14:backgroundMark x1="56500" y1="8417" x2="56500" y2="8417"/>
+                          <a14:backgroundMark x1="52000" y1="11307" x2="52000" y2="11307"/>
+                          <a14:backgroundMark x1="51833" y1="8920" x2="51833" y2="8920"/>
+                          <a14:backgroundMark x1="51833" y1="5528" x2="51833" y2="5528"/>
+                          <a14:backgroundMark x1="51833" y1="4648" x2="51833" y2="4648"/>
+                          <a14:backgroundMark x1="51833" y1="5151" x2="51833" y2="5151"/>
+                        </a14:backgroundRemoval>
+                      </a14:imgEffect>
+                    </a14:imgLayer>
+                  </a14:imgProps>
+                </a:ext>
+              </a:extLst>
+            </a:blip>
+            <a:srcRect l="36005" r="30490" b="62712"/>
+            <a:stretch/>
+          </p:blipFill>
+          <p:spPr>
+            <a:xfrm>
+              <a:off x="2874950" y="3881062"/>
+              <a:ext cx="1582074" cy="2335875"/>
+            </a:xfrm>
+            <a:prstGeom prst="rect">
+              <a:avLst/>
+            </a:prstGeom>
+          </p:spPr>
+        </p:pic>
+      </p:grpSp>
+    </p:spTree>
+    <p:extLst>
+      <p:ext uri="{BB962C8B-B14F-4D97-AF65-F5344CB8AC3E}">
+        <p14:creationId xmlns:p14="http://schemas.microsoft.com/office/powerpoint/2010/main" val="4118066917"/>
+      </p:ext>
+    </p:extLst>
+  </p:cSld>
+  <p:clrMapOvr>
+    <a:masterClrMapping/>
+  </p:clrMapOvr>
+</p:sld>
+</file>
+
+<file path=ppt/slides/slide14.xml><?xml version="1.0" encoding="utf-8"?>
+<p:sld xmlns:a="http://schemas.openxmlformats.org/drawingml/2006/main" xmlns:r="http://schemas.openxmlformats.org/officeDocument/2006/relationships" xmlns:p="http://schemas.openxmlformats.org/presentationml/2006/main">
+  <p:cSld>
+    <p:spTree>
+      <p:nvGrpSpPr>
+        <p:cNvPr id="1" name=""/>
+        <p:cNvGrpSpPr/>
+        <p:nvPr/>
+      </p:nvGrpSpPr>
+      <p:grpSpPr>
+        <a:xfrm>
+          <a:off x="0" y="0"/>
+          <a:ext cx="0" cy="0"/>
+          <a:chOff x="0" y="0"/>
+          <a:chExt cx="0" cy="0"/>
+        </a:xfrm>
+      </p:grpSpPr>
+      <p:grpSp>
+        <p:nvGrpSpPr>
+          <p:cNvPr id="24" name="Grupo 23">
+            <a:extLst>
+              <a:ext uri="{FF2B5EF4-FFF2-40B4-BE49-F238E27FC236}">
+                <a16:creationId xmlns:a16="http://schemas.microsoft.com/office/drawing/2014/main" id="{2D0F33A9-8679-2FEE-7143-93D8BFAAF3F3}"/>
+              </a:ext>
+            </a:extLst>
+          </p:cNvPr>
+          <p:cNvGrpSpPr/>
+          <p:nvPr/>
+        </p:nvGrpSpPr>
+        <p:grpSpPr>
+          <a:xfrm>
+            <a:off x="1236000" y="189000"/>
+            <a:ext cx="9720000" cy="6480000"/>
+            <a:chOff x="1236000" y="189000"/>
+            <a:chExt cx="9720000" cy="6480000"/>
+          </a:xfrm>
+        </p:grpSpPr>
+        <p:sp>
+          <p:nvSpPr>
+            <p:cNvPr id="2" name="Rectángulo 1">
+              <a:extLst>
+                <a:ext uri="{FF2B5EF4-FFF2-40B4-BE49-F238E27FC236}">
+                  <a16:creationId xmlns:a16="http://schemas.microsoft.com/office/drawing/2014/main" id="{6ED1C443-23E1-DBB7-03F7-F50D66A3F77F}"/>
+                </a:ext>
+              </a:extLst>
+            </p:cNvPr>
+            <p:cNvSpPr/>
+            <p:nvPr/>
+          </p:nvSpPr>
+          <p:spPr>
+            <a:xfrm>
+              <a:off x="1236000" y="189000"/>
+              <a:ext cx="9720000" cy="6480000"/>
+            </a:xfrm>
+            <a:prstGeom prst="rect">
+              <a:avLst/>
+            </a:prstGeom>
+            <a:solidFill>
+              <a:schemeClr val="bg1"/>
+            </a:solidFill>
+            <a:ln>
+              <a:noFill/>
+            </a:ln>
+          </p:spPr>
+          <p:style>
+            <a:lnRef idx="2">
+              <a:schemeClr val="accent1">
+                <a:shade val="50000"/>
+              </a:schemeClr>
+            </a:lnRef>
+            <a:fillRef idx="1">
+              <a:schemeClr val="accent1"/>
+            </a:fillRef>
+            <a:effectRef idx="0">
+              <a:schemeClr val="accent1"/>
+            </a:effectRef>
+            <a:fontRef idx="minor">
+              <a:schemeClr val="lt1"/>
+            </a:fontRef>
+          </p:style>
+          <p:txBody>
+            <a:bodyPr rtlCol="0" anchor="ctr"/>
+            <a:lstStyle/>
+            <a:p>
+              <a:pPr algn="ctr"/>
+              <a:endParaRPr lang="es-CL"/>
+            </a:p>
+          </p:txBody>
+        </p:sp>
+        <p:sp>
+          <p:nvSpPr>
+            <p:cNvPr id="3" name="Elipse 2">
+              <a:extLst>
+                <a:ext uri="{FF2B5EF4-FFF2-40B4-BE49-F238E27FC236}">
+                  <a16:creationId xmlns:a16="http://schemas.microsoft.com/office/drawing/2014/main" id="{C5A4F457-2E93-C2C7-5A58-638A91CDA23A}"/>
+                </a:ext>
+              </a:extLst>
+            </p:cNvPr>
+            <p:cNvSpPr/>
+            <p:nvPr/>
+          </p:nvSpPr>
+          <p:spPr>
+            <a:xfrm>
+              <a:off x="3036000" y="369000"/>
+              <a:ext cx="6120000" cy="6120000"/>
+            </a:xfrm>
+            <a:prstGeom prst="ellipse">
+              <a:avLst/>
+            </a:prstGeom>
+            <a:solidFill>
+              <a:schemeClr val="tx1"/>
+            </a:solidFill>
+            <a:ln>
+              <a:solidFill>
+                <a:schemeClr val="tx1"/>
+              </a:solidFill>
+            </a:ln>
+          </p:spPr>
+          <p:style>
+            <a:lnRef idx="2">
+              <a:schemeClr val="accent1">
+                <a:shade val="50000"/>
+              </a:schemeClr>
+            </a:lnRef>
+            <a:fillRef idx="1">
+              <a:schemeClr val="accent1"/>
+            </a:fillRef>
+            <a:effectRef idx="0">
+              <a:schemeClr val="accent1"/>
+            </a:effectRef>
+            <a:fontRef idx="minor">
+              <a:schemeClr val="lt1"/>
+            </a:fontRef>
+          </p:style>
+          <p:txBody>
+            <a:bodyPr rtlCol="0" anchor="ctr"/>
+            <a:lstStyle/>
+            <a:p>
+              <a:pPr algn="ctr"/>
+              <a:endParaRPr lang="es-CL"/>
+            </a:p>
+          </p:txBody>
+        </p:sp>
+        <p:sp>
+          <p:nvSpPr>
+            <p:cNvPr id="21" name="Elipse 20">
+              <a:extLst>
+                <a:ext uri="{FF2B5EF4-FFF2-40B4-BE49-F238E27FC236}">
+                  <a16:creationId xmlns:a16="http://schemas.microsoft.com/office/drawing/2014/main" id="{B7856106-50FF-BED7-48B9-C726F37B4AF2}"/>
+                </a:ext>
+              </a:extLst>
+            </p:cNvPr>
+            <p:cNvSpPr/>
+            <p:nvPr/>
+          </p:nvSpPr>
+          <p:spPr>
+            <a:xfrm>
+              <a:off x="3396000" y="729000"/>
+              <a:ext cx="5400000" cy="5400000"/>
+            </a:xfrm>
+            <a:prstGeom prst="ellipse">
+              <a:avLst/>
+            </a:prstGeom>
+            <a:solidFill>
+              <a:schemeClr val="tx1"/>
+            </a:solidFill>
+            <a:ln w="12700">
+              <a:solidFill>
+                <a:schemeClr val="bg1"/>
+              </a:solidFill>
+            </a:ln>
+          </p:spPr>
+          <p:style>
+            <a:lnRef idx="2">
+              <a:schemeClr val="accent1">
+                <a:shade val="50000"/>
+              </a:schemeClr>
+            </a:lnRef>
+            <a:fillRef idx="1">
+              <a:schemeClr val="accent1"/>
+            </a:fillRef>
+            <a:effectRef idx="0">
+              <a:schemeClr val="accent1"/>
+            </a:effectRef>
+            <a:fontRef idx="minor">
+              <a:schemeClr val="lt1"/>
+            </a:fontRef>
+          </p:style>
+          <p:txBody>
+            <a:bodyPr rtlCol="0" anchor="ctr"/>
+            <a:lstStyle/>
+            <a:p>
+              <a:pPr algn="ctr"/>
+              <a:endParaRPr lang="es-CL"/>
+            </a:p>
+          </p:txBody>
+        </p:sp>
+        <p:sp>
+          <p:nvSpPr>
+            <p:cNvPr id="4" name="Elipse 3">
+              <a:extLst>
+                <a:ext uri="{FF2B5EF4-FFF2-40B4-BE49-F238E27FC236}">
+                  <a16:creationId xmlns:a16="http://schemas.microsoft.com/office/drawing/2014/main" id="{C41CEF1F-288D-587D-BA66-346FDFB80442}"/>
+                </a:ext>
+              </a:extLst>
+            </p:cNvPr>
+            <p:cNvSpPr/>
+            <p:nvPr/>
+          </p:nvSpPr>
+          <p:spPr>
+            <a:xfrm>
+              <a:off x="3756000" y="1089000"/>
+              <a:ext cx="4680000" cy="4680000"/>
+            </a:xfrm>
+            <a:prstGeom prst="ellipse">
+              <a:avLst/>
+            </a:prstGeom>
+            <a:solidFill>
+              <a:srgbClr val="00B0F0"/>
+            </a:solidFill>
+            <a:ln>
+              <a:solidFill>
+                <a:schemeClr val="tx1"/>
+              </a:solidFill>
+            </a:ln>
+          </p:spPr>
+          <p:style>
+            <a:lnRef idx="2">
+              <a:schemeClr val="accent1">
+                <a:shade val="50000"/>
+              </a:schemeClr>
+            </a:lnRef>
+            <a:fillRef idx="1">
+              <a:schemeClr val="accent1"/>
+            </a:fillRef>
+            <a:effectRef idx="0">
+              <a:schemeClr val="accent1"/>
+            </a:effectRef>
+            <a:fontRef idx="minor">
+              <a:schemeClr val="lt1"/>
+            </a:fontRef>
+          </p:style>
+          <p:txBody>
+            <a:bodyPr rtlCol="0" anchor="ctr"/>
+            <a:lstStyle/>
+            <a:p>
+              <a:pPr algn="ctr"/>
+              <a:endParaRPr lang="es-CL"/>
+            </a:p>
+          </p:txBody>
+        </p:sp>
+        <p:sp>
+          <p:nvSpPr>
+            <p:cNvPr id="19" name="Elipse 18">
+              <a:extLst>
+                <a:ext uri="{FF2B5EF4-FFF2-40B4-BE49-F238E27FC236}">
+                  <a16:creationId xmlns:a16="http://schemas.microsoft.com/office/drawing/2014/main" id="{76CDCBF0-28B8-F7A9-B4C8-4CE110C53D82}"/>
+                </a:ext>
+              </a:extLst>
+            </p:cNvPr>
+            <p:cNvSpPr/>
+            <p:nvPr/>
+          </p:nvSpPr>
+          <p:spPr>
+            <a:xfrm>
+              <a:off x="4116000" y="1449000"/>
+              <a:ext cx="3960000" cy="3960000"/>
+            </a:xfrm>
+            <a:prstGeom prst="ellipse">
+              <a:avLst/>
+            </a:prstGeom>
+            <a:solidFill>
+              <a:srgbClr val="00B0F0"/>
+            </a:solidFill>
+            <a:ln>
+              <a:solidFill>
+                <a:schemeClr val="tx1"/>
+              </a:solidFill>
+            </a:ln>
+          </p:spPr>
+          <p:style>
+            <a:lnRef idx="2">
+              <a:schemeClr val="accent1">
+                <a:shade val="50000"/>
+              </a:schemeClr>
+            </a:lnRef>
+            <a:fillRef idx="1">
+              <a:schemeClr val="accent1"/>
+            </a:fillRef>
+            <a:effectRef idx="0">
+              <a:schemeClr val="accent1"/>
+            </a:effectRef>
+            <a:fontRef idx="minor">
+              <a:schemeClr val="lt1"/>
+            </a:fontRef>
+          </p:style>
+          <p:txBody>
+            <a:bodyPr rtlCol="0" anchor="ctr"/>
+            <a:lstStyle/>
+            <a:p>
+              <a:pPr algn="ctr"/>
+              <a:endParaRPr lang="es-CL"/>
+            </a:p>
+          </p:txBody>
+        </p:sp>
+        <p:sp>
+          <p:nvSpPr>
+            <p:cNvPr id="5" name="Elipse 4">
+              <a:extLst>
+                <a:ext uri="{FF2B5EF4-FFF2-40B4-BE49-F238E27FC236}">
+                  <a16:creationId xmlns:a16="http://schemas.microsoft.com/office/drawing/2014/main" id="{2B3B71BC-CE66-4B7F-63DA-677D5147376B}"/>
+                </a:ext>
+              </a:extLst>
+            </p:cNvPr>
+            <p:cNvSpPr/>
+            <p:nvPr/>
+          </p:nvSpPr>
+          <p:spPr>
+            <a:xfrm>
+              <a:off x="4476000" y="1809000"/>
+              <a:ext cx="3240000" cy="3240000"/>
+            </a:xfrm>
+            <a:prstGeom prst="ellipse">
+              <a:avLst/>
+            </a:prstGeom>
+            <a:solidFill>
+              <a:srgbClr val="FF0000"/>
+            </a:solidFill>
+            <a:ln>
+              <a:solidFill>
+                <a:schemeClr val="tx1"/>
+              </a:solidFill>
+            </a:ln>
+          </p:spPr>
+          <p:style>
+            <a:lnRef idx="2">
+              <a:schemeClr val="accent1">
+                <a:shade val="50000"/>
+              </a:schemeClr>
+            </a:lnRef>
+            <a:fillRef idx="1">
+              <a:schemeClr val="accent1"/>
+            </a:fillRef>
+            <a:effectRef idx="0">
+              <a:schemeClr val="accent1"/>
+            </a:effectRef>
+            <a:fontRef idx="minor">
+              <a:schemeClr val="lt1"/>
+            </a:fontRef>
+          </p:style>
+          <p:txBody>
+            <a:bodyPr rtlCol="0" anchor="ctr"/>
+            <a:lstStyle/>
+            <a:p>
+              <a:pPr algn="ctr"/>
+              <a:endParaRPr lang="es-CL"/>
+            </a:p>
+          </p:txBody>
+        </p:sp>
+        <p:sp>
+          <p:nvSpPr>
+            <p:cNvPr id="22" name="Elipse 21">
+              <a:extLst>
+                <a:ext uri="{FF2B5EF4-FFF2-40B4-BE49-F238E27FC236}">
+                  <a16:creationId xmlns:a16="http://schemas.microsoft.com/office/drawing/2014/main" id="{AA5F379C-9117-CF74-A849-49A4C7E8C8C6}"/>
+                </a:ext>
+              </a:extLst>
+            </p:cNvPr>
+            <p:cNvSpPr/>
+            <p:nvPr/>
+          </p:nvSpPr>
+          <p:spPr>
+            <a:xfrm>
+              <a:off x="4836000" y="2169000"/>
+              <a:ext cx="2520000" cy="2520000"/>
+            </a:xfrm>
+            <a:prstGeom prst="ellipse">
+              <a:avLst/>
+            </a:prstGeom>
+            <a:solidFill>
+              <a:srgbClr val="FF0000"/>
+            </a:solidFill>
+            <a:ln>
+              <a:solidFill>
+                <a:schemeClr val="tx1"/>
+              </a:solidFill>
+            </a:ln>
+          </p:spPr>
+          <p:style>
+            <a:lnRef idx="2">
+              <a:schemeClr val="accent1">
+                <a:shade val="50000"/>
+              </a:schemeClr>
+            </a:lnRef>
+            <a:fillRef idx="1">
+              <a:schemeClr val="accent1"/>
+            </a:fillRef>
+            <a:effectRef idx="0">
+              <a:schemeClr val="accent1"/>
+            </a:effectRef>
+            <a:fontRef idx="minor">
+              <a:schemeClr val="lt1"/>
+            </a:fontRef>
+          </p:style>
+          <p:txBody>
+            <a:bodyPr rtlCol="0" anchor="ctr"/>
+            <a:lstStyle/>
+            <a:p>
+              <a:pPr algn="ctr"/>
+              <a:endParaRPr lang="es-CL"/>
+            </a:p>
+          </p:txBody>
+        </p:sp>
+        <p:sp>
+          <p:nvSpPr>
+            <p:cNvPr id="6" name="Elipse 5">
+              <a:extLst>
+                <a:ext uri="{FF2B5EF4-FFF2-40B4-BE49-F238E27FC236}">
+                  <a16:creationId xmlns:a16="http://schemas.microsoft.com/office/drawing/2014/main" id="{AA54DA27-53A3-52F3-CB6B-F8C7683345C9}"/>
+                </a:ext>
+              </a:extLst>
+            </p:cNvPr>
+            <p:cNvSpPr/>
+            <p:nvPr/>
+          </p:nvSpPr>
+          <p:spPr>
+            <a:xfrm>
+              <a:off x="5196000" y="2529000"/>
+              <a:ext cx="1800000" cy="1800000"/>
+            </a:xfrm>
+            <a:prstGeom prst="ellipse">
+              <a:avLst/>
+            </a:prstGeom>
+            <a:solidFill>
+              <a:schemeClr val="accent4"/>
+            </a:solidFill>
+            <a:ln>
+              <a:solidFill>
+                <a:schemeClr val="tx1"/>
+              </a:solidFill>
+            </a:ln>
+          </p:spPr>
+          <p:style>
+            <a:lnRef idx="2">
+              <a:schemeClr val="accent1">
+                <a:shade val="50000"/>
+              </a:schemeClr>
+            </a:lnRef>
+            <a:fillRef idx="1">
+              <a:schemeClr val="accent1"/>
+            </a:fillRef>
+            <a:effectRef idx="0">
+              <a:schemeClr val="accent1"/>
+            </a:effectRef>
+            <a:fontRef idx="minor">
+              <a:schemeClr val="lt1"/>
+            </a:fontRef>
+          </p:style>
+          <p:txBody>
+            <a:bodyPr rtlCol="0" anchor="ctr"/>
+            <a:lstStyle/>
+            <a:p>
+              <a:pPr algn="ctr"/>
+              <a:endParaRPr lang="es-CL"/>
+            </a:p>
+          </p:txBody>
+        </p:sp>
+        <p:sp>
+          <p:nvSpPr>
+            <p:cNvPr id="20" name="Elipse 19">
+              <a:extLst>
+                <a:ext uri="{FF2B5EF4-FFF2-40B4-BE49-F238E27FC236}">
+                  <a16:creationId xmlns:a16="http://schemas.microsoft.com/office/drawing/2014/main" id="{927FBE3F-56BA-46A1-8BF9-11A95B48FCB2}"/>
+                </a:ext>
+              </a:extLst>
+            </p:cNvPr>
+            <p:cNvSpPr/>
+            <p:nvPr/>
+          </p:nvSpPr>
+          <p:spPr>
+            <a:xfrm>
+              <a:off x="5556000" y="2889000"/>
+              <a:ext cx="1080000" cy="1080000"/>
+            </a:xfrm>
+            <a:prstGeom prst="ellipse">
+              <a:avLst/>
+            </a:prstGeom>
+            <a:solidFill>
+              <a:schemeClr val="accent4"/>
+            </a:solidFill>
+            <a:ln>
+              <a:solidFill>
+                <a:schemeClr val="tx1"/>
+              </a:solidFill>
+            </a:ln>
+          </p:spPr>
+          <p:style>
+            <a:lnRef idx="2">
+              <a:schemeClr val="accent1">
+                <a:shade val="50000"/>
+              </a:schemeClr>
+            </a:lnRef>
+            <a:fillRef idx="1">
+              <a:schemeClr val="accent1"/>
+            </a:fillRef>
+            <a:effectRef idx="0">
+              <a:schemeClr val="accent1"/>
+            </a:effectRef>
+            <a:fontRef idx="minor">
+              <a:schemeClr val="lt1"/>
+            </a:fontRef>
+          </p:style>
+          <p:txBody>
+            <a:bodyPr rtlCol="0" anchor="ctr"/>
+            <a:lstStyle/>
+            <a:p>
+              <a:pPr algn="ctr"/>
+              <a:endParaRPr lang="es-CL"/>
+            </a:p>
+          </p:txBody>
+        </p:sp>
+        <p:sp>
+          <p:nvSpPr>
+            <p:cNvPr id="23" name="Elipse 22">
+              <a:extLst>
+                <a:ext uri="{FF2B5EF4-FFF2-40B4-BE49-F238E27FC236}">
+                  <a16:creationId xmlns:a16="http://schemas.microsoft.com/office/drawing/2014/main" id="{F28846B1-DD4C-95AB-5205-FF2FC24C0FA8}"/>
+                </a:ext>
+              </a:extLst>
+            </p:cNvPr>
+            <p:cNvSpPr/>
+            <p:nvPr/>
+          </p:nvSpPr>
+          <p:spPr>
+            <a:xfrm>
+              <a:off x="5826000" y="3159000"/>
+              <a:ext cx="540000" cy="540000"/>
+            </a:xfrm>
+            <a:prstGeom prst="ellipse">
+              <a:avLst/>
+            </a:prstGeom>
+            <a:solidFill>
+              <a:schemeClr val="accent4"/>
+            </a:solidFill>
+            <a:ln>
+              <a:solidFill>
+                <a:schemeClr val="tx1"/>
+              </a:solidFill>
+            </a:ln>
+          </p:spPr>
+          <p:style>
+            <a:lnRef idx="2">
+              <a:schemeClr val="accent1">
+                <a:shade val="50000"/>
+              </a:schemeClr>
+            </a:lnRef>
+            <a:fillRef idx="1">
+              <a:schemeClr val="accent1"/>
+            </a:fillRef>
+            <a:effectRef idx="0">
+              <a:schemeClr val="accent1"/>
+            </a:effectRef>
+            <a:fontRef idx="minor">
+              <a:schemeClr val="lt1"/>
+            </a:fontRef>
+          </p:style>
+          <p:txBody>
+            <a:bodyPr rtlCol="0" anchor="ctr"/>
+            <a:lstStyle/>
+            <a:p>
+              <a:pPr algn="ctr"/>
+              <a:endParaRPr lang="es-CL"/>
+            </a:p>
+          </p:txBody>
+        </p:sp>
+        <p:sp>
+          <p:nvSpPr>
+            <p:cNvPr id="7" name="Elipse 6">
+              <a:extLst>
+                <a:ext uri="{FF2B5EF4-FFF2-40B4-BE49-F238E27FC236}">
+                  <a16:creationId xmlns:a16="http://schemas.microsoft.com/office/drawing/2014/main" id="{8909E9D1-DE19-1C77-0BDF-EB920E7A56C1}"/>
+                </a:ext>
+              </a:extLst>
+            </p:cNvPr>
+            <p:cNvSpPr/>
+            <p:nvPr/>
+          </p:nvSpPr>
+          <p:spPr>
+            <a:xfrm>
+              <a:off x="6006000" y="3339000"/>
+              <a:ext cx="180000" cy="180000"/>
+            </a:xfrm>
+            <a:prstGeom prst="ellipse">
+              <a:avLst/>
+            </a:prstGeom>
+            <a:solidFill>
+              <a:schemeClr val="tx1"/>
+            </a:solidFill>
+            <a:ln>
+              <a:solidFill>
+                <a:schemeClr val="tx1"/>
+              </a:solidFill>
+            </a:ln>
+          </p:spPr>
+          <p:style>
+            <a:lnRef idx="2">
+              <a:schemeClr val="accent1">
+                <a:shade val="50000"/>
+              </a:schemeClr>
+            </a:lnRef>
+            <a:fillRef idx="1">
+              <a:schemeClr val="accent1"/>
+            </a:fillRef>
+            <a:effectRef idx="0">
+              <a:schemeClr val="accent1"/>
+            </a:effectRef>
+            <a:fontRef idx="minor">
+              <a:schemeClr val="lt1"/>
+            </a:fontRef>
+          </p:style>
+          <p:txBody>
+            <a:bodyPr rtlCol="0" anchor="ctr"/>
+            <a:lstStyle/>
+            <a:p>
+              <a:pPr algn="ctr"/>
+              <a:endParaRPr lang="es-CL"/>
+            </a:p>
+          </p:txBody>
+        </p:sp>
+        <p:sp>
+          <p:nvSpPr>
+            <p:cNvPr id="12" name="Triángulo rectángulo 11">
+              <a:extLst>
+                <a:ext uri="{FF2B5EF4-FFF2-40B4-BE49-F238E27FC236}">
+                  <a16:creationId xmlns:a16="http://schemas.microsoft.com/office/drawing/2014/main" id="{E9528409-84DD-C12D-33CF-97964F127B42}"/>
+                </a:ext>
+              </a:extLst>
+            </p:cNvPr>
+            <p:cNvSpPr/>
+            <p:nvPr/>
+          </p:nvSpPr>
+          <p:spPr>
+            <a:xfrm>
+              <a:off x="1236000" y="3969000"/>
+              <a:ext cx="1800000" cy="2700000"/>
+            </a:xfrm>
+            <a:prstGeom prst="rtTriangle">
+              <a:avLst/>
+            </a:prstGeom>
+            <a:solidFill>
+              <a:srgbClr val="FC0261"/>
+            </a:solidFill>
+            <a:ln>
+              <a:noFill/>
+            </a:ln>
+          </p:spPr>
+          <p:style>
+            <a:lnRef idx="2">
+              <a:schemeClr val="accent1">
+                <a:shade val="50000"/>
+              </a:schemeClr>
+            </a:lnRef>
+            <a:fillRef idx="1">
+              <a:schemeClr val="accent1"/>
+            </a:fillRef>
+            <a:effectRef idx="0">
+              <a:schemeClr val="accent1"/>
+            </a:effectRef>
+            <a:fontRef idx="minor">
+              <a:schemeClr val="lt1"/>
+            </a:fontRef>
+          </p:style>
+          <p:txBody>
+            <a:bodyPr rtlCol="0" anchor="ctr"/>
+            <a:lstStyle/>
+            <a:p>
+              <a:pPr algn="ctr"/>
+              <a:endParaRPr lang="es-CL"/>
+            </a:p>
+          </p:txBody>
+        </p:sp>
+        <p:sp>
+          <p:nvSpPr>
+            <p:cNvPr id="13" name="Triángulo rectángulo 12">
+              <a:extLst>
+                <a:ext uri="{FF2B5EF4-FFF2-40B4-BE49-F238E27FC236}">
+                  <a16:creationId xmlns:a16="http://schemas.microsoft.com/office/drawing/2014/main" id="{7821AF1D-34E1-3BF7-9D22-B238D4E40E70}"/>
+                </a:ext>
+              </a:extLst>
+            </p:cNvPr>
+            <p:cNvSpPr/>
+            <p:nvPr/>
+          </p:nvSpPr>
+          <p:spPr>
+            <a:xfrm flipV="1">
+              <a:off x="1236000" y="189000"/>
+              <a:ext cx="1800000" cy="2700000"/>
+            </a:xfrm>
+            <a:prstGeom prst="rtTriangle">
+              <a:avLst/>
+            </a:prstGeom>
+            <a:solidFill>
+              <a:schemeClr val="bg1">
+                <a:lumMod val="65000"/>
+              </a:schemeClr>
+            </a:solidFill>
+            <a:ln>
+              <a:noFill/>
+            </a:ln>
+          </p:spPr>
+          <p:style>
+            <a:lnRef idx="2">
+              <a:schemeClr val="accent1">
+                <a:shade val="50000"/>
+              </a:schemeClr>
+            </a:lnRef>
+            <a:fillRef idx="1">
+              <a:schemeClr val="accent1"/>
+            </a:fillRef>
+            <a:effectRef idx="0">
+              <a:schemeClr val="accent1"/>
+            </a:effectRef>
+            <a:fontRef idx="minor">
+              <a:schemeClr val="lt1"/>
+            </a:fontRef>
+          </p:style>
+          <p:txBody>
+            <a:bodyPr rtlCol="0" anchor="ctr"/>
+            <a:lstStyle/>
+            <a:p>
+              <a:pPr algn="ctr"/>
+              <a:endParaRPr lang="es-CL"/>
+            </a:p>
+          </p:txBody>
+        </p:sp>
+        <p:sp>
+          <p:nvSpPr>
+            <p:cNvPr id="14" name="Triángulo rectángulo 13">
+              <a:extLst>
+                <a:ext uri="{FF2B5EF4-FFF2-40B4-BE49-F238E27FC236}">
+                  <a16:creationId xmlns:a16="http://schemas.microsoft.com/office/drawing/2014/main" id="{C53943AE-586F-E156-6C04-A1490FD494A7}"/>
+                </a:ext>
+              </a:extLst>
+            </p:cNvPr>
+            <p:cNvSpPr/>
+            <p:nvPr/>
+          </p:nvSpPr>
+          <p:spPr>
+            <a:xfrm flipH="1" flipV="1">
+              <a:off x="9156000" y="189000"/>
+              <a:ext cx="1800000" cy="2700000"/>
+            </a:xfrm>
+            <a:prstGeom prst="rtTriangle">
+              <a:avLst/>
+            </a:prstGeom>
+            <a:solidFill>
+              <a:srgbClr val="76B531"/>
+            </a:solidFill>
+            <a:ln>
+              <a:noFill/>
+            </a:ln>
+          </p:spPr>
+          <p:style>
+            <a:lnRef idx="2">
+              <a:schemeClr val="accent1">
+                <a:shade val="50000"/>
+              </a:schemeClr>
+            </a:lnRef>
+            <a:fillRef idx="1">
+              <a:schemeClr val="accent1"/>
+            </a:fillRef>
+            <a:effectRef idx="0">
+              <a:schemeClr val="accent1"/>
+            </a:effectRef>
+            <a:fontRef idx="minor">
+              <a:schemeClr val="lt1"/>
+            </a:fontRef>
+          </p:style>
+          <p:txBody>
+            <a:bodyPr rtlCol="0" anchor="ctr"/>
+            <a:lstStyle/>
+            <a:p>
+              <a:pPr algn="ctr"/>
+              <a:endParaRPr lang="es-CL"/>
+            </a:p>
+          </p:txBody>
+        </p:sp>
+        <p:sp>
+          <p:nvSpPr>
+            <p:cNvPr id="15" name="Triángulo rectángulo 14">
+              <a:extLst>
+                <a:ext uri="{FF2B5EF4-FFF2-40B4-BE49-F238E27FC236}">
+                  <a16:creationId xmlns:a16="http://schemas.microsoft.com/office/drawing/2014/main" id="{C8D4B287-AA58-B22C-AC89-1FB0E77169FD}"/>
+                </a:ext>
+              </a:extLst>
+            </p:cNvPr>
+            <p:cNvSpPr/>
+            <p:nvPr/>
+          </p:nvSpPr>
+          <p:spPr>
+            <a:xfrm flipH="1">
+              <a:off x="9156000" y="3969000"/>
+              <a:ext cx="1800000" cy="2700000"/>
+            </a:xfrm>
+            <a:prstGeom prst="rtTriangle">
+              <a:avLst/>
+            </a:prstGeom>
+            <a:solidFill>
+              <a:srgbClr val="FE5002"/>
+            </a:solidFill>
+            <a:ln>
+              <a:noFill/>
+            </a:ln>
+          </p:spPr>
+          <p:style>
+            <a:lnRef idx="2">
+              <a:schemeClr val="accent1">
+                <a:shade val="50000"/>
+              </a:schemeClr>
+            </a:lnRef>
+            <a:fillRef idx="1">
+              <a:schemeClr val="accent1"/>
+            </a:fillRef>
+            <a:effectRef idx="0">
+              <a:schemeClr val="accent1"/>
+            </a:effectRef>
+            <a:fontRef idx="minor">
+              <a:schemeClr val="lt1"/>
+            </a:fontRef>
+          </p:style>
+          <p:txBody>
+            <a:bodyPr rtlCol="0" anchor="ctr"/>
+            <a:lstStyle/>
+            <a:p>
+              <a:pPr algn="ctr"/>
+              <a:endParaRPr lang="es-CL"/>
+            </a:p>
+          </p:txBody>
+        </p:sp>
+        <p:pic>
+          <p:nvPicPr>
+            <p:cNvPr id="10" name="Gráfico 9">
+              <a:extLst>
+                <a:ext uri="{FF2B5EF4-FFF2-40B4-BE49-F238E27FC236}">
+                  <a16:creationId xmlns:a16="http://schemas.microsoft.com/office/drawing/2014/main" id="{ABFE2DE9-36CD-E4DA-5697-82F9F6F335A0}"/>
+                </a:ext>
+              </a:extLst>
+            </p:cNvPr>
+            <p:cNvPicPr>
+              <a:picLocks noChangeAspect="1"/>
+            </p:cNvPicPr>
+            <p:nvPr/>
+          </p:nvPicPr>
+          <p:blipFill>
+            <a:blip r:embed="rId2">
+              <a:extLst>
+                <a:ext uri="{28A0092B-C50C-407E-A947-70E740481C1C}">
+                  <a14:useLocalDpi xmlns:a14="http://schemas.microsoft.com/office/drawing/2010/main" val="0"/>
+                </a:ext>
+                <a:ext uri="{96DAC541-7B7A-43D3-8B79-37D633B846F1}">
+                  <asvg:svgBlip xmlns:asvg="http://schemas.microsoft.com/office/drawing/2016/SVG/main" r:embed="rId3"/>
+                </a:ext>
+              </a:extLst>
+            </a:blip>
+            <a:stretch>
+              <a:fillRect/>
+            </a:stretch>
+          </p:blipFill>
+          <p:spPr>
+            <a:xfrm>
+              <a:off x="1428096" y="5483925"/>
+              <a:ext cx="887904" cy="1005075"/>
+            </a:xfrm>
+            <a:prstGeom prst="rect">
+              <a:avLst/>
+            </a:prstGeom>
+          </p:spPr>
+        </p:pic>
+        <p:pic>
+          <p:nvPicPr>
+            <p:cNvPr id="16" name="Gráfico 15">
+              <a:extLst>
+                <a:ext uri="{FF2B5EF4-FFF2-40B4-BE49-F238E27FC236}">
+                  <a16:creationId xmlns:a16="http://schemas.microsoft.com/office/drawing/2014/main" id="{3C6F6C36-7AA2-0669-CEEC-2A35CF49077F}"/>
+                </a:ext>
+              </a:extLst>
+            </p:cNvPr>
+            <p:cNvPicPr>
+              <a:picLocks noChangeAspect="1"/>
+            </p:cNvPicPr>
+            <p:nvPr/>
+          </p:nvPicPr>
+          <p:blipFill>
+            <a:blip r:embed="rId2">
+              <a:extLst>
+                <a:ext uri="{28A0092B-C50C-407E-A947-70E740481C1C}">
+                  <a14:useLocalDpi xmlns:a14="http://schemas.microsoft.com/office/drawing/2010/main" val="0"/>
+                </a:ext>
+                <a:ext uri="{96DAC541-7B7A-43D3-8B79-37D633B846F1}">
+                  <asvg:svgBlip xmlns:asvg="http://schemas.microsoft.com/office/drawing/2016/SVG/main" r:embed="rId3"/>
+                </a:ext>
+              </a:extLst>
+            </a:blip>
+            <a:stretch>
+              <a:fillRect/>
+            </a:stretch>
+          </p:blipFill>
+          <p:spPr>
+            <a:xfrm flipV="1">
+              <a:off x="1428096" y="369000"/>
+              <a:ext cx="887904" cy="1005075"/>
+            </a:xfrm>
+            <a:prstGeom prst="rect">
+              <a:avLst/>
+            </a:prstGeom>
+          </p:spPr>
+        </p:pic>
+        <p:pic>
+          <p:nvPicPr>
+            <p:cNvPr id="17" name="Gráfico 16">
+              <a:extLst>
+                <a:ext uri="{FF2B5EF4-FFF2-40B4-BE49-F238E27FC236}">
+                  <a16:creationId xmlns:a16="http://schemas.microsoft.com/office/drawing/2014/main" id="{B34A3F41-1ED5-C2C3-E2EF-062578E9F12D}"/>
+                </a:ext>
+              </a:extLst>
+            </p:cNvPr>
+            <p:cNvPicPr>
+              <a:picLocks noChangeAspect="1"/>
+            </p:cNvPicPr>
+            <p:nvPr/>
+          </p:nvPicPr>
+          <p:blipFill>
+            <a:blip r:embed="rId2">
+              <a:extLst>
+                <a:ext uri="{28A0092B-C50C-407E-A947-70E740481C1C}">
+                  <a14:useLocalDpi xmlns:a14="http://schemas.microsoft.com/office/drawing/2010/main" val="0"/>
+                </a:ext>
+                <a:ext uri="{96DAC541-7B7A-43D3-8B79-37D633B846F1}">
+                  <asvg:svgBlip xmlns:asvg="http://schemas.microsoft.com/office/drawing/2016/SVG/main" r:embed="rId3"/>
+                </a:ext>
+              </a:extLst>
+            </a:blip>
+            <a:stretch>
+              <a:fillRect/>
+            </a:stretch>
+          </p:blipFill>
+          <p:spPr>
+            <a:xfrm flipH="1" flipV="1">
+              <a:off x="9876000" y="373275"/>
+              <a:ext cx="887904" cy="1005075"/>
+            </a:xfrm>
+            <a:prstGeom prst="rect">
+              <a:avLst/>
+            </a:prstGeom>
+          </p:spPr>
+        </p:pic>
+        <p:pic>
+          <p:nvPicPr>
+            <p:cNvPr id="18" name="Gráfico 17">
+              <a:extLst>
+                <a:ext uri="{FF2B5EF4-FFF2-40B4-BE49-F238E27FC236}">
+                  <a16:creationId xmlns:a16="http://schemas.microsoft.com/office/drawing/2014/main" id="{AF16FB4C-EDE4-AE16-06E8-1B9B368A701F}"/>
+                </a:ext>
+              </a:extLst>
+            </p:cNvPr>
+            <p:cNvPicPr>
+              <a:picLocks noChangeAspect="1"/>
+            </p:cNvPicPr>
+            <p:nvPr/>
+          </p:nvPicPr>
+          <p:blipFill>
+            <a:blip r:embed="rId2">
+              <a:extLst>
+                <a:ext uri="{28A0092B-C50C-407E-A947-70E740481C1C}">
+                  <a14:useLocalDpi xmlns:a14="http://schemas.microsoft.com/office/drawing/2010/main" val="0"/>
+                </a:ext>
+                <a:ext uri="{96DAC541-7B7A-43D3-8B79-37D633B846F1}">
+                  <asvg:svgBlip xmlns:asvg="http://schemas.microsoft.com/office/drawing/2016/SVG/main" r:embed="rId3"/>
+                </a:ext>
+              </a:extLst>
+            </a:blip>
+            <a:stretch>
+              <a:fillRect/>
+            </a:stretch>
+          </p:blipFill>
+          <p:spPr>
+            <a:xfrm flipH="1">
+              <a:off x="9876000" y="5488200"/>
+              <a:ext cx="887904" cy="1005075"/>
+            </a:xfrm>
+            <a:prstGeom prst="rect">
+              <a:avLst/>
+            </a:prstGeom>
+          </p:spPr>
+        </p:pic>
+      </p:grpSp>
+    </p:spTree>
+    <p:extLst>
+      <p:ext uri="{BB962C8B-B14F-4D97-AF65-F5344CB8AC3E}">
+        <p14:creationId xmlns:p14="http://schemas.microsoft.com/office/powerpoint/2010/main" val="3046108154"/>
       </p:ext>
     </p:extLst>
   </p:cSld>
@@ -4713,10 +6755,10 @@
       </p:grpSpPr>
       <p:grpSp>
         <p:nvGrpSpPr>
-          <p:cNvPr id="8" name="Grupo 7">
+          <p:cNvPr id="9" name="Grupo 8">
             <a:extLst>
               <a:ext uri="{FF2B5EF4-FFF2-40B4-BE49-F238E27FC236}">
-                <a16:creationId xmlns:a16="http://schemas.microsoft.com/office/drawing/2014/main" id="{B33CD152-5BF1-401E-ADAB-2462C1274B81}"/>
+                <a16:creationId xmlns:a16="http://schemas.microsoft.com/office/drawing/2014/main" id="{25BE6AD8-6E17-1385-E693-B85080EA5463}"/>
               </a:ext>
             </a:extLst>
           </p:cNvPr>
@@ -4752,9 +6794,7 @@
               <a:avLst/>
             </a:prstGeom>
             <a:solidFill>
-              <a:schemeClr val="accent2">
-                <a:lumMod val="75000"/>
-              </a:schemeClr>
+              <a:srgbClr val="FE5002"/>
             </a:solidFill>
             <a:ln>
               <a:noFill/>
@@ -4787,10 +6827,10 @@
         </p:sp>
         <p:sp>
           <p:nvSpPr>
-            <p:cNvPr id="5" name="Triángulo rectángulo 4">
+            <p:cNvPr id="6" name="Rectángulo 5">
               <a:extLst>
                 <a:ext uri="{FF2B5EF4-FFF2-40B4-BE49-F238E27FC236}">
-                  <a16:creationId xmlns:a16="http://schemas.microsoft.com/office/drawing/2014/main" id="{D9CDCE9A-9878-4898-AAA7-D2D42E6BAF6B}"/>
+                  <a16:creationId xmlns:a16="http://schemas.microsoft.com/office/drawing/2014/main" id="{0579BBF3-F70C-47F0-8C6C-FB688255E3CB}"/>
                 </a:ext>
               </a:extLst>
             </p:cNvPr>
@@ -4798,16 +6838,16 @@
             <p:nvPr/>
           </p:nvSpPr>
           <p:spPr>
-            <a:xfrm flipV="1">
-              <a:off x="6096000" y="189000"/>
+            <a:xfrm flipH="1">
+              <a:off x="3666000" y="189000"/>
               <a:ext cx="4860000" cy="6480000"/>
             </a:xfrm>
-            <a:prstGeom prst="rtTriangle">
+            <a:prstGeom prst="rect">
               <a:avLst/>
             </a:prstGeom>
             <a:solidFill>
               <a:schemeClr val="accent6">
-                <a:lumMod val="75000"/>
+                <a:lumMod val="50000"/>
               </a:schemeClr>
             </a:solidFill>
             <a:ln>
@@ -4841,64 +6881,10 @@
         </p:sp>
         <p:sp>
           <p:nvSpPr>
-            <p:cNvPr id="6" name="Triángulo rectángulo 5">
+            <p:cNvPr id="8" name="Sol 7">
               <a:extLst>
                 <a:ext uri="{FF2B5EF4-FFF2-40B4-BE49-F238E27FC236}">
-                  <a16:creationId xmlns:a16="http://schemas.microsoft.com/office/drawing/2014/main" id="{0579BBF3-F70C-47F0-8C6C-FB688255E3CB}"/>
-                </a:ext>
-              </a:extLst>
-            </p:cNvPr>
-            <p:cNvSpPr/>
-            <p:nvPr/>
-          </p:nvSpPr>
-          <p:spPr>
-            <a:xfrm flipH="1">
-              <a:off x="1236000" y="189000"/>
-              <a:ext cx="4860000" cy="6480000"/>
-            </a:xfrm>
-            <a:prstGeom prst="rtTriangle">
-              <a:avLst/>
-            </a:prstGeom>
-            <a:solidFill>
-              <a:schemeClr val="accent6">
-                <a:lumMod val="75000"/>
-              </a:schemeClr>
-            </a:solidFill>
-            <a:ln>
-              <a:noFill/>
-            </a:ln>
-          </p:spPr>
-          <p:style>
-            <a:lnRef idx="2">
-              <a:schemeClr val="accent1">
-                <a:shade val="50000"/>
-              </a:schemeClr>
-            </a:lnRef>
-            <a:fillRef idx="1">
-              <a:schemeClr val="accent1"/>
-            </a:fillRef>
-            <a:effectRef idx="0">
-              <a:schemeClr val="accent1"/>
-            </a:effectRef>
-            <a:fontRef idx="minor">
-              <a:schemeClr val="lt1"/>
-            </a:fontRef>
-          </p:style>
-          <p:txBody>
-            <a:bodyPr rtlCol="0" anchor="ctr"/>
-            <a:lstStyle/>
-            <a:p>
-              <a:pPr algn="ctr"/>
-              <a:endParaRPr lang="es-CL"/>
-            </a:p>
-          </p:txBody>
-        </p:sp>
-        <p:sp>
-          <p:nvSpPr>
-            <p:cNvPr id="7" name="Sol 6">
-              <a:extLst>
-                <a:ext uri="{FF2B5EF4-FFF2-40B4-BE49-F238E27FC236}">
-                  <a16:creationId xmlns:a16="http://schemas.microsoft.com/office/drawing/2014/main" id="{4FD40E5E-3EC0-40A2-BE16-D6F585B2D315}"/>
+                  <a16:creationId xmlns:a16="http://schemas.microsoft.com/office/drawing/2014/main" id="{CE516A11-36BD-2768-351E-E724AECEE1E1}"/>
                 </a:ext>
               </a:extLst>
             </p:cNvPr>
@@ -4911,10 +6897,12 @@
               <a:ext cx="3600000" cy="3600000"/>
             </a:xfrm>
             <a:prstGeom prst="sun">
-              <a:avLst/>
+              <a:avLst>
+                <a:gd name="adj" fmla="val 40081"/>
+              </a:avLst>
             </a:prstGeom>
             <a:solidFill>
-              <a:srgbClr val="DFDA00"/>
+              <a:schemeClr val="bg1"/>
             </a:solidFill>
             <a:ln>
               <a:noFill/>
@@ -4949,7 +6937,7 @@
     </p:spTree>
     <p:extLst>
       <p:ext uri="{BB962C8B-B14F-4D97-AF65-F5344CB8AC3E}">
-        <p14:creationId xmlns:p14="http://schemas.microsoft.com/office/powerpoint/2010/main" val="433317516"/>
+        <p14:creationId xmlns:p14="http://schemas.microsoft.com/office/powerpoint/2010/main" val="4020484008"/>
       </p:ext>
     </p:extLst>
   </p:cSld>
@@ -4978,10 +6966,10 @@
       </p:grpSpPr>
       <p:grpSp>
         <p:nvGrpSpPr>
-          <p:cNvPr id="7" name="Grupo 6">
+          <p:cNvPr id="11" name="Grupo 10">
             <a:extLst>
               <a:ext uri="{FF2B5EF4-FFF2-40B4-BE49-F238E27FC236}">
-                <a16:creationId xmlns:a16="http://schemas.microsoft.com/office/drawing/2014/main" id="{B23F699A-BF76-46FE-87BE-8A17D5D10E49}"/>
+                <a16:creationId xmlns:a16="http://schemas.microsoft.com/office/drawing/2014/main" id="{BEFA969E-71A8-DDA6-CFF2-25CE895658D7}"/>
               </a:ext>
             </a:extLst>
           </p:cNvPr>
@@ -4992,7 +6980,7 @@
           <a:xfrm>
             <a:off x="1236000" y="189000"/>
             <a:ext cx="9720000" cy="6480000"/>
-            <a:chOff x="0" y="0"/>
+            <a:chOff x="1236000" y="189000"/>
             <a:chExt cx="9720000" cy="6480000"/>
           </a:xfrm>
         </p:grpSpPr>
@@ -5001,7 +6989,7 @@
             <p:cNvPr id="2" name="Rectángulo 1">
               <a:extLst>
                 <a:ext uri="{FF2B5EF4-FFF2-40B4-BE49-F238E27FC236}">
-                  <a16:creationId xmlns:a16="http://schemas.microsoft.com/office/drawing/2014/main" id="{18BABD37-FF35-462C-9DE7-FDEADB8E269E}"/>
+                  <a16:creationId xmlns:a16="http://schemas.microsoft.com/office/drawing/2014/main" id="{4B29AD16-A57D-4B3D-904D-18D7D53B553C}"/>
                 </a:ext>
               </a:extLst>
             </p:cNvPr>
@@ -5010,14 +6998,14 @@
           </p:nvSpPr>
           <p:spPr>
             <a:xfrm>
-              <a:off x="0" y="0"/>
+              <a:off x="1236000" y="189000"/>
               <a:ext cx="9720000" cy="6480000"/>
             </a:xfrm>
             <a:prstGeom prst="rect">
               <a:avLst/>
             </a:prstGeom>
             <a:solidFill>
-              <a:srgbClr val="002060"/>
+              <a:srgbClr val="FE5002"/>
             </a:solidFill>
             <a:ln>
               <a:noFill/>
@@ -5050,10 +7038,10 @@
         </p:sp>
         <p:sp>
           <p:nvSpPr>
-            <p:cNvPr id="3" name="Elipse 2">
+            <p:cNvPr id="5" name="Triángulo rectángulo 4">
               <a:extLst>
                 <a:ext uri="{FF2B5EF4-FFF2-40B4-BE49-F238E27FC236}">
-                  <a16:creationId xmlns:a16="http://schemas.microsoft.com/office/drawing/2014/main" id="{225DDDA3-BD83-4742-9DD3-D1F6EE8223F3}"/>
+                  <a16:creationId xmlns:a16="http://schemas.microsoft.com/office/drawing/2014/main" id="{D9CDCE9A-9878-4898-AAA7-D2D42E6BAF6B}"/>
                 </a:ext>
               </a:extLst>
             </p:cNvPr>
@@ -5061,17 +7049,16 @@
             <p:nvPr/>
           </p:nvSpPr>
           <p:spPr>
-            <a:xfrm>
-              <a:off x="1980000" y="360000"/>
-              <a:ext cx="5760000" cy="5760000"/>
+            <a:xfrm flipV="1">
+              <a:off x="6096000" y="189000"/>
+              <a:ext cx="4860000" cy="6480000"/>
             </a:xfrm>
-            <a:prstGeom prst="ellipse">
+            <a:prstGeom prst="rtTriangle">
               <a:avLst/>
             </a:prstGeom>
             <a:solidFill>
-              <a:schemeClr val="accent4">
-                <a:lumMod val="40000"/>
-                <a:lumOff val="60000"/>
+              <a:schemeClr val="accent6">
+                <a:lumMod val="50000"/>
               </a:schemeClr>
             </a:solidFill>
             <a:ln>
@@ -5105,10 +7092,10 @@
         </p:sp>
         <p:sp>
           <p:nvSpPr>
-            <p:cNvPr id="5" name="Elipse 4">
+            <p:cNvPr id="6" name="Triángulo rectángulo 5">
               <a:extLst>
                 <a:ext uri="{FF2B5EF4-FFF2-40B4-BE49-F238E27FC236}">
-                  <a16:creationId xmlns:a16="http://schemas.microsoft.com/office/drawing/2014/main" id="{34E3CD7B-9959-4683-A820-D7120E8122FF}"/>
+                  <a16:creationId xmlns:a16="http://schemas.microsoft.com/office/drawing/2014/main" id="{0579BBF3-F70C-47F0-8C6C-FB688255E3CB}"/>
                 </a:ext>
               </a:extLst>
             </p:cNvPr>
@@ -5116,15 +7103,17 @@
             <p:nvPr/>
           </p:nvSpPr>
           <p:spPr>
-            <a:xfrm>
-              <a:off x="3060000" y="1080000"/>
-              <a:ext cx="4320000" cy="4320000"/>
+            <a:xfrm flipH="1">
+              <a:off x="1236000" y="189000"/>
+              <a:ext cx="4860000" cy="6480000"/>
             </a:xfrm>
-            <a:prstGeom prst="ellipse">
+            <a:prstGeom prst="rtTriangle">
               <a:avLst/>
             </a:prstGeom>
             <a:solidFill>
-              <a:srgbClr val="01A31C"/>
+              <a:schemeClr val="accent6">
+                <a:lumMod val="50000"/>
+              </a:schemeClr>
             </a:solidFill>
             <a:ln>
               <a:noFill/>
@@ -5157,10 +7146,10 @@
         </p:sp>
         <p:sp>
           <p:nvSpPr>
-            <p:cNvPr id="4" name="Elipse 3">
+            <p:cNvPr id="4" name="Estrella: 8 puntas 3">
               <a:extLst>
                 <a:ext uri="{FF2B5EF4-FFF2-40B4-BE49-F238E27FC236}">
-                  <a16:creationId xmlns:a16="http://schemas.microsoft.com/office/drawing/2014/main" id="{DB861BB1-7C77-4EAE-A235-77E8B21415AF}"/>
+                  <a16:creationId xmlns:a16="http://schemas.microsoft.com/office/drawing/2014/main" id="{4EE995D9-ACA9-D9A0-5604-952DA0471D2E}"/>
                 </a:ext>
               </a:extLst>
             </p:cNvPr>
@@ -5169,17 +7158,16 @@
           </p:nvSpPr>
           <p:spPr>
             <a:xfrm>
-              <a:off x="3780000" y="2160000"/>
-              <a:ext cx="2880000" cy="2880000"/>
+              <a:off x="4476000" y="1809000"/>
+              <a:ext cx="3240000" cy="3240000"/>
             </a:xfrm>
-            <a:prstGeom prst="ellipse">
-              <a:avLst/>
+            <a:prstGeom prst="star8">
+              <a:avLst>
+                <a:gd name="adj" fmla="val 27182"/>
+              </a:avLst>
             </a:prstGeom>
             <a:solidFill>
-              <a:schemeClr val="tx1">
-                <a:lumMod val="65000"/>
-                <a:lumOff val="35000"/>
-              </a:schemeClr>
+              <a:schemeClr val="bg1"/>
             </a:solidFill>
             <a:ln>
               <a:noFill/>
@@ -5206,61 +7194,7 @@
             <a:lstStyle/>
             <a:p>
               <a:pPr algn="ctr"/>
-              <a:endParaRPr lang="es-CL"/>
-            </a:p>
-          </p:txBody>
-        </p:sp>
-        <p:sp>
-          <p:nvSpPr>
-            <p:cNvPr id="6" name="Elipse 5">
-              <a:extLst>
-                <a:ext uri="{FF2B5EF4-FFF2-40B4-BE49-F238E27FC236}">
-                  <a16:creationId xmlns:a16="http://schemas.microsoft.com/office/drawing/2014/main" id="{A7FFBE9C-25A1-44B7-923B-001365C87EEB}"/>
-                </a:ext>
-              </a:extLst>
-            </p:cNvPr>
-            <p:cNvSpPr/>
-            <p:nvPr/>
-          </p:nvSpPr>
-          <p:spPr>
-            <a:xfrm>
-              <a:off x="4140000" y="2880000"/>
-              <a:ext cx="1440000" cy="1440000"/>
-            </a:xfrm>
-            <a:prstGeom prst="ellipse">
-              <a:avLst/>
-            </a:prstGeom>
-            <a:solidFill>
-              <a:schemeClr val="accent2">
-                <a:lumMod val="75000"/>
-              </a:schemeClr>
-            </a:solidFill>
-            <a:ln>
-              <a:noFill/>
-            </a:ln>
-          </p:spPr>
-          <p:style>
-            <a:lnRef idx="2">
-              <a:schemeClr val="accent1">
-                <a:shade val="50000"/>
-              </a:schemeClr>
-            </a:lnRef>
-            <a:fillRef idx="1">
-              <a:schemeClr val="accent1"/>
-            </a:fillRef>
-            <a:effectRef idx="0">
-              <a:schemeClr val="accent1"/>
-            </a:effectRef>
-            <a:fontRef idx="minor">
-              <a:schemeClr val="lt1"/>
-            </a:fontRef>
-          </p:style>
-          <p:txBody>
-            <a:bodyPr rtlCol="0" anchor="ctr"/>
-            <a:lstStyle/>
-            <a:p>
-              <a:pPr algn="ctr"/>
-              <a:endParaRPr lang="es-CL"/>
+              <a:endParaRPr lang="es-CL" dirty="0"/>
             </a:p>
           </p:txBody>
         </p:sp>
@@ -5268,7 +7202,7 @@
     </p:spTree>
     <p:extLst>
       <p:ext uri="{BB962C8B-B14F-4D97-AF65-F5344CB8AC3E}">
-        <p14:creationId xmlns:p14="http://schemas.microsoft.com/office/powerpoint/2010/main" val="229919288"/>
+        <p14:creationId xmlns:p14="http://schemas.microsoft.com/office/powerpoint/2010/main" val="433317516"/>
       </p:ext>
     </p:extLst>
   </p:cSld>
@@ -5297,10 +7231,438 @@
       </p:grpSpPr>
       <p:grpSp>
         <p:nvGrpSpPr>
-          <p:cNvPr id="38" name="Grupo 37">
+          <p:cNvPr id="12" name="Grupo 11">
             <a:extLst>
               <a:ext uri="{FF2B5EF4-FFF2-40B4-BE49-F238E27FC236}">
-                <a16:creationId xmlns:a16="http://schemas.microsoft.com/office/drawing/2014/main" id="{5FD163B2-34DB-43DD-B423-0BE9F0DCCC6C}"/>
+                <a16:creationId xmlns:a16="http://schemas.microsoft.com/office/drawing/2014/main" id="{5A636482-0484-11EF-0BA0-E49A1C985201}"/>
+              </a:ext>
+            </a:extLst>
+          </p:cNvPr>
+          <p:cNvGrpSpPr/>
+          <p:nvPr/>
+        </p:nvGrpSpPr>
+        <p:grpSpPr>
+          <a:xfrm>
+            <a:off x="1236000" y="189000"/>
+            <a:ext cx="9720000" cy="6480000"/>
+            <a:chOff x="1236000" y="189000"/>
+            <a:chExt cx="9720000" cy="6480000"/>
+          </a:xfrm>
+        </p:grpSpPr>
+        <p:sp>
+          <p:nvSpPr>
+            <p:cNvPr id="2" name="Rectángulo 1">
+              <a:extLst>
+                <a:ext uri="{FF2B5EF4-FFF2-40B4-BE49-F238E27FC236}">
+                  <a16:creationId xmlns:a16="http://schemas.microsoft.com/office/drawing/2014/main" id="{4B29AD16-A57D-4B3D-904D-18D7D53B553C}"/>
+                </a:ext>
+              </a:extLst>
+            </p:cNvPr>
+            <p:cNvSpPr/>
+            <p:nvPr/>
+          </p:nvSpPr>
+          <p:spPr>
+            <a:xfrm>
+              <a:off x="1236000" y="189000"/>
+              <a:ext cx="9720000" cy="6480000"/>
+            </a:xfrm>
+            <a:prstGeom prst="rect">
+              <a:avLst/>
+            </a:prstGeom>
+            <a:solidFill>
+              <a:srgbClr val="FE5002"/>
+            </a:solidFill>
+            <a:ln>
+              <a:noFill/>
+            </a:ln>
+          </p:spPr>
+          <p:style>
+            <a:lnRef idx="2">
+              <a:schemeClr val="accent1">
+                <a:shade val="50000"/>
+              </a:schemeClr>
+            </a:lnRef>
+            <a:fillRef idx="1">
+              <a:schemeClr val="accent1"/>
+            </a:fillRef>
+            <a:effectRef idx="0">
+              <a:schemeClr val="accent1"/>
+            </a:effectRef>
+            <a:fontRef idx="minor">
+              <a:schemeClr val="lt1"/>
+            </a:fontRef>
+          </p:style>
+          <p:txBody>
+            <a:bodyPr rtlCol="0" anchor="ctr"/>
+            <a:lstStyle/>
+            <a:p>
+              <a:pPr algn="ctr"/>
+              <a:endParaRPr lang="es-CL"/>
+            </a:p>
+          </p:txBody>
+        </p:sp>
+        <p:sp>
+          <p:nvSpPr>
+            <p:cNvPr id="9" name="Rectángulo 8">
+              <a:extLst>
+                <a:ext uri="{FF2B5EF4-FFF2-40B4-BE49-F238E27FC236}">
+                  <a16:creationId xmlns:a16="http://schemas.microsoft.com/office/drawing/2014/main" id="{8C7DD6E3-E23A-AF42-E6D1-7BC5DF3BD16B}"/>
+                </a:ext>
+              </a:extLst>
+            </p:cNvPr>
+            <p:cNvSpPr/>
+            <p:nvPr/>
+          </p:nvSpPr>
+          <p:spPr>
+            <a:xfrm flipH="1">
+              <a:off x="6096000" y="189000"/>
+              <a:ext cx="4860000" cy="6480000"/>
+            </a:xfrm>
+            <a:prstGeom prst="rect">
+              <a:avLst/>
+            </a:prstGeom>
+            <a:solidFill>
+              <a:schemeClr val="accent6">
+                <a:lumMod val="50000"/>
+              </a:schemeClr>
+            </a:solidFill>
+            <a:ln>
+              <a:noFill/>
+            </a:ln>
+          </p:spPr>
+          <p:style>
+            <a:lnRef idx="2">
+              <a:schemeClr val="accent1">
+                <a:shade val="50000"/>
+              </a:schemeClr>
+            </a:lnRef>
+            <a:fillRef idx="1">
+              <a:schemeClr val="accent1"/>
+            </a:fillRef>
+            <a:effectRef idx="0">
+              <a:schemeClr val="accent1"/>
+            </a:effectRef>
+            <a:fontRef idx="minor">
+              <a:schemeClr val="lt1"/>
+            </a:fontRef>
+          </p:style>
+          <p:txBody>
+            <a:bodyPr rtlCol="0" anchor="ctr"/>
+            <a:lstStyle/>
+            <a:p>
+              <a:pPr algn="ctr"/>
+              <a:endParaRPr lang="es-CL" dirty="0"/>
+            </a:p>
+          </p:txBody>
+        </p:sp>
+        <p:sp>
+          <p:nvSpPr>
+            <p:cNvPr id="3" name="Elipse 2">
+              <a:extLst>
+                <a:ext uri="{FF2B5EF4-FFF2-40B4-BE49-F238E27FC236}">
+                  <a16:creationId xmlns:a16="http://schemas.microsoft.com/office/drawing/2014/main" id="{0845FECA-6D98-D9DD-5A22-D83552E6EF2F}"/>
+                </a:ext>
+              </a:extLst>
+            </p:cNvPr>
+            <p:cNvSpPr/>
+            <p:nvPr/>
+          </p:nvSpPr>
+          <p:spPr>
+            <a:xfrm>
+              <a:off x="3576000" y="908999"/>
+              <a:ext cx="5040000" cy="5040000"/>
+            </a:xfrm>
+            <a:prstGeom prst="ellipse">
+              <a:avLst/>
+            </a:prstGeom>
+            <a:solidFill>
+              <a:srgbClr val="0070C0"/>
+            </a:solidFill>
+            <a:ln>
+              <a:noFill/>
+            </a:ln>
+          </p:spPr>
+          <p:style>
+            <a:lnRef idx="2">
+              <a:schemeClr val="accent1">
+                <a:shade val="50000"/>
+              </a:schemeClr>
+            </a:lnRef>
+            <a:fillRef idx="1">
+              <a:schemeClr val="accent1"/>
+            </a:fillRef>
+            <a:effectRef idx="0">
+              <a:schemeClr val="accent1"/>
+            </a:effectRef>
+            <a:fontRef idx="minor">
+              <a:schemeClr val="lt1"/>
+            </a:fontRef>
+          </p:style>
+          <p:txBody>
+            <a:bodyPr rtlCol="0" anchor="ctr"/>
+            <a:lstStyle/>
+            <a:p>
+              <a:pPr algn="ctr"/>
+              <a:endParaRPr lang="es-CL"/>
+            </a:p>
+          </p:txBody>
+        </p:sp>
+        <p:sp>
+          <p:nvSpPr>
+            <p:cNvPr id="8" name="Círculo: vacío 7">
+              <a:extLst>
+                <a:ext uri="{FF2B5EF4-FFF2-40B4-BE49-F238E27FC236}">
+                  <a16:creationId xmlns:a16="http://schemas.microsoft.com/office/drawing/2014/main" id="{A006D37E-9A92-38F9-C437-BD87A2B9280B}"/>
+                </a:ext>
+              </a:extLst>
+            </p:cNvPr>
+            <p:cNvSpPr/>
+            <p:nvPr/>
+          </p:nvSpPr>
+          <p:spPr>
+            <a:xfrm>
+              <a:off x="3396000" y="728999"/>
+              <a:ext cx="5400000" cy="5400000"/>
+            </a:xfrm>
+            <a:prstGeom prst="donut">
+              <a:avLst>
+                <a:gd name="adj" fmla="val 16067"/>
+              </a:avLst>
+            </a:prstGeom>
+            <a:solidFill>
+              <a:schemeClr val="bg1"/>
+            </a:solidFill>
+            <a:ln>
+              <a:noFill/>
+            </a:ln>
+          </p:spPr>
+          <p:style>
+            <a:lnRef idx="2">
+              <a:schemeClr val="accent1">
+                <a:shade val="50000"/>
+              </a:schemeClr>
+            </a:lnRef>
+            <a:fillRef idx="1">
+              <a:schemeClr val="accent1"/>
+            </a:fillRef>
+            <a:effectRef idx="0">
+              <a:schemeClr val="accent1"/>
+            </a:effectRef>
+            <a:fontRef idx="minor">
+              <a:schemeClr val="lt1"/>
+            </a:fontRef>
+          </p:style>
+          <p:txBody>
+            <a:bodyPr rtlCol="0" anchor="ctr"/>
+            <a:lstStyle/>
+            <a:p>
+              <a:pPr algn="ctr"/>
+              <a:endParaRPr lang="es-CL">
+                <a:solidFill>
+                  <a:schemeClr val="tx1"/>
+                </a:solidFill>
+              </a:endParaRPr>
+            </a:p>
+          </p:txBody>
+        </p:sp>
+      </p:grpSp>
+    </p:spTree>
+    <p:extLst>
+      <p:ext uri="{BB962C8B-B14F-4D97-AF65-F5344CB8AC3E}">
+        <p14:creationId xmlns:p14="http://schemas.microsoft.com/office/powerpoint/2010/main" val="468795484"/>
+      </p:ext>
+    </p:extLst>
+  </p:cSld>
+  <p:clrMapOvr>
+    <a:masterClrMapping/>
+  </p:clrMapOvr>
+</p:sld>
+</file>
+
+<file path=ppt/slides/slide7.xml><?xml version="1.0" encoding="utf-8"?>
+<p:sld xmlns:a="http://schemas.openxmlformats.org/drawingml/2006/main" xmlns:r="http://schemas.openxmlformats.org/officeDocument/2006/relationships" xmlns:p="http://schemas.openxmlformats.org/presentationml/2006/main">
+  <p:cSld>
+    <p:spTree>
+      <p:nvGrpSpPr>
+        <p:cNvPr id="1" name=""/>
+        <p:cNvGrpSpPr/>
+        <p:nvPr/>
+      </p:nvGrpSpPr>
+      <p:grpSpPr>
+        <a:xfrm>
+          <a:off x="0" y="0"/>
+          <a:ext cx="0" cy="0"/>
+          <a:chOff x="0" y="0"/>
+          <a:chExt cx="0" cy="0"/>
+        </a:xfrm>
+      </p:grpSpPr>
+      <p:grpSp>
+        <p:nvGrpSpPr>
+          <p:cNvPr id="6" name="Grupo 5">
+            <a:extLst>
+              <a:ext uri="{FF2B5EF4-FFF2-40B4-BE49-F238E27FC236}">
+                <a16:creationId xmlns:a16="http://schemas.microsoft.com/office/drawing/2014/main" id="{FAB883BC-B8FF-5E1B-711B-CE0F0DFC5FB2}"/>
+              </a:ext>
+            </a:extLst>
+          </p:cNvPr>
+          <p:cNvGrpSpPr/>
+          <p:nvPr/>
+        </p:nvGrpSpPr>
+        <p:grpSpPr>
+          <a:xfrm>
+            <a:off x="1236000" y="188999"/>
+            <a:ext cx="9720000" cy="6480000"/>
+            <a:chOff x="1236000" y="188999"/>
+            <a:chExt cx="9720000" cy="6480000"/>
+          </a:xfrm>
+        </p:grpSpPr>
+        <p:sp>
+          <p:nvSpPr>
+            <p:cNvPr id="2" name="Rectángulo 1">
+              <a:extLst>
+                <a:ext uri="{FF2B5EF4-FFF2-40B4-BE49-F238E27FC236}">
+                  <a16:creationId xmlns:a16="http://schemas.microsoft.com/office/drawing/2014/main" id="{A4A18829-A32C-4908-948D-95642691FE4C}"/>
+                </a:ext>
+              </a:extLst>
+            </p:cNvPr>
+            <p:cNvSpPr/>
+            <p:nvPr/>
+          </p:nvSpPr>
+          <p:spPr>
+            <a:xfrm>
+              <a:off x="1236000" y="188999"/>
+              <a:ext cx="9720000" cy="6480000"/>
+            </a:xfrm>
+            <a:prstGeom prst="rect">
+              <a:avLst/>
+            </a:prstGeom>
+            <a:solidFill>
+              <a:srgbClr val="0070C0"/>
+            </a:solidFill>
+            <a:ln>
+              <a:noFill/>
+            </a:ln>
+          </p:spPr>
+          <p:style>
+            <a:lnRef idx="2">
+              <a:schemeClr val="accent1">
+                <a:shade val="50000"/>
+              </a:schemeClr>
+            </a:lnRef>
+            <a:fillRef idx="1">
+              <a:schemeClr val="accent1"/>
+            </a:fillRef>
+            <a:effectRef idx="0">
+              <a:schemeClr val="accent1"/>
+            </a:effectRef>
+            <a:fontRef idx="minor">
+              <a:schemeClr val="lt1"/>
+            </a:fontRef>
+          </p:style>
+          <p:txBody>
+            <a:bodyPr rtlCol="0" anchor="ctr"/>
+            <a:lstStyle/>
+            <a:p>
+              <a:pPr algn="ctr"/>
+              <a:endParaRPr lang="es-CL" dirty="0"/>
+            </a:p>
+          </p:txBody>
+        </p:sp>
+        <p:sp>
+          <p:nvSpPr>
+            <p:cNvPr id="4" name="Círculo: vacío 3">
+              <a:extLst>
+                <a:ext uri="{FF2B5EF4-FFF2-40B4-BE49-F238E27FC236}">
+                  <a16:creationId xmlns:a16="http://schemas.microsoft.com/office/drawing/2014/main" id="{DFE9F5AA-AFC8-C1C5-5232-FD304ECB6C53}"/>
+                </a:ext>
+              </a:extLst>
+            </p:cNvPr>
+            <p:cNvSpPr/>
+            <p:nvPr/>
+          </p:nvSpPr>
+          <p:spPr>
+            <a:xfrm>
+              <a:off x="3396000" y="728999"/>
+              <a:ext cx="5400000" cy="5400000"/>
+            </a:xfrm>
+            <a:prstGeom prst="donut">
+              <a:avLst>
+                <a:gd name="adj" fmla="val 16067"/>
+              </a:avLst>
+            </a:prstGeom>
+            <a:solidFill>
+              <a:schemeClr val="bg1"/>
+            </a:solidFill>
+            <a:ln>
+              <a:noFill/>
+            </a:ln>
+          </p:spPr>
+          <p:style>
+            <a:lnRef idx="2">
+              <a:schemeClr val="accent1">
+                <a:shade val="50000"/>
+              </a:schemeClr>
+            </a:lnRef>
+            <a:fillRef idx="1">
+              <a:schemeClr val="accent1"/>
+            </a:fillRef>
+            <a:effectRef idx="0">
+              <a:schemeClr val="accent1"/>
+            </a:effectRef>
+            <a:fontRef idx="minor">
+              <a:schemeClr val="lt1"/>
+            </a:fontRef>
+          </p:style>
+          <p:txBody>
+            <a:bodyPr rtlCol="0" anchor="ctr"/>
+            <a:lstStyle/>
+            <a:p>
+              <a:pPr algn="ctr"/>
+              <a:endParaRPr lang="es-CL">
+                <a:solidFill>
+                  <a:schemeClr val="tx1"/>
+                </a:solidFill>
+              </a:endParaRPr>
+            </a:p>
+          </p:txBody>
+        </p:sp>
+      </p:grpSp>
+    </p:spTree>
+    <p:extLst>
+      <p:ext uri="{BB962C8B-B14F-4D97-AF65-F5344CB8AC3E}">
+        <p14:creationId xmlns:p14="http://schemas.microsoft.com/office/powerpoint/2010/main" val="2853983640"/>
+      </p:ext>
+    </p:extLst>
+  </p:cSld>
+  <p:clrMapOvr>
+    <a:masterClrMapping/>
+  </p:clrMapOvr>
+</p:sld>
+</file>
+
+<file path=ppt/slides/slide8.xml><?xml version="1.0" encoding="utf-8"?>
+<p:sld xmlns:a="http://schemas.openxmlformats.org/drawingml/2006/main" xmlns:r="http://schemas.openxmlformats.org/officeDocument/2006/relationships" xmlns:p="http://schemas.openxmlformats.org/presentationml/2006/main">
+  <p:cSld>
+    <p:spTree>
+      <p:nvGrpSpPr>
+        <p:cNvPr id="1" name=""/>
+        <p:cNvGrpSpPr/>
+        <p:nvPr/>
+      </p:nvGrpSpPr>
+      <p:grpSpPr>
+        <a:xfrm>
+          <a:off x="0" y="0"/>
+          <a:ext cx="0" cy="0"/>
+          <a:chOff x="0" y="0"/>
+          <a:chExt cx="0" cy="0"/>
+        </a:xfrm>
+      </p:grpSpPr>
+      <p:grpSp>
+        <p:nvGrpSpPr>
+          <p:cNvPr id="3" name="Grupo 2">
+            <a:extLst>
+              <a:ext uri="{FF2B5EF4-FFF2-40B4-BE49-F238E27FC236}">
+                <a16:creationId xmlns:a16="http://schemas.microsoft.com/office/drawing/2014/main" id="{B144DE10-8E3A-9C25-0AFE-7958D6CCE338}"/>
               </a:ext>
             </a:extLst>
           </p:cNvPr>
@@ -5990,334 +8352,6 @@
 </p:sld>
 </file>
 
-<file path=ppt/slides/slide7.xml><?xml version="1.0" encoding="utf-8"?>
-<p:sld xmlns:a="http://schemas.openxmlformats.org/drawingml/2006/main" xmlns:r="http://schemas.openxmlformats.org/officeDocument/2006/relationships" xmlns:p="http://schemas.openxmlformats.org/presentationml/2006/main">
-  <p:cSld>
-    <p:spTree>
-      <p:nvGrpSpPr>
-        <p:cNvPr id="1" name=""/>
-        <p:cNvGrpSpPr/>
-        <p:nvPr/>
-      </p:nvGrpSpPr>
-      <p:grpSpPr>
-        <a:xfrm>
-          <a:off x="0" y="0"/>
-          <a:ext cx="0" cy="0"/>
-          <a:chOff x="0" y="0"/>
-          <a:chExt cx="0" cy="0"/>
-        </a:xfrm>
-      </p:grpSpPr>
-      <p:pic>
-        <p:nvPicPr>
-          <p:cNvPr id="10" name="Imagen 9" descr="Una caricatura de una persona&#10;&#10;Descripción generada automáticamente con confianza baja">
-            <a:extLst>
-              <a:ext uri="{FF2B5EF4-FFF2-40B4-BE49-F238E27FC236}">
-                <a16:creationId xmlns:a16="http://schemas.microsoft.com/office/drawing/2014/main" id="{D1ED679A-6E78-4791-BCD4-97DA44E3EAB8}"/>
-              </a:ext>
-            </a:extLst>
-          </p:cNvPr>
-          <p:cNvPicPr>
-            <a:picLocks noChangeAspect="1"/>
-          </p:cNvPicPr>
-          <p:nvPr/>
-        </p:nvPicPr>
-        <p:blipFill>
-          <a:blip r:embed="rId2">
-            <a:extLst>
-              <a:ext uri="{28A0092B-C50C-407E-A947-70E740481C1C}">
-                <a14:useLocalDpi xmlns:a14="http://schemas.microsoft.com/office/drawing/2010/main" val="0"/>
-              </a:ext>
-            </a:extLst>
-          </a:blip>
-          <a:stretch>
-            <a:fillRect/>
-          </a:stretch>
-        </p:blipFill>
-        <p:spPr>
-          <a:xfrm>
-            <a:off x="1235778" y="188390"/>
-            <a:ext cx="9720443" cy="6481219"/>
-          </a:xfrm>
-          <a:prstGeom prst="rect">
-            <a:avLst/>
-          </a:prstGeom>
-        </p:spPr>
-      </p:pic>
-    </p:spTree>
-    <p:extLst>
-      <p:ext uri="{BB962C8B-B14F-4D97-AF65-F5344CB8AC3E}">
-        <p14:creationId xmlns:p14="http://schemas.microsoft.com/office/powerpoint/2010/main" val="3009604549"/>
-      </p:ext>
-    </p:extLst>
-  </p:cSld>
-  <p:clrMapOvr>
-    <a:masterClrMapping/>
-  </p:clrMapOvr>
-</p:sld>
-</file>
-
-<file path=ppt/slides/slide8.xml><?xml version="1.0" encoding="utf-8"?>
-<p:sld xmlns:a="http://schemas.openxmlformats.org/drawingml/2006/main" xmlns:r="http://schemas.openxmlformats.org/officeDocument/2006/relationships" xmlns:p="http://schemas.openxmlformats.org/presentationml/2006/main">
-  <p:cSld>
-    <p:spTree>
-      <p:nvGrpSpPr>
-        <p:cNvPr id="1" name=""/>
-        <p:cNvGrpSpPr/>
-        <p:nvPr/>
-      </p:nvGrpSpPr>
-      <p:grpSpPr>
-        <a:xfrm>
-          <a:off x="0" y="0"/>
-          <a:ext cx="0" cy="0"/>
-          <a:chOff x="0" y="0"/>
-          <a:chExt cx="0" cy="0"/>
-        </a:xfrm>
-      </p:grpSpPr>
-      <p:grpSp>
-        <p:nvGrpSpPr>
-          <p:cNvPr id="11" name="Grupo 10">
-            <a:extLst>
-              <a:ext uri="{FF2B5EF4-FFF2-40B4-BE49-F238E27FC236}">
-                <a16:creationId xmlns:a16="http://schemas.microsoft.com/office/drawing/2014/main" id="{B58696A0-230F-4738-B623-CAD2C5234DF3}"/>
-              </a:ext>
-            </a:extLst>
-          </p:cNvPr>
-          <p:cNvGrpSpPr/>
-          <p:nvPr/>
-        </p:nvGrpSpPr>
-        <p:grpSpPr>
-          <a:xfrm>
-            <a:off x="1235999" y="188999"/>
-            <a:ext cx="9720000" cy="6480000"/>
-            <a:chOff x="1235999" y="188999"/>
-            <a:chExt cx="9720000" cy="6480000"/>
-          </a:xfrm>
-        </p:grpSpPr>
-        <p:grpSp>
-          <p:nvGrpSpPr>
-            <p:cNvPr id="10" name="Grupo 9">
-              <a:extLst>
-                <a:ext uri="{FF2B5EF4-FFF2-40B4-BE49-F238E27FC236}">
-                  <a16:creationId xmlns:a16="http://schemas.microsoft.com/office/drawing/2014/main" id="{19B6DE51-90DC-4BFD-B9CD-ED11BE084854}"/>
-                </a:ext>
-              </a:extLst>
-            </p:cNvPr>
-            <p:cNvGrpSpPr/>
-            <p:nvPr/>
-          </p:nvGrpSpPr>
-          <p:grpSpPr>
-            <a:xfrm>
-              <a:off x="1235999" y="188999"/>
-              <a:ext cx="9720000" cy="6480000"/>
-              <a:chOff x="1235999" y="188999"/>
-              <a:chExt cx="9720000" cy="6480000"/>
-            </a:xfrm>
-          </p:grpSpPr>
-          <p:sp>
-            <p:nvSpPr>
-              <p:cNvPr id="4" name="Rectángulo 3">
-                <a:extLst>
-                  <a:ext uri="{FF2B5EF4-FFF2-40B4-BE49-F238E27FC236}">
-                    <a16:creationId xmlns:a16="http://schemas.microsoft.com/office/drawing/2014/main" id="{8B4459B7-4FC6-41BB-A5B5-82B19B60EE21}"/>
-                  </a:ext>
-                </a:extLst>
-              </p:cNvPr>
-              <p:cNvSpPr/>
-              <p:nvPr/>
-            </p:nvSpPr>
-            <p:spPr>
-              <a:xfrm>
-                <a:off x="1235999" y="188999"/>
-                <a:ext cx="9720000" cy="6480000"/>
-              </a:xfrm>
-              <a:prstGeom prst="rect">
-                <a:avLst/>
-              </a:prstGeom>
-              <a:solidFill>
-                <a:schemeClr val="tx1">
-                  <a:lumMod val="75000"/>
-                  <a:lumOff val="25000"/>
-                </a:schemeClr>
-              </a:solidFill>
-              <a:ln>
-                <a:noFill/>
-              </a:ln>
-            </p:spPr>
-            <p:style>
-              <a:lnRef idx="2">
-                <a:schemeClr val="dk1">
-                  <a:shade val="50000"/>
-                </a:schemeClr>
-              </a:lnRef>
-              <a:fillRef idx="1">
-                <a:schemeClr val="dk1"/>
-              </a:fillRef>
-              <a:effectRef idx="0">
-                <a:schemeClr val="dk1"/>
-              </a:effectRef>
-              <a:fontRef idx="minor">
-                <a:schemeClr val="lt1"/>
-              </a:fontRef>
-            </p:style>
-            <p:txBody>
-              <a:bodyPr rtlCol="0" anchor="ctr"/>
-              <a:lstStyle/>
-              <a:p>
-                <a:pPr algn="ctr"/>
-                <a:endParaRPr lang="es-CL"/>
-              </a:p>
-            </p:txBody>
-          </p:sp>
-          <p:sp>
-            <p:nvSpPr>
-              <p:cNvPr id="5" name="Elipse 4">
-                <a:extLst>
-                  <a:ext uri="{FF2B5EF4-FFF2-40B4-BE49-F238E27FC236}">
-                    <a16:creationId xmlns:a16="http://schemas.microsoft.com/office/drawing/2014/main" id="{3E870D2A-FF07-4E38-8AA2-1CEABCFA06D3}"/>
-                  </a:ext>
-                </a:extLst>
-              </p:cNvPr>
-              <p:cNvSpPr/>
-              <p:nvPr/>
-            </p:nvSpPr>
-            <p:spPr>
-              <a:xfrm rot="18900000">
-                <a:off x="3396000" y="729000"/>
-                <a:ext cx="5400000" cy="5400000"/>
-              </a:xfrm>
-              <a:prstGeom prst="ellipse">
-                <a:avLst/>
-              </a:prstGeom>
-              <a:blipFill dpi="0" rotWithShape="1">
-                <a:blip r:embed="rId2">
-                  <a:extLst>
-                    <a:ext uri="{28A0092B-C50C-407E-A947-70E740481C1C}">
-                      <a14:useLocalDpi xmlns:a14="http://schemas.microsoft.com/office/drawing/2010/main" val="0"/>
-                    </a:ext>
-                  </a:extLst>
-                </a:blip>
-                <a:srcRect/>
-                <a:stretch>
-                  <a:fillRect/>
-                </a:stretch>
-              </a:blipFill>
-              <a:ln>
-                <a:noFill/>
-              </a:ln>
-            </p:spPr>
-            <p:style>
-              <a:lnRef idx="2">
-                <a:schemeClr val="accent1">
-                  <a:shade val="50000"/>
-                </a:schemeClr>
-              </a:lnRef>
-              <a:fillRef idx="1">
-                <a:schemeClr val="accent1"/>
-              </a:fillRef>
-              <a:effectRef idx="0">
-                <a:schemeClr val="accent1"/>
-              </a:effectRef>
-              <a:fontRef idx="minor">
-                <a:schemeClr val="lt1"/>
-              </a:fontRef>
-            </p:style>
-            <p:txBody>
-              <a:bodyPr rtlCol="0" anchor="ctr"/>
-              <a:lstStyle/>
-              <a:p>
-                <a:pPr algn="ctr"/>
-                <a:endParaRPr lang="es-CL"/>
-              </a:p>
-            </p:txBody>
-          </p:sp>
-        </p:grpSp>
-        <p:sp>
-          <p:nvSpPr>
-            <p:cNvPr id="9" name="Rectángulo 8">
-              <a:extLst>
-                <a:ext uri="{FF2B5EF4-FFF2-40B4-BE49-F238E27FC236}">
-                  <a16:creationId xmlns:a16="http://schemas.microsoft.com/office/drawing/2014/main" id="{7AD57C64-C306-44D5-A8D5-578078518E86}"/>
-                </a:ext>
-              </a:extLst>
-            </p:cNvPr>
-            <p:cNvSpPr/>
-            <p:nvPr/>
-          </p:nvSpPr>
-          <p:spPr>
-            <a:xfrm>
-              <a:off x="2590682" y="2705724"/>
-              <a:ext cx="7010637" cy="1446550"/>
-            </a:xfrm>
-            <a:prstGeom prst="rect">
-              <a:avLst/>
-            </a:prstGeom>
-            <a:noFill/>
-          </p:spPr>
-          <p:txBody>
-            <a:bodyPr wrap="none" lIns="91440" tIns="45720" rIns="91440" bIns="45720">
-              <a:spAutoFit/>
-            </a:bodyPr>
-            <a:lstStyle/>
-            <a:p>
-              <a:pPr algn="ctr"/>
-              <a:r>
-                <a:rPr lang="es-ES" sz="8800" b="0" cap="none" spc="0" dirty="0">
-                  <a:ln w="28575">
-                    <a:solidFill>
-                      <a:schemeClr val="tx1"/>
-                    </a:solidFill>
-                  </a:ln>
-                  <a:solidFill>
-                    <a:schemeClr val="bg1"/>
-                  </a:solidFill>
-                  <a:effectLst>
-                    <a:outerShdw blurRad="38100" dist="19050" dir="2700000" algn="tl" rotWithShape="0">
-                      <a:schemeClr val="dk1">
-                        <a:alpha val="40000"/>
-                      </a:schemeClr>
-                    </a:outerShdw>
-                  </a:effectLst>
-                  <a:latin typeface="Gill Sans Nova" panose="020B0602020104020203" pitchFamily="34" charset="0"/>
-                  <a:cs typeface="Arial" panose="020B0604020202020204" pitchFamily="34" charset="0"/>
-                </a:rPr>
-                <a:t>A P A B A R A</a:t>
-              </a:r>
-              <a:endParaRPr lang="es-ES" sz="5400" b="0" cap="none" spc="0" dirty="0">
-                <a:ln w="28575">
-                  <a:solidFill>
-                    <a:schemeClr val="tx1"/>
-                  </a:solidFill>
-                </a:ln>
-                <a:solidFill>
-                  <a:schemeClr val="bg1"/>
-                </a:solidFill>
-                <a:effectLst>
-                  <a:outerShdw blurRad="38100" dist="19050" dir="2700000" algn="tl" rotWithShape="0">
-                    <a:schemeClr val="dk1">
-                      <a:alpha val="40000"/>
-                    </a:schemeClr>
-                  </a:outerShdw>
-                </a:effectLst>
-                <a:latin typeface="Gill Sans Nova" panose="020B0602020104020203" pitchFamily="34" charset="0"/>
-                <a:cs typeface="Arial" panose="020B0604020202020204" pitchFamily="34" charset="0"/>
-              </a:endParaRPr>
-            </a:p>
-          </p:txBody>
-        </p:sp>
-      </p:grpSp>
-    </p:spTree>
-    <p:extLst>
-      <p:ext uri="{BB962C8B-B14F-4D97-AF65-F5344CB8AC3E}">
-        <p14:creationId xmlns:p14="http://schemas.microsoft.com/office/powerpoint/2010/main" val="1449549819"/>
-      </p:ext>
-    </p:extLst>
-  </p:cSld>
-  <p:clrMapOvr>
-    <a:masterClrMapping/>
-  </p:clrMapOvr>
-</p:sld>
-</file>
-
 <file path=ppt/slides/slide9.xml><?xml version="1.0" encoding="utf-8"?>
 <p:sld xmlns:a="http://schemas.openxmlformats.org/drawingml/2006/main" xmlns:r="http://schemas.openxmlformats.org/officeDocument/2006/relationships" xmlns:p="http://schemas.openxmlformats.org/presentationml/2006/main">
   <p:cSld>
@@ -6337,10 +8371,10 @@
       </p:grpSpPr>
       <p:grpSp>
         <p:nvGrpSpPr>
-          <p:cNvPr id="54" name="Grupo 53">
+          <p:cNvPr id="7" name="Grupo 6">
             <a:extLst>
               <a:ext uri="{FF2B5EF4-FFF2-40B4-BE49-F238E27FC236}">
-                <a16:creationId xmlns:a16="http://schemas.microsoft.com/office/drawing/2014/main" id="{01C6E19D-3EAB-416F-9D4A-7CC2D98835FF}"/>
+                <a16:creationId xmlns:a16="http://schemas.microsoft.com/office/drawing/2014/main" id="{B23F699A-BF76-46FE-87BE-8A17D5D10E49}"/>
               </a:ext>
             </a:extLst>
           </p:cNvPr>
@@ -6349,18 +8383,18 @@
         </p:nvGrpSpPr>
         <p:grpSpPr>
           <a:xfrm>
-            <a:off x="58455" y="200967"/>
-            <a:ext cx="10512575" cy="7429113"/>
-            <a:chOff x="58455" y="200967"/>
-            <a:chExt cx="10512575" cy="7429113"/>
+            <a:off x="1236000" y="189000"/>
+            <a:ext cx="9720000" cy="6480000"/>
+            <a:chOff x="0" y="0"/>
+            <a:chExt cx="9720000" cy="6480000"/>
           </a:xfrm>
         </p:grpSpPr>
         <p:sp>
           <p:nvSpPr>
-            <p:cNvPr id="45" name="Rectángulo 44">
+            <p:cNvPr id="2" name="Rectángulo 1">
               <a:extLst>
                 <a:ext uri="{FF2B5EF4-FFF2-40B4-BE49-F238E27FC236}">
-                  <a16:creationId xmlns:a16="http://schemas.microsoft.com/office/drawing/2014/main" id="{A6795E3A-658A-428B-914A-D70C00C18D82}"/>
+                  <a16:creationId xmlns:a16="http://schemas.microsoft.com/office/drawing/2014/main" id="{18BABD37-FF35-462C-9DE7-FDEADB8E269E}"/>
                 </a:ext>
               </a:extLst>
             </p:cNvPr>
@@ -6369,14 +8403,14 @@
           </p:nvSpPr>
           <p:spPr>
             <a:xfrm>
-              <a:off x="851030" y="202954"/>
+              <a:off x="0" y="0"/>
               <a:ext cx="9720000" cy="6480000"/>
             </a:xfrm>
             <a:prstGeom prst="rect">
               <a:avLst/>
             </a:prstGeom>
             <a:solidFill>
-              <a:srgbClr val="408192"/>
+              <a:srgbClr val="002060"/>
             </a:solidFill>
             <a:ln>
               <a:noFill/>
@@ -6409,28 +8443,136 @@
         </p:sp>
         <p:sp>
           <p:nvSpPr>
-            <p:cNvPr id="7" name="Elipse 6">
+            <p:cNvPr id="3" name="Elipse 2">
               <a:extLst>
                 <a:ext uri="{FF2B5EF4-FFF2-40B4-BE49-F238E27FC236}">
-                  <a16:creationId xmlns:a16="http://schemas.microsoft.com/office/drawing/2014/main" id="{694BF872-FBE1-401F-8058-1904338E2AB2}"/>
+                  <a16:creationId xmlns:a16="http://schemas.microsoft.com/office/drawing/2014/main" id="{225DDDA3-BD83-4742-9DD3-D1F6EE8223F3}"/>
                 </a:ext>
               </a:extLst>
             </p:cNvPr>
-            <p:cNvSpPr>
-              <a:spLocks noChangeAspect="1"/>
-            </p:cNvSpPr>
+            <p:cNvSpPr/>
             <p:nvPr/>
           </p:nvSpPr>
           <p:spPr>
             <a:xfrm>
-              <a:off x="5711030" y="200967"/>
-              <a:ext cx="4032000" cy="4032000"/>
+              <a:off x="1980000" y="360000"/>
+              <a:ext cx="5760000" cy="5760000"/>
             </a:xfrm>
             <a:prstGeom prst="ellipse">
               <a:avLst/>
             </a:prstGeom>
             <a:solidFill>
-              <a:srgbClr val="903C4D"/>
+              <a:schemeClr val="accent4">
+                <a:lumMod val="40000"/>
+                <a:lumOff val="60000"/>
+              </a:schemeClr>
+            </a:solidFill>
+            <a:ln>
+              <a:noFill/>
+            </a:ln>
+          </p:spPr>
+          <p:style>
+            <a:lnRef idx="2">
+              <a:schemeClr val="accent1">
+                <a:shade val="50000"/>
+              </a:schemeClr>
+            </a:lnRef>
+            <a:fillRef idx="1">
+              <a:schemeClr val="accent1"/>
+            </a:fillRef>
+            <a:effectRef idx="0">
+              <a:schemeClr val="accent1"/>
+            </a:effectRef>
+            <a:fontRef idx="minor">
+              <a:schemeClr val="lt1"/>
+            </a:fontRef>
+          </p:style>
+          <p:txBody>
+            <a:bodyPr rtlCol="0" anchor="ctr"/>
+            <a:lstStyle/>
+            <a:p>
+              <a:pPr algn="ctr"/>
+              <a:endParaRPr lang="es-CL"/>
+            </a:p>
+          </p:txBody>
+        </p:sp>
+        <p:sp>
+          <p:nvSpPr>
+            <p:cNvPr id="5" name="Elipse 4">
+              <a:extLst>
+                <a:ext uri="{FF2B5EF4-FFF2-40B4-BE49-F238E27FC236}">
+                  <a16:creationId xmlns:a16="http://schemas.microsoft.com/office/drawing/2014/main" id="{34E3CD7B-9959-4683-A820-D7120E8122FF}"/>
+                </a:ext>
+              </a:extLst>
+            </p:cNvPr>
+            <p:cNvSpPr/>
+            <p:nvPr/>
+          </p:nvSpPr>
+          <p:spPr>
+            <a:xfrm>
+              <a:off x="3060000" y="1080000"/>
+              <a:ext cx="4320000" cy="4320000"/>
+            </a:xfrm>
+            <a:prstGeom prst="ellipse">
+              <a:avLst/>
+            </a:prstGeom>
+            <a:solidFill>
+              <a:srgbClr val="01A31C"/>
+            </a:solidFill>
+            <a:ln>
+              <a:noFill/>
+            </a:ln>
+          </p:spPr>
+          <p:style>
+            <a:lnRef idx="2">
+              <a:schemeClr val="accent1">
+                <a:shade val="50000"/>
+              </a:schemeClr>
+            </a:lnRef>
+            <a:fillRef idx="1">
+              <a:schemeClr val="accent1"/>
+            </a:fillRef>
+            <a:effectRef idx="0">
+              <a:schemeClr val="accent1"/>
+            </a:effectRef>
+            <a:fontRef idx="minor">
+              <a:schemeClr val="lt1"/>
+            </a:fontRef>
+          </p:style>
+          <p:txBody>
+            <a:bodyPr rtlCol="0" anchor="ctr"/>
+            <a:lstStyle/>
+            <a:p>
+              <a:pPr algn="ctr"/>
+              <a:endParaRPr lang="es-CL"/>
+            </a:p>
+          </p:txBody>
+        </p:sp>
+        <p:sp>
+          <p:nvSpPr>
+            <p:cNvPr id="4" name="Elipse 3">
+              <a:extLst>
+                <a:ext uri="{FF2B5EF4-FFF2-40B4-BE49-F238E27FC236}">
+                  <a16:creationId xmlns:a16="http://schemas.microsoft.com/office/drawing/2014/main" id="{DB861BB1-7C77-4EAE-A235-77E8B21415AF}"/>
+                </a:ext>
+              </a:extLst>
+            </p:cNvPr>
+            <p:cNvSpPr/>
+            <p:nvPr/>
+          </p:nvSpPr>
+          <p:spPr>
+            <a:xfrm>
+              <a:off x="3780000" y="2160000"/>
+              <a:ext cx="2880000" cy="2880000"/>
+            </a:xfrm>
+            <a:prstGeom prst="ellipse">
+              <a:avLst/>
+            </a:prstGeom>
+            <a:solidFill>
+              <a:schemeClr val="tx1">
+                <a:lumMod val="65000"/>
+                <a:lumOff val="35000"/>
+              </a:schemeClr>
             </a:solidFill>
             <a:ln>
               <a:noFill/>
@@ -6466,115 +8608,7 @@
             <p:cNvPr id="6" name="Elipse 5">
               <a:extLst>
                 <a:ext uri="{FF2B5EF4-FFF2-40B4-BE49-F238E27FC236}">
-                  <a16:creationId xmlns:a16="http://schemas.microsoft.com/office/drawing/2014/main" id="{D5E9C60D-C4B1-4869-BE9A-C3CFEDE4A1F4}"/>
-                </a:ext>
-              </a:extLst>
-            </p:cNvPr>
-            <p:cNvSpPr>
-              <a:spLocks noChangeAspect="1"/>
-            </p:cNvSpPr>
-            <p:nvPr/>
-          </p:nvSpPr>
-          <p:spPr>
-            <a:xfrm>
-              <a:off x="6215030" y="704967"/>
-              <a:ext cx="3024000" cy="3024000"/>
-            </a:xfrm>
-            <a:prstGeom prst="ellipse">
-              <a:avLst/>
-            </a:prstGeom>
-            <a:solidFill>
-              <a:srgbClr val="BF6D3A"/>
-            </a:solidFill>
-            <a:ln>
-              <a:noFill/>
-            </a:ln>
-          </p:spPr>
-          <p:style>
-            <a:lnRef idx="2">
-              <a:schemeClr val="accent1">
-                <a:shade val="50000"/>
-              </a:schemeClr>
-            </a:lnRef>
-            <a:fillRef idx="1">
-              <a:schemeClr val="accent1"/>
-            </a:fillRef>
-            <a:effectRef idx="0">
-              <a:schemeClr val="accent1"/>
-            </a:effectRef>
-            <a:fontRef idx="minor">
-              <a:schemeClr val="lt1"/>
-            </a:fontRef>
-          </p:style>
-          <p:txBody>
-            <a:bodyPr rtlCol="0" anchor="ctr"/>
-            <a:lstStyle/>
-            <a:p>
-              <a:pPr algn="ctr"/>
-              <a:endParaRPr lang="es-CL"/>
-            </a:p>
-          </p:txBody>
-        </p:sp>
-        <p:sp>
-          <p:nvSpPr>
-            <p:cNvPr id="5" name="Elipse 4">
-              <a:extLst>
-                <a:ext uri="{FF2B5EF4-FFF2-40B4-BE49-F238E27FC236}">
-                  <a16:creationId xmlns:a16="http://schemas.microsoft.com/office/drawing/2014/main" id="{CF176C28-1BAA-469A-960A-09EA99426191}"/>
-                </a:ext>
-              </a:extLst>
-            </p:cNvPr>
-            <p:cNvSpPr>
-              <a:spLocks noChangeAspect="1"/>
-            </p:cNvSpPr>
-            <p:nvPr/>
-          </p:nvSpPr>
-          <p:spPr>
-            <a:xfrm>
-              <a:off x="6719030" y="1208967"/>
-              <a:ext cx="2016000" cy="2016000"/>
-            </a:xfrm>
-            <a:prstGeom prst="ellipse">
-              <a:avLst/>
-            </a:prstGeom>
-            <a:solidFill>
-              <a:srgbClr val="C9873B"/>
-            </a:solidFill>
-            <a:ln>
-              <a:noFill/>
-            </a:ln>
-          </p:spPr>
-          <p:style>
-            <a:lnRef idx="2">
-              <a:schemeClr val="accent1">
-                <a:shade val="50000"/>
-              </a:schemeClr>
-            </a:lnRef>
-            <a:fillRef idx="1">
-              <a:schemeClr val="accent1"/>
-            </a:fillRef>
-            <a:effectRef idx="0">
-              <a:schemeClr val="accent1"/>
-            </a:effectRef>
-            <a:fontRef idx="minor">
-              <a:schemeClr val="lt1"/>
-            </a:fontRef>
-          </p:style>
-          <p:txBody>
-            <a:bodyPr rtlCol="0" anchor="ctr"/>
-            <a:lstStyle/>
-            <a:p>
-              <a:pPr algn="ctr"/>
-              <a:endParaRPr lang="es-CL"/>
-            </a:p>
-          </p:txBody>
-        </p:sp>
-        <p:sp>
-          <p:nvSpPr>
-            <p:cNvPr id="4" name="Elipse 3">
-              <a:extLst>
-                <a:ext uri="{FF2B5EF4-FFF2-40B4-BE49-F238E27FC236}">
-                  <a16:creationId xmlns:a16="http://schemas.microsoft.com/office/drawing/2014/main" id="{66DD02E7-CF88-40E2-8750-93F0BAEEF410}"/>
+                  <a16:creationId xmlns:a16="http://schemas.microsoft.com/office/drawing/2014/main" id="{A7FFBE9C-25A1-44B7-923B-001365C87EEB}"/>
                 </a:ext>
               </a:extLst>
             </p:cNvPr>
@@ -6583,1465 +8617,16 @@
           </p:nvSpPr>
           <p:spPr>
             <a:xfrm>
-              <a:off x="7223030" y="1712967"/>
-              <a:ext cx="1008000" cy="1008000"/>
+              <a:off x="4140000" y="2880000"/>
+              <a:ext cx="1440000" cy="1440000"/>
             </a:xfrm>
             <a:prstGeom prst="ellipse">
               <a:avLst/>
             </a:prstGeom>
             <a:solidFill>
-              <a:srgbClr val="B89235"/>
-            </a:solidFill>
-            <a:ln>
-              <a:noFill/>
-            </a:ln>
-          </p:spPr>
-          <p:style>
-            <a:lnRef idx="2">
-              <a:schemeClr val="accent1">
-                <a:shade val="50000"/>
+              <a:schemeClr val="accent2">
+                <a:lumMod val="75000"/>
               </a:schemeClr>
-            </a:lnRef>
-            <a:fillRef idx="1">
-              <a:schemeClr val="accent1"/>
-            </a:fillRef>
-            <a:effectRef idx="0">
-              <a:schemeClr val="accent1"/>
-            </a:effectRef>
-            <a:fontRef idx="minor">
-              <a:schemeClr val="lt1"/>
-            </a:fontRef>
-          </p:style>
-          <p:txBody>
-            <a:bodyPr rtlCol="0" anchor="ctr"/>
-            <a:lstStyle/>
-            <a:p>
-              <a:pPr algn="ctr"/>
-              <a:endParaRPr lang="es-CL"/>
-            </a:p>
-          </p:txBody>
-        </p:sp>
-        <p:sp>
-          <p:nvSpPr>
-            <p:cNvPr id="9" name="Rectángulo 8">
-              <a:extLst>
-                <a:ext uri="{FF2B5EF4-FFF2-40B4-BE49-F238E27FC236}">
-                  <a16:creationId xmlns:a16="http://schemas.microsoft.com/office/drawing/2014/main" id="{D2084C34-D897-4491-A04C-78EEAA0B63F2}"/>
-                </a:ext>
-              </a:extLst>
-            </p:cNvPr>
-            <p:cNvSpPr/>
-            <p:nvPr/>
-          </p:nvSpPr>
-          <p:spPr>
-            <a:xfrm>
-              <a:off x="7727030" y="2216967"/>
-              <a:ext cx="2016000" cy="4465987"/>
-            </a:xfrm>
-            <a:prstGeom prst="rect">
-              <a:avLst/>
-            </a:prstGeom>
-            <a:solidFill>
-              <a:srgbClr val="B89235"/>
-            </a:solidFill>
-            <a:ln>
-              <a:noFill/>
-            </a:ln>
-          </p:spPr>
-          <p:style>
-            <a:lnRef idx="2">
-              <a:schemeClr val="accent1">
-                <a:shade val="50000"/>
-              </a:schemeClr>
-            </a:lnRef>
-            <a:fillRef idx="1">
-              <a:schemeClr val="accent1"/>
-            </a:fillRef>
-            <a:effectRef idx="0">
-              <a:schemeClr val="accent1"/>
-            </a:effectRef>
-            <a:fontRef idx="minor">
-              <a:schemeClr val="lt1"/>
-            </a:fontRef>
-          </p:style>
-          <p:txBody>
-            <a:bodyPr rtlCol="0" anchor="ctr"/>
-            <a:lstStyle/>
-            <a:p>
-              <a:pPr algn="ctr"/>
-              <a:endParaRPr lang="es-CL"/>
-            </a:p>
-          </p:txBody>
-        </p:sp>
-        <p:sp>
-          <p:nvSpPr>
-            <p:cNvPr id="10" name="Rectángulo 9">
-              <a:extLst>
-                <a:ext uri="{FF2B5EF4-FFF2-40B4-BE49-F238E27FC236}">
-                  <a16:creationId xmlns:a16="http://schemas.microsoft.com/office/drawing/2014/main" id="{E6B88733-7460-4D7C-B899-22F6079BEE17}"/>
-                </a:ext>
-              </a:extLst>
-            </p:cNvPr>
-            <p:cNvSpPr/>
-            <p:nvPr/>
-          </p:nvSpPr>
-          <p:spPr>
-            <a:xfrm>
-              <a:off x="8231030" y="2216967"/>
-              <a:ext cx="1512000" cy="4465987"/>
-            </a:xfrm>
-            <a:prstGeom prst="rect">
-              <a:avLst/>
-            </a:prstGeom>
-            <a:solidFill>
-              <a:srgbClr val="C7883B"/>
-            </a:solidFill>
-            <a:ln>
-              <a:noFill/>
-            </a:ln>
-          </p:spPr>
-          <p:style>
-            <a:lnRef idx="2">
-              <a:schemeClr val="accent1">
-                <a:shade val="50000"/>
-              </a:schemeClr>
-            </a:lnRef>
-            <a:fillRef idx="1">
-              <a:schemeClr val="accent1"/>
-            </a:fillRef>
-            <a:effectRef idx="0">
-              <a:schemeClr val="accent1"/>
-            </a:effectRef>
-            <a:fontRef idx="minor">
-              <a:schemeClr val="lt1"/>
-            </a:fontRef>
-          </p:style>
-          <p:txBody>
-            <a:bodyPr rtlCol="0" anchor="ctr"/>
-            <a:lstStyle/>
-            <a:p>
-              <a:pPr algn="ctr"/>
-              <a:endParaRPr lang="es-CL"/>
-            </a:p>
-          </p:txBody>
-        </p:sp>
-        <p:sp>
-          <p:nvSpPr>
-            <p:cNvPr id="12" name="Rectángulo 11">
-              <a:extLst>
-                <a:ext uri="{FF2B5EF4-FFF2-40B4-BE49-F238E27FC236}">
-                  <a16:creationId xmlns:a16="http://schemas.microsoft.com/office/drawing/2014/main" id="{2F5B5493-C630-4424-A390-0F453243FDA6}"/>
-                </a:ext>
-              </a:extLst>
-            </p:cNvPr>
-            <p:cNvSpPr/>
-            <p:nvPr/>
-          </p:nvSpPr>
-          <p:spPr>
-            <a:xfrm>
-              <a:off x="8735030" y="2216967"/>
-              <a:ext cx="1008000" cy="4465987"/>
-            </a:xfrm>
-            <a:prstGeom prst="rect">
-              <a:avLst/>
-            </a:prstGeom>
-            <a:solidFill>
-              <a:srgbClr val="BF6D3A"/>
-            </a:solidFill>
-            <a:ln>
-              <a:noFill/>
-            </a:ln>
-          </p:spPr>
-          <p:style>
-            <a:lnRef idx="2">
-              <a:schemeClr val="accent1">
-                <a:shade val="50000"/>
-              </a:schemeClr>
-            </a:lnRef>
-            <a:fillRef idx="1">
-              <a:schemeClr val="accent1"/>
-            </a:fillRef>
-            <a:effectRef idx="0">
-              <a:schemeClr val="accent1"/>
-            </a:effectRef>
-            <a:fontRef idx="minor">
-              <a:schemeClr val="lt1"/>
-            </a:fontRef>
-          </p:style>
-          <p:txBody>
-            <a:bodyPr rtlCol="0" anchor="ctr"/>
-            <a:lstStyle/>
-            <a:p>
-              <a:pPr algn="ctr"/>
-              <a:endParaRPr lang="es-CL"/>
-            </a:p>
-          </p:txBody>
-        </p:sp>
-        <p:sp>
-          <p:nvSpPr>
-            <p:cNvPr id="13" name="Rectángulo 12">
-              <a:extLst>
-                <a:ext uri="{FF2B5EF4-FFF2-40B4-BE49-F238E27FC236}">
-                  <a16:creationId xmlns:a16="http://schemas.microsoft.com/office/drawing/2014/main" id="{5490F181-68CE-419F-BA7F-B528C95C07EF}"/>
-                </a:ext>
-              </a:extLst>
-            </p:cNvPr>
-            <p:cNvSpPr/>
-            <p:nvPr/>
-          </p:nvSpPr>
-          <p:spPr>
-            <a:xfrm>
-              <a:off x="9239030" y="2216967"/>
-              <a:ext cx="504000" cy="4465987"/>
-            </a:xfrm>
-            <a:prstGeom prst="rect">
-              <a:avLst/>
-            </a:prstGeom>
-            <a:solidFill>
-              <a:srgbClr val="903C4D"/>
-            </a:solidFill>
-            <a:ln>
-              <a:noFill/>
-            </a:ln>
-          </p:spPr>
-          <p:style>
-            <a:lnRef idx="2">
-              <a:schemeClr val="accent1">
-                <a:shade val="50000"/>
-              </a:schemeClr>
-            </a:lnRef>
-            <a:fillRef idx="1">
-              <a:schemeClr val="accent1"/>
-            </a:fillRef>
-            <a:effectRef idx="0">
-              <a:schemeClr val="accent1"/>
-            </a:effectRef>
-            <a:fontRef idx="minor">
-              <a:schemeClr val="lt1"/>
-            </a:fontRef>
-          </p:style>
-          <p:txBody>
-            <a:bodyPr rtlCol="0" anchor="ctr"/>
-            <a:lstStyle/>
-            <a:p>
-              <a:pPr algn="ctr"/>
-              <a:endParaRPr lang="es-CL"/>
-            </a:p>
-          </p:txBody>
-        </p:sp>
-        <p:sp>
-          <p:nvSpPr>
-            <p:cNvPr id="29" name="Elipse 28">
-              <a:extLst>
-                <a:ext uri="{FF2B5EF4-FFF2-40B4-BE49-F238E27FC236}">
-                  <a16:creationId xmlns:a16="http://schemas.microsoft.com/office/drawing/2014/main" id="{E384FD44-5C4F-44CC-A586-9802DB9152C0}"/>
-                </a:ext>
-              </a:extLst>
-            </p:cNvPr>
-            <p:cNvSpPr/>
-            <p:nvPr/>
-          </p:nvSpPr>
-          <p:spPr>
-            <a:xfrm>
-              <a:off x="5393943" y="5041751"/>
-              <a:ext cx="2430057" cy="1728000"/>
-            </a:xfrm>
-            <a:prstGeom prst="ellipse">
-              <a:avLst/>
-            </a:prstGeom>
-            <a:solidFill>
-              <a:srgbClr val="99918B"/>
-            </a:solidFill>
-            <a:ln>
-              <a:noFill/>
-            </a:ln>
-          </p:spPr>
-          <p:style>
-            <a:lnRef idx="2">
-              <a:schemeClr val="accent1">
-                <a:shade val="50000"/>
-              </a:schemeClr>
-            </a:lnRef>
-            <a:fillRef idx="1">
-              <a:schemeClr val="accent1"/>
-            </a:fillRef>
-            <a:effectRef idx="0">
-              <a:schemeClr val="accent1"/>
-            </a:effectRef>
-            <a:fontRef idx="minor">
-              <a:schemeClr val="lt1"/>
-            </a:fontRef>
-          </p:style>
-          <p:txBody>
-            <a:bodyPr rtlCol="0" anchor="ctr"/>
-            <a:lstStyle/>
-            <a:p>
-              <a:pPr algn="ctr"/>
-              <a:endParaRPr lang="es-CL"/>
-            </a:p>
-          </p:txBody>
-        </p:sp>
-        <p:sp>
-          <p:nvSpPr>
-            <p:cNvPr id="23" name="Diagrama de flujo: proceso alternativo 22">
-              <a:extLst>
-                <a:ext uri="{FF2B5EF4-FFF2-40B4-BE49-F238E27FC236}">
-                  <a16:creationId xmlns:a16="http://schemas.microsoft.com/office/drawing/2014/main" id="{2E44E830-D3A5-46F9-8582-B134B0AA1350}"/>
-                </a:ext>
-              </a:extLst>
-            </p:cNvPr>
-            <p:cNvSpPr/>
-            <p:nvPr/>
-          </p:nvSpPr>
-          <p:spPr>
-            <a:xfrm rot="801019">
-              <a:off x="2440128" y="3227843"/>
-              <a:ext cx="4240622" cy="4402237"/>
-            </a:xfrm>
-            <a:prstGeom prst="flowChartAlternateProcess">
-              <a:avLst/>
-            </a:prstGeom>
-            <a:solidFill>
-              <a:srgbClr val="B0AAA5"/>
-            </a:solidFill>
-            <a:ln>
-              <a:noFill/>
-            </a:ln>
-          </p:spPr>
-          <p:style>
-            <a:lnRef idx="2">
-              <a:schemeClr val="accent1">
-                <a:shade val="50000"/>
-              </a:schemeClr>
-            </a:lnRef>
-            <a:fillRef idx="1">
-              <a:schemeClr val="accent1"/>
-            </a:fillRef>
-            <a:effectRef idx="0">
-              <a:schemeClr val="accent1"/>
-            </a:effectRef>
-            <a:fontRef idx="minor">
-              <a:schemeClr val="lt1"/>
-            </a:fontRef>
-          </p:style>
-          <p:txBody>
-            <a:bodyPr rtlCol="0" anchor="ctr"/>
-            <a:lstStyle/>
-            <a:p>
-              <a:pPr algn="ctr"/>
-              <a:endParaRPr lang="es-CL"/>
-            </a:p>
-          </p:txBody>
-        </p:sp>
-        <p:sp>
-          <p:nvSpPr>
-            <p:cNvPr id="28" name="Elipse 27">
-              <a:extLst>
-                <a:ext uri="{FF2B5EF4-FFF2-40B4-BE49-F238E27FC236}">
-                  <a16:creationId xmlns:a16="http://schemas.microsoft.com/office/drawing/2014/main" id="{6917971C-4C73-45D8-A03B-EF23A4564926}"/>
-                </a:ext>
-              </a:extLst>
-            </p:cNvPr>
-            <p:cNvSpPr/>
-            <p:nvPr/>
-          </p:nvSpPr>
-          <p:spPr>
-            <a:xfrm rot="731699">
-              <a:off x="1771596" y="3388457"/>
-              <a:ext cx="1728000" cy="2429654"/>
-            </a:xfrm>
-            <a:prstGeom prst="ellipse">
-              <a:avLst/>
-            </a:prstGeom>
-            <a:solidFill>
-              <a:srgbClr val="99918B"/>
-            </a:solidFill>
-            <a:ln>
-              <a:noFill/>
-            </a:ln>
-          </p:spPr>
-          <p:style>
-            <a:lnRef idx="2">
-              <a:schemeClr val="accent1">
-                <a:shade val="50000"/>
-              </a:schemeClr>
-            </a:lnRef>
-            <a:fillRef idx="1">
-              <a:schemeClr val="accent1"/>
-            </a:fillRef>
-            <a:effectRef idx="0">
-              <a:schemeClr val="accent1"/>
-            </a:effectRef>
-            <a:fontRef idx="minor">
-              <a:schemeClr val="lt1"/>
-            </a:fontRef>
-          </p:style>
-          <p:txBody>
-            <a:bodyPr rtlCol="0" anchor="ctr"/>
-            <a:lstStyle/>
-            <a:p>
-              <a:pPr algn="ctr"/>
-              <a:endParaRPr lang="es-CL"/>
-            </a:p>
-          </p:txBody>
-        </p:sp>
-        <p:sp>
-          <p:nvSpPr>
-            <p:cNvPr id="30" name="Elipse 29">
-              <a:extLst>
-                <a:ext uri="{FF2B5EF4-FFF2-40B4-BE49-F238E27FC236}">
-                  <a16:creationId xmlns:a16="http://schemas.microsoft.com/office/drawing/2014/main" id="{51227EED-55EF-456C-B248-4CCBF8B880DD}"/>
-                </a:ext>
-              </a:extLst>
-            </p:cNvPr>
-            <p:cNvSpPr/>
-            <p:nvPr/>
-          </p:nvSpPr>
-          <p:spPr>
-            <a:xfrm>
-              <a:off x="7223029" y="4733500"/>
-              <a:ext cx="1308485" cy="1552010"/>
-            </a:xfrm>
-            <a:prstGeom prst="ellipse">
-              <a:avLst/>
-            </a:prstGeom>
-            <a:solidFill>
-              <a:srgbClr val="CAA18C"/>
-            </a:solidFill>
-            <a:ln>
-              <a:noFill/>
-            </a:ln>
-          </p:spPr>
-          <p:style>
-            <a:lnRef idx="2">
-              <a:schemeClr val="accent1">
-                <a:shade val="50000"/>
-              </a:schemeClr>
-            </a:lnRef>
-            <a:fillRef idx="1">
-              <a:schemeClr val="accent1"/>
-            </a:fillRef>
-            <a:effectRef idx="0">
-              <a:schemeClr val="accent1"/>
-            </a:effectRef>
-            <a:fontRef idx="minor">
-              <a:schemeClr val="lt1"/>
-            </a:fontRef>
-          </p:style>
-          <p:txBody>
-            <a:bodyPr rtlCol="0" anchor="ctr"/>
-            <a:lstStyle/>
-            <a:p>
-              <a:pPr algn="ctr"/>
-              <a:endParaRPr lang="es-CL" dirty="0"/>
-            </a:p>
-          </p:txBody>
-        </p:sp>
-        <p:sp>
-          <p:nvSpPr>
-            <p:cNvPr id="31" name="Elipse 30">
-              <a:extLst>
-                <a:ext uri="{FF2B5EF4-FFF2-40B4-BE49-F238E27FC236}">
-                  <a16:creationId xmlns:a16="http://schemas.microsoft.com/office/drawing/2014/main" id="{1CE2A773-1961-4A22-AC65-835A747AF295}"/>
-                </a:ext>
-              </a:extLst>
-            </p:cNvPr>
-            <p:cNvSpPr/>
-            <p:nvPr/>
-          </p:nvSpPr>
-          <p:spPr>
-            <a:xfrm rot="370613">
-              <a:off x="2338331" y="4587686"/>
-              <a:ext cx="4118715" cy="1176440"/>
-            </a:xfrm>
-            <a:prstGeom prst="ellipse">
-              <a:avLst/>
-            </a:prstGeom>
-            <a:solidFill>
-              <a:srgbClr val="CAA18C"/>
-            </a:solidFill>
-            <a:ln>
-              <a:noFill/>
-            </a:ln>
-          </p:spPr>
-          <p:style>
-            <a:lnRef idx="2">
-              <a:schemeClr val="accent1">
-                <a:shade val="50000"/>
-              </a:schemeClr>
-            </a:lnRef>
-            <a:fillRef idx="1">
-              <a:schemeClr val="accent1"/>
-            </a:fillRef>
-            <a:effectRef idx="0">
-              <a:schemeClr val="accent1"/>
-            </a:effectRef>
-            <a:fontRef idx="minor">
-              <a:schemeClr val="lt1"/>
-            </a:fontRef>
-          </p:style>
-          <p:txBody>
-            <a:bodyPr rtlCol="0" anchor="ctr"/>
-            <a:lstStyle/>
-            <a:p>
-              <a:pPr algn="ctr"/>
-              <a:endParaRPr lang="es-CL" dirty="0"/>
-            </a:p>
-          </p:txBody>
-        </p:sp>
-        <p:sp>
-          <p:nvSpPr>
-            <p:cNvPr id="32" name="Elipse 31">
-              <a:extLst>
-                <a:ext uri="{FF2B5EF4-FFF2-40B4-BE49-F238E27FC236}">
-                  <a16:creationId xmlns:a16="http://schemas.microsoft.com/office/drawing/2014/main" id="{E209FD6D-6179-40DD-8ED6-D54E0A70DEC9}"/>
-                </a:ext>
-              </a:extLst>
-            </p:cNvPr>
-            <p:cNvSpPr/>
-            <p:nvPr/>
-          </p:nvSpPr>
-          <p:spPr>
-            <a:xfrm rot="1049454">
-              <a:off x="4366666" y="816797"/>
-              <a:ext cx="1897966" cy="2999968"/>
-            </a:xfrm>
-            <a:prstGeom prst="ellipse">
-              <a:avLst/>
-            </a:prstGeom>
-            <a:solidFill>
-              <a:srgbClr val="CAA18C"/>
-            </a:solidFill>
-            <a:ln>
-              <a:noFill/>
-            </a:ln>
-          </p:spPr>
-          <p:style>
-            <a:lnRef idx="2">
-              <a:schemeClr val="accent1">
-                <a:shade val="50000"/>
-              </a:schemeClr>
-            </a:lnRef>
-            <a:fillRef idx="1">
-              <a:schemeClr val="accent1"/>
-            </a:fillRef>
-            <a:effectRef idx="0">
-              <a:schemeClr val="accent1"/>
-            </a:effectRef>
-            <a:fontRef idx="minor">
-              <a:schemeClr val="lt1"/>
-            </a:fontRef>
-          </p:style>
-          <p:txBody>
-            <a:bodyPr rtlCol="0" anchor="ctr"/>
-            <a:lstStyle/>
-            <a:p>
-              <a:pPr algn="ctr"/>
-              <a:endParaRPr lang="es-CL"/>
-            </a:p>
-          </p:txBody>
-        </p:sp>
-        <p:sp>
-          <p:nvSpPr>
-            <p:cNvPr id="49" name="Elipse 48">
-              <a:extLst>
-                <a:ext uri="{FF2B5EF4-FFF2-40B4-BE49-F238E27FC236}">
-                  <a16:creationId xmlns:a16="http://schemas.microsoft.com/office/drawing/2014/main" id="{8F09540C-CD83-4C56-8B0A-FA9838401201}"/>
-                </a:ext>
-              </a:extLst>
-            </p:cNvPr>
-            <p:cNvSpPr/>
-            <p:nvPr/>
-          </p:nvSpPr>
-          <p:spPr>
-            <a:xfrm rot="20925861">
-              <a:off x="5855124" y="1207875"/>
-              <a:ext cx="512256" cy="1083079"/>
-            </a:xfrm>
-            <a:prstGeom prst="ellipse">
-              <a:avLst/>
-            </a:prstGeom>
-            <a:solidFill>
-              <a:srgbClr val="CAA18C"/>
-            </a:solidFill>
-            <a:ln>
-              <a:noFill/>
-            </a:ln>
-          </p:spPr>
-          <p:style>
-            <a:lnRef idx="2">
-              <a:schemeClr val="accent1">
-                <a:shade val="50000"/>
-              </a:schemeClr>
-            </a:lnRef>
-            <a:fillRef idx="1">
-              <a:schemeClr val="accent1"/>
-            </a:fillRef>
-            <a:effectRef idx="0">
-              <a:schemeClr val="accent1"/>
-            </a:effectRef>
-            <a:fontRef idx="minor">
-              <a:schemeClr val="lt1"/>
-            </a:fontRef>
-          </p:style>
-          <p:txBody>
-            <a:bodyPr rtlCol="0" anchor="ctr"/>
-            <a:lstStyle/>
-            <a:p>
-              <a:pPr algn="ctr"/>
-              <a:endParaRPr lang="es-CL"/>
-            </a:p>
-          </p:txBody>
-        </p:sp>
-        <p:sp>
-          <p:nvSpPr>
-            <p:cNvPr id="34" name="Luna 33">
-              <a:extLst>
-                <a:ext uri="{FF2B5EF4-FFF2-40B4-BE49-F238E27FC236}">
-                  <a16:creationId xmlns:a16="http://schemas.microsoft.com/office/drawing/2014/main" id="{D9CAF59C-88C1-45E4-9026-68402F69D0E9}"/>
-                </a:ext>
-              </a:extLst>
-            </p:cNvPr>
-            <p:cNvSpPr/>
-            <p:nvPr/>
-          </p:nvSpPr>
-          <p:spPr>
-            <a:xfrm rot="5400000">
-              <a:off x="4557263" y="348010"/>
-              <a:ext cx="1892980" cy="2389970"/>
-            </a:xfrm>
-            <a:custGeom>
-              <a:avLst/>
-              <a:gdLst>
-                <a:gd name="connsiteX0" fmla="*/ 2092768 w 2092768"/>
-                <a:gd name="connsiteY0" fmla="*/ 2389916 h 2389916"/>
-                <a:gd name="connsiteX1" fmla="*/ 0 w 2092768"/>
-                <a:gd name="connsiteY1" fmla="*/ 1194958 h 2389916"/>
-                <a:gd name="connsiteX2" fmla="*/ 2092768 w 2092768"/>
-                <a:gd name="connsiteY2" fmla="*/ 0 h 2389916"/>
-                <a:gd name="connsiteX3" fmla="*/ 2092769 w 2092768"/>
-                <a:gd name="connsiteY3" fmla="*/ 2389916 h 2389916"/>
-                <a:gd name="connsiteX4" fmla="*/ 2092768 w 2092768"/>
-                <a:gd name="connsiteY4" fmla="*/ 2389916 h 2389916"/>
-                <a:gd name="connsiteX0" fmla="*/ 2092878 w 2164315"/>
-                <a:gd name="connsiteY0" fmla="*/ 1961291 h 1961291"/>
-                <a:gd name="connsiteX1" fmla="*/ 110 w 2164315"/>
-                <a:gd name="connsiteY1" fmla="*/ 766333 h 1961291"/>
-                <a:gd name="connsiteX2" fmla="*/ 2164315 w 2164315"/>
-                <a:gd name="connsiteY2" fmla="*/ 0 h 1961291"/>
-                <a:gd name="connsiteX3" fmla="*/ 2092879 w 2164315"/>
-                <a:gd name="connsiteY3" fmla="*/ 1961291 h 1961291"/>
-                <a:gd name="connsiteX4" fmla="*/ 2092878 w 2164315"/>
-                <a:gd name="connsiteY4" fmla="*/ 1961291 h 1961291"/>
-                <a:gd name="connsiteX0" fmla="*/ 2092878 w 2164315"/>
-                <a:gd name="connsiteY0" fmla="*/ 1961291 h 1961291"/>
-                <a:gd name="connsiteX1" fmla="*/ 110 w 2164315"/>
-                <a:gd name="connsiteY1" fmla="*/ 766333 h 1961291"/>
-                <a:gd name="connsiteX2" fmla="*/ 2164315 w 2164315"/>
-                <a:gd name="connsiteY2" fmla="*/ 0 h 1961291"/>
-                <a:gd name="connsiteX3" fmla="*/ 2092879 w 2164315"/>
-                <a:gd name="connsiteY3" fmla="*/ 1961291 h 1961291"/>
-                <a:gd name="connsiteX4" fmla="*/ 2092878 w 2164315"/>
-                <a:gd name="connsiteY4" fmla="*/ 1961291 h 1961291"/>
-                <a:gd name="connsiteX0" fmla="*/ 2092878 w 2164315"/>
-                <a:gd name="connsiteY0" fmla="*/ 2138666 h 2138666"/>
-                <a:gd name="connsiteX1" fmla="*/ 110 w 2164315"/>
-                <a:gd name="connsiteY1" fmla="*/ 943708 h 2138666"/>
-                <a:gd name="connsiteX2" fmla="*/ 2164315 w 2164315"/>
-                <a:gd name="connsiteY2" fmla="*/ 177375 h 2138666"/>
-                <a:gd name="connsiteX3" fmla="*/ 2092879 w 2164315"/>
-                <a:gd name="connsiteY3" fmla="*/ 2138666 h 2138666"/>
-                <a:gd name="connsiteX4" fmla="*/ 2092878 w 2164315"/>
-                <a:gd name="connsiteY4" fmla="*/ 2138666 h 2138666"/>
-                <a:gd name="connsiteX0" fmla="*/ 1764323 w 1835760"/>
-                <a:gd name="connsiteY0" fmla="*/ 2136987 h 2136987"/>
-                <a:gd name="connsiteX1" fmla="*/ 169 w 1835760"/>
-                <a:gd name="connsiteY1" fmla="*/ 956317 h 2136987"/>
-                <a:gd name="connsiteX2" fmla="*/ 1835760 w 1835760"/>
-                <a:gd name="connsiteY2" fmla="*/ 175696 h 2136987"/>
-                <a:gd name="connsiteX3" fmla="*/ 1764324 w 1835760"/>
-                <a:gd name="connsiteY3" fmla="*/ 2136987 h 2136987"/>
-                <a:gd name="connsiteX4" fmla="*/ 1764323 w 1835760"/>
-                <a:gd name="connsiteY4" fmla="*/ 2136987 h 2136987"/>
-                <a:gd name="connsiteX0" fmla="*/ 1768970 w 1840407"/>
-                <a:gd name="connsiteY0" fmla="*/ 2181187 h 2181187"/>
-                <a:gd name="connsiteX1" fmla="*/ 4816 w 1840407"/>
-                <a:gd name="connsiteY1" fmla="*/ 1000517 h 2181187"/>
-                <a:gd name="connsiteX2" fmla="*/ 1840407 w 1840407"/>
-                <a:gd name="connsiteY2" fmla="*/ 219896 h 2181187"/>
-                <a:gd name="connsiteX3" fmla="*/ 1768971 w 1840407"/>
-                <a:gd name="connsiteY3" fmla="*/ 2181187 h 2181187"/>
-                <a:gd name="connsiteX4" fmla="*/ 1768970 w 1840407"/>
-                <a:gd name="connsiteY4" fmla="*/ 2181187 h 2181187"/>
-                <a:gd name="connsiteX0" fmla="*/ 1772853 w 1772854"/>
-                <a:gd name="connsiteY0" fmla="*/ 2136987 h 2136987"/>
-                <a:gd name="connsiteX1" fmla="*/ 8699 w 1772854"/>
-                <a:gd name="connsiteY1" fmla="*/ 956317 h 2136987"/>
-                <a:gd name="connsiteX2" fmla="*/ 1372802 w 1772854"/>
-                <a:gd name="connsiteY2" fmla="*/ 175696 h 2136987"/>
-                <a:gd name="connsiteX3" fmla="*/ 1772854 w 1772854"/>
-                <a:gd name="connsiteY3" fmla="*/ 2136987 h 2136987"/>
-                <a:gd name="connsiteX4" fmla="*/ 1772853 w 1772854"/>
-                <a:gd name="connsiteY4" fmla="*/ 2136987 h 2136987"/>
-                <a:gd name="connsiteX0" fmla="*/ 1770481 w 1770482"/>
-                <a:gd name="connsiteY0" fmla="*/ 2313243 h 2313243"/>
-                <a:gd name="connsiteX1" fmla="*/ 6327 w 1770482"/>
-                <a:gd name="connsiteY1" fmla="*/ 1132573 h 2313243"/>
-                <a:gd name="connsiteX2" fmla="*/ 1370430 w 1770482"/>
-                <a:gd name="connsiteY2" fmla="*/ 351952 h 2313243"/>
-                <a:gd name="connsiteX3" fmla="*/ 1770482 w 1770482"/>
-                <a:gd name="connsiteY3" fmla="*/ 2313243 h 2313243"/>
-                <a:gd name="connsiteX4" fmla="*/ 1770481 w 1770482"/>
-                <a:gd name="connsiteY4" fmla="*/ 2313243 h 2313243"/>
-                <a:gd name="connsiteX0" fmla="*/ 1770481 w 1770482"/>
-                <a:gd name="connsiteY0" fmla="*/ 2313243 h 2313243"/>
-                <a:gd name="connsiteX1" fmla="*/ 6327 w 1770482"/>
-                <a:gd name="connsiteY1" fmla="*/ 1132573 h 2313243"/>
-                <a:gd name="connsiteX2" fmla="*/ 1370430 w 1770482"/>
-                <a:gd name="connsiteY2" fmla="*/ 351952 h 2313243"/>
-                <a:gd name="connsiteX3" fmla="*/ 1770482 w 1770482"/>
-                <a:gd name="connsiteY3" fmla="*/ 2313243 h 2313243"/>
-                <a:gd name="connsiteX4" fmla="*/ 1770481 w 1770482"/>
-                <a:gd name="connsiteY4" fmla="*/ 2313243 h 2313243"/>
-                <a:gd name="connsiteX0" fmla="*/ 1770481 w 1770482"/>
-                <a:gd name="connsiteY0" fmla="*/ 2615813 h 2615813"/>
-                <a:gd name="connsiteX1" fmla="*/ 6327 w 1770482"/>
-                <a:gd name="connsiteY1" fmla="*/ 1435143 h 2615813"/>
-                <a:gd name="connsiteX2" fmla="*/ 1370433 w 1770482"/>
-                <a:gd name="connsiteY2" fmla="*/ 311622 h 2615813"/>
-                <a:gd name="connsiteX3" fmla="*/ 1770482 w 1770482"/>
-                <a:gd name="connsiteY3" fmla="*/ 2615813 h 2615813"/>
-                <a:gd name="connsiteX4" fmla="*/ 1770481 w 1770482"/>
-                <a:gd name="connsiteY4" fmla="*/ 2615813 h 2615813"/>
-                <a:gd name="connsiteX0" fmla="*/ 1768948 w 1768949"/>
-                <a:gd name="connsiteY0" fmla="*/ 2338068 h 2338068"/>
-                <a:gd name="connsiteX1" fmla="*/ 4794 w 1768949"/>
-                <a:gd name="connsiteY1" fmla="*/ 1157398 h 2338068"/>
-                <a:gd name="connsiteX2" fmla="*/ 1411765 w 1768949"/>
-                <a:gd name="connsiteY2" fmla="*/ 348202 h 2338068"/>
-                <a:gd name="connsiteX3" fmla="*/ 1768949 w 1768949"/>
-                <a:gd name="connsiteY3" fmla="*/ 2338068 h 2338068"/>
-                <a:gd name="connsiteX4" fmla="*/ 1768948 w 1768949"/>
-                <a:gd name="connsiteY4" fmla="*/ 2338068 h 2338068"/>
-                <a:gd name="connsiteX0" fmla="*/ 1771597 w 1771598"/>
-                <a:gd name="connsiteY0" fmla="*/ 2118771 h 2118771"/>
-                <a:gd name="connsiteX1" fmla="*/ 7443 w 1771598"/>
-                <a:gd name="connsiteY1" fmla="*/ 938101 h 2118771"/>
-                <a:gd name="connsiteX2" fmla="*/ 1414414 w 1771598"/>
-                <a:gd name="connsiteY2" fmla="*/ 128905 h 2118771"/>
-                <a:gd name="connsiteX3" fmla="*/ 1771598 w 1771598"/>
-                <a:gd name="connsiteY3" fmla="*/ 2118771 h 2118771"/>
-                <a:gd name="connsiteX4" fmla="*/ 1771597 w 1771598"/>
-                <a:gd name="connsiteY4" fmla="*/ 2118771 h 2118771"/>
-                <a:gd name="connsiteX0" fmla="*/ 1701769 w 1701770"/>
-                <a:gd name="connsiteY0" fmla="*/ 2094003 h 2094003"/>
-                <a:gd name="connsiteX1" fmla="*/ 9055 w 1701770"/>
-                <a:gd name="connsiteY1" fmla="*/ 1227658 h 2094003"/>
-                <a:gd name="connsiteX2" fmla="*/ 1344586 w 1701770"/>
-                <a:gd name="connsiteY2" fmla="*/ 104137 h 2094003"/>
-                <a:gd name="connsiteX3" fmla="*/ 1701770 w 1701770"/>
-                <a:gd name="connsiteY3" fmla="*/ 2094003 h 2094003"/>
-                <a:gd name="connsiteX4" fmla="*/ 1701769 w 1701770"/>
-                <a:gd name="connsiteY4" fmla="*/ 2094003 h 2094003"/>
-                <a:gd name="connsiteX0" fmla="*/ 1772743 w 1772744"/>
-                <a:gd name="connsiteY0" fmla="*/ 2158406 h 2168153"/>
-                <a:gd name="connsiteX1" fmla="*/ 80029 w 1772744"/>
-                <a:gd name="connsiteY1" fmla="*/ 1292061 h 2168153"/>
-                <a:gd name="connsiteX2" fmla="*/ 1415560 w 1772744"/>
-                <a:gd name="connsiteY2" fmla="*/ 168540 h 2168153"/>
-                <a:gd name="connsiteX3" fmla="*/ 1772744 w 1772744"/>
-                <a:gd name="connsiteY3" fmla="*/ 2158406 h 2168153"/>
-                <a:gd name="connsiteX4" fmla="*/ 1772743 w 1772744"/>
-                <a:gd name="connsiteY4" fmla="*/ 2158406 h 2168153"/>
-                <a:gd name="connsiteX0" fmla="*/ 1696163 w 1696164"/>
-                <a:gd name="connsiteY0" fmla="*/ 2107526 h 2107526"/>
-                <a:gd name="connsiteX1" fmla="*/ 3449 w 1696164"/>
-                <a:gd name="connsiteY1" fmla="*/ 1241181 h 2107526"/>
-                <a:gd name="connsiteX2" fmla="*/ 1453283 w 1696164"/>
-                <a:gd name="connsiteY2" fmla="*/ 103372 h 2107526"/>
-                <a:gd name="connsiteX3" fmla="*/ 1696164 w 1696164"/>
-                <a:gd name="connsiteY3" fmla="*/ 2107526 h 2107526"/>
-                <a:gd name="connsiteX4" fmla="*/ 1696163 w 1696164"/>
-                <a:gd name="connsiteY4" fmla="*/ 2107526 h 2107526"/>
-                <a:gd name="connsiteX0" fmla="*/ 1704608 w 1704609"/>
-                <a:gd name="connsiteY0" fmla="*/ 2269219 h 2269219"/>
-                <a:gd name="connsiteX1" fmla="*/ 11894 w 1704609"/>
-                <a:gd name="connsiteY1" fmla="*/ 1402874 h 2269219"/>
-                <a:gd name="connsiteX2" fmla="*/ 1461728 w 1704609"/>
-                <a:gd name="connsiteY2" fmla="*/ 265065 h 2269219"/>
-                <a:gd name="connsiteX3" fmla="*/ 1704609 w 1704609"/>
-                <a:gd name="connsiteY3" fmla="*/ 2269219 h 2269219"/>
-                <a:gd name="connsiteX4" fmla="*/ 1704608 w 1704609"/>
-                <a:gd name="connsiteY4" fmla="*/ 2269219 h 2269219"/>
-                <a:gd name="connsiteX0" fmla="*/ 1704608 w 1704609"/>
-                <a:gd name="connsiteY0" fmla="*/ 2269219 h 2269219"/>
-                <a:gd name="connsiteX1" fmla="*/ 11894 w 1704609"/>
-                <a:gd name="connsiteY1" fmla="*/ 1402874 h 2269219"/>
-                <a:gd name="connsiteX2" fmla="*/ 1461728 w 1704609"/>
-                <a:gd name="connsiteY2" fmla="*/ 265065 h 2269219"/>
-                <a:gd name="connsiteX3" fmla="*/ 1704609 w 1704609"/>
-                <a:gd name="connsiteY3" fmla="*/ 2269219 h 2269219"/>
-                <a:gd name="connsiteX4" fmla="*/ 1704608 w 1704609"/>
-                <a:gd name="connsiteY4" fmla="*/ 2269219 h 2269219"/>
-                <a:gd name="connsiteX0" fmla="*/ 1848670 w 1848671"/>
-                <a:gd name="connsiteY0" fmla="*/ 3186868 h 3186868"/>
-                <a:gd name="connsiteX1" fmla="*/ 155956 w 1848671"/>
-                <a:gd name="connsiteY1" fmla="*/ 2320523 h 3186868"/>
-                <a:gd name="connsiteX2" fmla="*/ 1103867 w 1848671"/>
-                <a:gd name="connsiteY2" fmla="*/ 196876 h 3186868"/>
-                <a:gd name="connsiteX3" fmla="*/ 1848671 w 1848671"/>
-                <a:gd name="connsiteY3" fmla="*/ 3186868 h 3186868"/>
-                <a:gd name="connsiteX4" fmla="*/ 1848670 w 1848671"/>
-                <a:gd name="connsiteY4" fmla="*/ 3186868 h 3186868"/>
-                <a:gd name="connsiteX0" fmla="*/ 1700762 w 1700763"/>
-                <a:gd name="connsiteY0" fmla="*/ 2295164 h 2295164"/>
-                <a:gd name="connsiteX1" fmla="*/ 8048 w 1700763"/>
-                <a:gd name="connsiteY1" fmla="*/ 1428819 h 2295164"/>
-                <a:gd name="connsiteX2" fmla="*/ 1494612 w 1700763"/>
-                <a:gd name="connsiteY2" fmla="*/ 262434 h 2295164"/>
-                <a:gd name="connsiteX3" fmla="*/ 1700763 w 1700763"/>
-                <a:gd name="connsiteY3" fmla="*/ 2295164 h 2295164"/>
-                <a:gd name="connsiteX4" fmla="*/ 1700762 w 1700763"/>
-                <a:gd name="connsiteY4" fmla="*/ 2295164 h 2295164"/>
-                <a:gd name="connsiteX0" fmla="*/ 1654396 w 1654397"/>
-                <a:gd name="connsiteY0" fmla="*/ 2298277 h 2298277"/>
-                <a:gd name="connsiteX1" fmla="*/ 10650 w 1654397"/>
-                <a:gd name="connsiteY1" fmla="*/ 1403357 h 2298277"/>
-                <a:gd name="connsiteX2" fmla="*/ 1448246 w 1654397"/>
-                <a:gd name="connsiteY2" fmla="*/ 265547 h 2298277"/>
-                <a:gd name="connsiteX3" fmla="*/ 1654397 w 1654397"/>
-                <a:gd name="connsiteY3" fmla="*/ 2298277 h 2298277"/>
-                <a:gd name="connsiteX4" fmla="*/ 1654396 w 1654397"/>
-                <a:gd name="connsiteY4" fmla="*/ 2298277 h 2298277"/>
-                <a:gd name="connsiteX0" fmla="*/ 1631586 w 1631587"/>
-                <a:gd name="connsiteY0" fmla="*/ 2290624 h 2290624"/>
-                <a:gd name="connsiteX1" fmla="*/ 12324 w 1631587"/>
-                <a:gd name="connsiteY1" fmla="*/ 1467141 h 2290624"/>
-                <a:gd name="connsiteX2" fmla="*/ 1425436 w 1631587"/>
-                <a:gd name="connsiteY2" fmla="*/ 257894 h 2290624"/>
-                <a:gd name="connsiteX3" fmla="*/ 1631587 w 1631587"/>
-                <a:gd name="connsiteY3" fmla="*/ 2290624 h 2290624"/>
-                <a:gd name="connsiteX4" fmla="*/ 1631586 w 1631587"/>
-                <a:gd name="connsiteY4" fmla="*/ 2290624 h 2290624"/>
-                <a:gd name="connsiteX0" fmla="*/ 1619587 w 1619588"/>
-                <a:gd name="connsiteY0" fmla="*/ 2312753 h 2312753"/>
-                <a:gd name="connsiteX1" fmla="*/ 325 w 1619588"/>
-                <a:gd name="connsiteY1" fmla="*/ 1489270 h 2312753"/>
-                <a:gd name="connsiteX2" fmla="*/ 1413437 w 1619588"/>
-                <a:gd name="connsiteY2" fmla="*/ 280023 h 2312753"/>
-                <a:gd name="connsiteX3" fmla="*/ 1619588 w 1619588"/>
-                <a:gd name="connsiteY3" fmla="*/ 2312753 h 2312753"/>
-                <a:gd name="connsiteX4" fmla="*/ 1619587 w 1619588"/>
-                <a:gd name="connsiteY4" fmla="*/ 2312753 h 2312753"/>
-                <a:gd name="connsiteX0" fmla="*/ 1627426 w 1627427"/>
-                <a:gd name="connsiteY0" fmla="*/ 2325924 h 2325924"/>
-                <a:gd name="connsiteX1" fmla="*/ 8164 w 1627427"/>
-                <a:gd name="connsiteY1" fmla="*/ 1502441 h 2325924"/>
-                <a:gd name="connsiteX2" fmla="*/ 1421276 w 1627427"/>
-                <a:gd name="connsiteY2" fmla="*/ 293194 h 2325924"/>
-                <a:gd name="connsiteX3" fmla="*/ 1627427 w 1627427"/>
-                <a:gd name="connsiteY3" fmla="*/ 2325924 h 2325924"/>
-                <a:gd name="connsiteX4" fmla="*/ 1627426 w 1627427"/>
-                <a:gd name="connsiteY4" fmla="*/ 2325924 h 2325924"/>
-                <a:gd name="connsiteX0" fmla="*/ 1622679 w 1622680"/>
-                <a:gd name="connsiteY0" fmla="*/ 2414263 h 2414263"/>
-                <a:gd name="connsiteX1" fmla="*/ 3417 w 1622680"/>
-                <a:gd name="connsiteY1" fmla="*/ 1590780 h 2414263"/>
-                <a:gd name="connsiteX2" fmla="*/ 1416529 w 1622680"/>
-                <a:gd name="connsiteY2" fmla="*/ 381533 h 2414263"/>
-                <a:gd name="connsiteX3" fmla="*/ 1622680 w 1622680"/>
-                <a:gd name="connsiteY3" fmla="*/ 2414263 h 2414263"/>
-                <a:gd name="connsiteX4" fmla="*/ 1622679 w 1622680"/>
-                <a:gd name="connsiteY4" fmla="*/ 2414263 h 2414263"/>
-                <a:gd name="connsiteX0" fmla="*/ 1622679 w 1622680"/>
-                <a:gd name="connsiteY0" fmla="*/ 2414263 h 2426834"/>
-                <a:gd name="connsiteX1" fmla="*/ 3417 w 1622680"/>
-                <a:gd name="connsiteY1" fmla="*/ 1590780 h 2426834"/>
-                <a:gd name="connsiteX2" fmla="*/ 1416529 w 1622680"/>
-                <a:gd name="connsiteY2" fmla="*/ 381533 h 2426834"/>
-                <a:gd name="connsiteX3" fmla="*/ 1622680 w 1622680"/>
-                <a:gd name="connsiteY3" fmla="*/ 2414263 h 2426834"/>
-                <a:gd name="connsiteX4" fmla="*/ 1622679 w 1622680"/>
-                <a:gd name="connsiteY4" fmla="*/ 2414263 h 2426834"/>
-                <a:gd name="connsiteX0" fmla="*/ 1619553 w 1619554"/>
-                <a:gd name="connsiteY0" fmla="*/ 2042076 h 2054647"/>
-                <a:gd name="connsiteX1" fmla="*/ 291 w 1619554"/>
-                <a:gd name="connsiteY1" fmla="*/ 1218593 h 2054647"/>
-                <a:gd name="connsiteX2" fmla="*/ 1413403 w 1619554"/>
-                <a:gd name="connsiteY2" fmla="*/ 9346 h 2054647"/>
-                <a:gd name="connsiteX3" fmla="*/ 759648 w 1619554"/>
-                <a:gd name="connsiteY3" fmla="*/ 1199204 h 2054647"/>
-                <a:gd name="connsiteX4" fmla="*/ 1619554 w 1619554"/>
-                <a:gd name="connsiteY4" fmla="*/ 2042076 h 2054647"/>
-                <a:gd name="connsiteX5" fmla="*/ 1619553 w 1619554"/>
-                <a:gd name="connsiteY5" fmla="*/ 2042076 h 2054647"/>
-                <a:gd name="connsiteX0" fmla="*/ 1620706 w 1620707"/>
-                <a:gd name="connsiteY0" fmla="*/ 2382274 h 2394845"/>
-                <a:gd name="connsiteX1" fmla="*/ 1444 w 1620707"/>
-                <a:gd name="connsiteY1" fmla="*/ 1558791 h 2394845"/>
-                <a:gd name="connsiteX2" fmla="*/ 1414556 w 1620707"/>
-                <a:gd name="connsiteY2" fmla="*/ 349544 h 2394845"/>
-                <a:gd name="connsiteX3" fmla="*/ 760801 w 1620707"/>
-                <a:gd name="connsiteY3" fmla="*/ 1539402 h 2394845"/>
-                <a:gd name="connsiteX4" fmla="*/ 1620707 w 1620707"/>
-                <a:gd name="connsiteY4" fmla="*/ 2382274 h 2394845"/>
-                <a:gd name="connsiteX5" fmla="*/ 1620706 w 1620707"/>
-                <a:gd name="connsiteY5" fmla="*/ 2382274 h 2394845"/>
-                <a:gd name="connsiteX0" fmla="*/ 1620706 w 1620707"/>
-                <a:gd name="connsiteY0" fmla="*/ 2382274 h 2394845"/>
-                <a:gd name="connsiteX1" fmla="*/ 1444 w 1620707"/>
-                <a:gd name="connsiteY1" fmla="*/ 1558791 h 2394845"/>
-                <a:gd name="connsiteX2" fmla="*/ 1414556 w 1620707"/>
-                <a:gd name="connsiteY2" fmla="*/ 349544 h 2394845"/>
-                <a:gd name="connsiteX3" fmla="*/ 760801 w 1620707"/>
-                <a:gd name="connsiteY3" fmla="*/ 1539402 h 2394845"/>
-                <a:gd name="connsiteX4" fmla="*/ 1620707 w 1620707"/>
-                <a:gd name="connsiteY4" fmla="*/ 2382274 h 2394845"/>
-                <a:gd name="connsiteX5" fmla="*/ 1620706 w 1620707"/>
-                <a:gd name="connsiteY5" fmla="*/ 2382274 h 2394845"/>
-                <a:gd name="connsiteX0" fmla="*/ 1620706 w 1620707"/>
-                <a:gd name="connsiteY0" fmla="*/ 2382274 h 2394845"/>
-                <a:gd name="connsiteX1" fmla="*/ 1444 w 1620707"/>
-                <a:gd name="connsiteY1" fmla="*/ 1558791 h 2394845"/>
-                <a:gd name="connsiteX2" fmla="*/ 1414556 w 1620707"/>
-                <a:gd name="connsiteY2" fmla="*/ 349544 h 2394845"/>
-                <a:gd name="connsiteX3" fmla="*/ 760801 w 1620707"/>
-                <a:gd name="connsiteY3" fmla="*/ 1539402 h 2394845"/>
-                <a:gd name="connsiteX4" fmla="*/ 1620707 w 1620707"/>
-                <a:gd name="connsiteY4" fmla="*/ 2382274 h 2394845"/>
-                <a:gd name="connsiteX5" fmla="*/ 1620706 w 1620707"/>
-                <a:gd name="connsiteY5" fmla="*/ 2382274 h 2394845"/>
-                <a:gd name="connsiteX0" fmla="*/ 1620706 w 1620707"/>
-                <a:gd name="connsiteY0" fmla="*/ 2382274 h 2394845"/>
-                <a:gd name="connsiteX1" fmla="*/ 1444 w 1620707"/>
-                <a:gd name="connsiteY1" fmla="*/ 1558791 h 2394845"/>
-                <a:gd name="connsiteX2" fmla="*/ 1414556 w 1620707"/>
-                <a:gd name="connsiteY2" fmla="*/ 349544 h 2394845"/>
-                <a:gd name="connsiteX3" fmla="*/ 662865 w 1620707"/>
-                <a:gd name="connsiteY3" fmla="*/ 1610839 h 2394845"/>
-                <a:gd name="connsiteX4" fmla="*/ 1620707 w 1620707"/>
-                <a:gd name="connsiteY4" fmla="*/ 2382274 h 2394845"/>
-                <a:gd name="connsiteX5" fmla="*/ 1620706 w 1620707"/>
-                <a:gd name="connsiteY5" fmla="*/ 2382274 h 2394845"/>
-                <a:gd name="connsiteX0" fmla="*/ 1620706 w 1620707"/>
-                <a:gd name="connsiteY0" fmla="*/ 2382274 h 2394845"/>
-                <a:gd name="connsiteX1" fmla="*/ 1444 w 1620707"/>
-                <a:gd name="connsiteY1" fmla="*/ 1558791 h 2394845"/>
-                <a:gd name="connsiteX2" fmla="*/ 1414556 w 1620707"/>
-                <a:gd name="connsiteY2" fmla="*/ 349544 h 2394845"/>
-                <a:gd name="connsiteX3" fmla="*/ 662865 w 1620707"/>
-                <a:gd name="connsiteY3" fmla="*/ 1610839 h 2394845"/>
-                <a:gd name="connsiteX4" fmla="*/ 1620707 w 1620707"/>
-                <a:gd name="connsiteY4" fmla="*/ 2382274 h 2394845"/>
-                <a:gd name="connsiteX5" fmla="*/ 1620706 w 1620707"/>
-                <a:gd name="connsiteY5" fmla="*/ 2382274 h 2394845"/>
-                <a:gd name="connsiteX0" fmla="*/ 1620706 w 1620707"/>
-                <a:gd name="connsiteY0" fmla="*/ 2382274 h 2394845"/>
-                <a:gd name="connsiteX1" fmla="*/ 1444 w 1620707"/>
-                <a:gd name="connsiteY1" fmla="*/ 1558791 h 2394845"/>
-                <a:gd name="connsiteX2" fmla="*/ 1414556 w 1620707"/>
-                <a:gd name="connsiteY2" fmla="*/ 349544 h 2394845"/>
-                <a:gd name="connsiteX3" fmla="*/ 662865 w 1620707"/>
-                <a:gd name="connsiteY3" fmla="*/ 1610839 h 2394845"/>
-                <a:gd name="connsiteX4" fmla="*/ 1620707 w 1620707"/>
-                <a:gd name="connsiteY4" fmla="*/ 2382274 h 2394845"/>
-                <a:gd name="connsiteX5" fmla="*/ 1620706 w 1620707"/>
-                <a:gd name="connsiteY5" fmla="*/ 2382274 h 2394845"/>
-                <a:gd name="connsiteX0" fmla="*/ 1620706 w 1620707"/>
-                <a:gd name="connsiteY0" fmla="*/ 2382274 h 2394845"/>
-                <a:gd name="connsiteX1" fmla="*/ 1444 w 1620707"/>
-                <a:gd name="connsiteY1" fmla="*/ 1558791 h 2394845"/>
-                <a:gd name="connsiteX2" fmla="*/ 1414556 w 1620707"/>
-                <a:gd name="connsiteY2" fmla="*/ 349544 h 2394845"/>
-                <a:gd name="connsiteX3" fmla="*/ 662865 w 1620707"/>
-                <a:gd name="connsiteY3" fmla="*/ 839314 h 2394845"/>
-                <a:gd name="connsiteX4" fmla="*/ 1620707 w 1620707"/>
-                <a:gd name="connsiteY4" fmla="*/ 2382274 h 2394845"/>
-                <a:gd name="connsiteX5" fmla="*/ 1620706 w 1620707"/>
-                <a:gd name="connsiteY5" fmla="*/ 2382274 h 2394845"/>
-                <a:gd name="connsiteX0" fmla="*/ 1620706 w 1620707"/>
-                <a:gd name="connsiteY0" fmla="*/ 2382274 h 2394845"/>
-                <a:gd name="connsiteX1" fmla="*/ 1444 w 1620707"/>
-                <a:gd name="connsiteY1" fmla="*/ 1558791 h 2394845"/>
-                <a:gd name="connsiteX2" fmla="*/ 1414556 w 1620707"/>
-                <a:gd name="connsiteY2" fmla="*/ 349544 h 2394845"/>
-                <a:gd name="connsiteX3" fmla="*/ 662865 w 1620707"/>
-                <a:gd name="connsiteY3" fmla="*/ 839314 h 2394845"/>
-                <a:gd name="connsiteX4" fmla="*/ 1620707 w 1620707"/>
-                <a:gd name="connsiteY4" fmla="*/ 2382274 h 2394845"/>
-                <a:gd name="connsiteX5" fmla="*/ 1620706 w 1620707"/>
-                <a:gd name="connsiteY5" fmla="*/ 2382274 h 2394845"/>
-                <a:gd name="connsiteX0" fmla="*/ 1620706 w 1620707"/>
-                <a:gd name="connsiteY0" fmla="*/ 2382274 h 2394845"/>
-                <a:gd name="connsiteX1" fmla="*/ 1444 w 1620707"/>
-                <a:gd name="connsiteY1" fmla="*/ 1558791 h 2394845"/>
-                <a:gd name="connsiteX2" fmla="*/ 1414556 w 1620707"/>
-                <a:gd name="connsiteY2" fmla="*/ 349544 h 2394845"/>
-                <a:gd name="connsiteX3" fmla="*/ 662865 w 1620707"/>
-                <a:gd name="connsiteY3" fmla="*/ 839314 h 2394845"/>
-                <a:gd name="connsiteX4" fmla="*/ 1620707 w 1620707"/>
-                <a:gd name="connsiteY4" fmla="*/ 2382274 h 2394845"/>
-                <a:gd name="connsiteX5" fmla="*/ 1620706 w 1620707"/>
-                <a:gd name="connsiteY5" fmla="*/ 2382274 h 2394845"/>
-                <a:gd name="connsiteX0" fmla="*/ 1620706 w 1620707"/>
-                <a:gd name="connsiteY0" fmla="*/ 2382274 h 2394845"/>
-                <a:gd name="connsiteX1" fmla="*/ 1444 w 1620707"/>
-                <a:gd name="connsiteY1" fmla="*/ 1558791 h 2394845"/>
-                <a:gd name="connsiteX2" fmla="*/ 1414556 w 1620707"/>
-                <a:gd name="connsiteY2" fmla="*/ 349544 h 2394845"/>
-                <a:gd name="connsiteX3" fmla="*/ 662865 w 1620707"/>
-                <a:gd name="connsiteY3" fmla="*/ 839314 h 2394845"/>
-                <a:gd name="connsiteX4" fmla="*/ 1620707 w 1620707"/>
-                <a:gd name="connsiteY4" fmla="*/ 2382274 h 2394845"/>
-                <a:gd name="connsiteX5" fmla="*/ 1620706 w 1620707"/>
-                <a:gd name="connsiteY5" fmla="*/ 2382274 h 2394845"/>
-                <a:gd name="connsiteX0" fmla="*/ 1620706 w 1620707"/>
-                <a:gd name="connsiteY0" fmla="*/ 2382274 h 2394845"/>
-                <a:gd name="connsiteX1" fmla="*/ 1444 w 1620707"/>
-                <a:gd name="connsiteY1" fmla="*/ 1558791 h 2394845"/>
-                <a:gd name="connsiteX2" fmla="*/ 1414556 w 1620707"/>
-                <a:gd name="connsiteY2" fmla="*/ 349544 h 2394845"/>
-                <a:gd name="connsiteX3" fmla="*/ 662865 w 1620707"/>
-                <a:gd name="connsiteY3" fmla="*/ 839314 h 2394845"/>
-                <a:gd name="connsiteX4" fmla="*/ 1620707 w 1620707"/>
-                <a:gd name="connsiteY4" fmla="*/ 2382274 h 2394845"/>
-                <a:gd name="connsiteX5" fmla="*/ 1620706 w 1620707"/>
-                <a:gd name="connsiteY5" fmla="*/ 2382274 h 2394845"/>
-                <a:gd name="connsiteX0" fmla="*/ 1620706 w 1620707"/>
-                <a:gd name="connsiteY0" fmla="*/ 2382274 h 2394845"/>
-                <a:gd name="connsiteX1" fmla="*/ 1444 w 1620707"/>
-                <a:gd name="connsiteY1" fmla="*/ 1558791 h 2394845"/>
-                <a:gd name="connsiteX2" fmla="*/ 1414556 w 1620707"/>
-                <a:gd name="connsiteY2" fmla="*/ 349544 h 2394845"/>
-                <a:gd name="connsiteX3" fmla="*/ 687349 w 1620707"/>
-                <a:gd name="connsiteY3" fmla="*/ 796452 h 2394845"/>
-                <a:gd name="connsiteX4" fmla="*/ 1620707 w 1620707"/>
-                <a:gd name="connsiteY4" fmla="*/ 2382274 h 2394845"/>
-                <a:gd name="connsiteX5" fmla="*/ 1620706 w 1620707"/>
-                <a:gd name="connsiteY5" fmla="*/ 2382274 h 2394845"/>
-                <a:gd name="connsiteX0" fmla="*/ 1622400 w 1622401"/>
-                <a:gd name="connsiteY0" fmla="*/ 2279714 h 2285862"/>
-                <a:gd name="connsiteX1" fmla="*/ 3138 w 1622401"/>
-                <a:gd name="connsiteY1" fmla="*/ 1456231 h 2285862"/>
-                <a:gd name="connsiteX2" fmla="*/ 1416250 w 1622401"/>
-                <a:gd name="connsiteY2" fmla="*/ 318421 h 2285862"/>
-                <a:gd name="connsiteX3" fmla="*/ 689043 w 1622401"/>
-                <a:gd name="connsiteY3" fmla="*/ 693892 h 2285862"/>
-                <a:gd name="connsiteX4" fmla="*/ 1622401 w 1622401"/>
-                <a:gd name="connsiteY4" fmla="*/ 2279714 h 2285862"/>
-                <a:gd name="connsiteX5" fmla="*/ 1622400 w 1622401"/>
-                <a:gd name="connsiteY5" fmla="*/ 2279714 h 2285862"/>
-                <a:gd name="connsiteX0" fmla="*/ 1621973 w 1621974"/>
-                <a:gd name="connsiteY0" fmla="*/ 2383822 h 2389970"/>
-                <a:gd name="connsiteX1" fmla="*/ 2711 w 1621974"/>
-                <a:gd name="connsiteY1" fmla="*/ 1560339 h 2389970"/>
-                <a:gd name="connsiteX2" fmla="*/ 1415823 w 1621974"/>
-                <a:gd name="connsiteY2" fmla="*/ 422529 h 2389970"/>
-                <a:gd name="connsiteX3" fmla="*/ 688616 w 1621974"/>
-                <a:gd name="connsiteY3" fmla="*/ 798000 h 2389970"/>
-                <a:gd name="connsiteX4" fmla="*/ 1621974 w 1621974"/>
-                <a:gd name="connsiteY4" fmla="*/ 2383822 h 2389970"/>
-                <a:gd name="connsiteX5" fmla="*/ 1621973 w 1621974"/>
-                <a:gd name="connsiteY5" fmla="*/ 2383822 h 2389970"/>
-                <a:gd name="connsiteX0" fmla="*/ 1621973 w 1621974"/>
-                <a:gd name="connsiteY0" fmla="*/ 2383822 h 2389970"/>
-                <a:gd name="connsiteX1" fmla="*/ 2711 w 1621974"/>
-                <a:gd name="connsiteY1" fmla="*/ 1560339 h 2389970"/>
-                <a:gd name="connsiteX2" fmla="*/ 1415823 w 1621974"/>
-                <a:gd name="connsiteY2" fmla="*/ 422529 h 2389970"/>
-                <a:gd name="connsiteX3" fmla="*/ 688616 w 1621974"/>
-                <a:gd name="connsiteY3" fmla="*/ 798000 h 2389970"/>
-                <a:gd name="connsiteX4" fmla="*/ 1621974 w 1621974"/>
-                <a:gd name="connsiteY4" fmla="*/ 2383822 h 2389970"/>
-                <a:gd name="connsiteX5" fmla="*/ 1621973 w 1621974"/>
-                <a:gd name="connsiteY5" fmla="*/ 2383822 h 2389970"/>
-                <a:gd name="connsiteX0" fmla="*/ 1621973 w 1621974"/>
-                <a:gd name="connsiteY0" fmla="*/ 2383822 h 2389970"/>
-                <a:gd name="connsiteX1" fmla="*/ 2711 w 1621974"/>
-                <a:gd name="connsiteY1" fmla="*/ 1560339 h 2389970"/>
-                <a:gd name="connsiteX2" fmla="*/ 1415823 w 1621974"/>
-                <a:gd name="connsiteY2" fmla="*/ 422529 h 2389970"/>
-                <a:gd name="connsiteX3" fmla="*/ 688616 w 1621974"/>
-                <a:gd name="connsiteY3" fmla="*/ 798000 h 2389970"/>
-                <a:gd name="connsiteX4" fmla="*/ 1621974 w 1621974"/>
-                <a:gd name="connsiteY4" fmla="*/ 2383822 h 2389970"/>
-                <a:gd name="connsiteX5" fmla="*/ 1621973 w 1621974"/>
-                <a:gd name="connsiteY5" fmla="*/ 2383822 h 2389970"/>
-                <a:gd name="connsiteX0" fmla="*/ 1621973 w 1621974"/>
-                <a:gd name="connsiteY0" fmla="*/ 2383822 h 2389970"/>
-                <a:gd name="connsiteX1" fmla="*/ 2711 w 1621974"/>
-                <a:gd name="connsiteY1" fmla="*/ 1560339 h 2389970"/>
-                <a:gd name="connsiteX2" fmla="*/ 1415823 w 1621974"/>
-                <a:gd name="connsiteY2" fmla="*/ 422529 h 2389970"/>
-                <a:gd name="connsiteX3" fmla="*/ 688616 w 1621974"/>
-                <a:gd name="connsiteY3" fmla="*/ 798000 h 2389970"/>
-                <a:gd name="connsiteX4" fmla="*/ 1621974 w 1621974"/>
-                <a:gd name="connsiteY4" fmla="*/ 2383822 h 2389970"/>
-                <a:gd name="connsiteX5" fmla="*/ 1621973 w 1621974"/>
-                <a:gd name="connsiteY5" fmla="*/ 2383822 h 2389970"/>
-                <a:gd name="connsiteX0" fmla="*/ 1621973 w 1621974"/>
-                <a:gd name="connsiteY0" fmla="*/ 2383822 h 2389970"/>
-                <a:gd name="connsiteX1" fmla="*/ 2711 w 1621974"/>
-                <a:gd name="connsiteY1" fmla="*/ 1560339 h 2389970"/>
-                <a:gd name="connsiteX2" fmla="*/ 1415823 w 1621974"/>
-                <a:gd name="connsiteY2" fmla="*/ 422529 h 2389970"/>
-                <a:gd name="connsiteX3" fmla="*/ 688616 w 1621974"/>
-                <a:gd name="connsiteY3" fmla="*/ 798000 h 2389970"/>
-                <a:gd name="connsiteX4" fmla="*/ 1621974 w 1621974"/>
-                <a:gd name="connsiteY4" fmla="*/ 2383822 h 2389970"/>
-                <a:gd name="connsiteX5" fmla="*/ 1621973 w 1621974"/>
-                <a:gd name="connsiteY5" fmla="*/ 2383822 h 2389970"/>
-                <a:gd name="connsiteX0" fmla="*/ 1621973 w 1621974"/>
-                <a:gd name="connsiteY0" fmla="*/ 2383822 h 2389970"/>
-                <a:gd name="connsiteX1" fmla="*/ 2711 w 1621974"/>
-                <a:gd name="connsiteY1" fmla="*/ 1560339 h 2389970"/>
-                <a:gd name="connsiteX2" fmla="*/ 1415823 w 1621974"/>
-                <a:gd name="connsiteY2" fmla="*/ 422529 h 2389970"/>
-                <a:gd name="connsiteX3" fmla="*/ 688616 w 1621974"/>
-                <a:gd name="connsiteY3" fmla="*/ 798000 h 2389970"/>
-                <a:gd name="connsiteX4" fmla="*/ 1621974 w 1621974"/>
-                <a:gd name="connsiteY4" fmla="*/ 2383822 h 2389970"/>
-                <a:gd name="connsiteX5" fmla="*/ 1621973 w 1621974"/>
-                <a:gd name="connsiteY5" fmla="*/ 2383822 h 2389970"/>
-              </a:gdLst>
-              <a:ahLst/>
-              <a:cxnLst>
-                <a:cxn ang="0">
-                  <a:pos x="connsiteX0" y="connsiteY0"/>
-                </a:cxn>
-                <a:cxn ang="0">
-                  <a:pos x="connsiteX1" y="connsiteY1"/>
-                </a:cxn>
-                <a:cxn ang="0">
-                  <a:pos x="connsiteX2" y="connsiteY2"/>
-                </a:cxn>
-                <a:cxn ang="0">
-                  <a:pos x="connsiteX3" y="connsiteY3"/>
-                </a:cxn>
-                <a:cxn ang="0">
-                  <a:pos x="connsiteX4" y="connsiteY4"/>
-                </a:cxn>
-                <a:cxn ang="0">
-                  <a:pos x="connsiteX5" y="connsiteY5"/>
-                </a:cxn>
-              </a:cxnLst>
-              <a:rect l="l" t="t" r="r" b="b"/>
-              <a:pathLst>
-                <a:path w="1621974" h="2389970">
-                  <a:moveTo>
-                    <a:pt x="1621973" y="2383822"/>
-                  </a:moveTo>
-                  <a:cubicBezTo>
-                    <a:pt x="613074" y="2455259"/>
-                    <a:pt x="37069" y="1887221"/>
-                    <a:pt x="2711" y="1560339"/>
-                  </a:cubicBezTo>
-                  <a:cubicBezTo>
-                    <a:pt x="-31647" y="1233457"/>
-                    <a:pt x="250729" y="-886309"/>
-                    <a:pt x="1415823" y="422529"/>
-                  </a:cubicBezTo>
-                  <a:cubicBezTo>
-                    <a:pt x="1295501" y="388341"/>
-                    <a:pt x="654258" y="173462"/>
-                    <a:pt x="688616" y="798000"/>
-                  </a:cubicBezTo>
-                  <a:cubicBezTo>
-                    <a:pt x="318986" y="1551126"/>
-                    <a:pt x="1537826" y="2340975"/>
-                    <a:pt x="1621974" y="2383822"/>
-                  </a:cubicBezTo>
-                  <a:lnTo>
-                    <a:pt x="1621973" y="2383822"/>
-                  </a:lnTo>
-                  <a:close/>
-                </a:path>
-              </a:pathLst>
-            </a:custGeom>
-            <a:solidFill>
-              <a:srgbClr val="37362E"/>
-            </a:solidFill>
-            <a:ln>
-              <a:noFill/>
-            </a:ln>
-          </p:spPr>
-          <p:style>
-            <a:lnRef idx="2">
-              <a:schemeClr val="accent1">
-                <a:shade val="50000"/>
-              </a:schemeClr>
-            </a:lnRef>
-            <a:fillRef idx="1">
-              <a:schemeClr val="accent1"/>
-            </a:fillRef>
-            <a:effectRef idx="0">
-              <a:schemeClr val="accent1"/>
-            </a:effectRef>
-            <a:fontRef idx="minor">
-              <a:schemeClr val="lt1"/>
-            </a:fontRef>
-          </p:style>
-          <p:txBody>
-            <a:bodyPr rtlCol="0" anchor="ctr"/>
-            <a:lstStyle/>
-            <a:p>
-              <a:pPr algn="ctr"/>
-              <a:endParaRPr lang="es-CL"/>
-            </a:p>
-          </p:txBody>
-        </p:sp>
-        <p:grpSp>
-          <p:nvGrpSpPr>
-            <p:cNvPr id="38" name="Grupo 37">
-              <a:extLst>
-                <a:ext uri="{FF2B5EF4-FFF2-40B4-BE49-F238E27FC236}">
-                  <a16:creationId xmlns:a16="http://schemas.microsoft.com/office/drawing/2014/main" id="{C44F68AC-5031-4BC8-ADD0-F5874153E73F}"/>
-                </a:ext>
-              </a:extLst>
-            </p:cNvPr>
-            <p:cNvGrpSpPr/>
-            <p:nvPr/>
-          </p:nvGrpSpPr>
-          <p:grpSpPr>
-            <a:xfrm rot="1023587">
-              <a:off x="5085587" y="2008934"/>
-              <a:ext cx="1286213" cy="507254"/>
-              <a:chOff x="10062692" y="1543050"/>
-              <a:chExt cx="1286213" cy="507254"/>
-            </a:xfrm>
-          </p:grpSpPr>
-          <p:sp>
-            <p:nvSpPr>
-              <p:cNvPr id="36" name="Marco 35">
-                <a:extLst>
-                  <a:ext uri="{FF2B5EF4-FFF2-40B4-BE49-F238E27FC236}">
-                    <a16:creationId xmlns:a16="http://schemas.microsoft.com/office/drawing/2014/main" id="{F1ABE7D3-C344-40D9-948B-E6EE29236EC4}"/>
-                  </a:ext>
-                </a:extLst>
-              </p:cNvPr>
-              <p:cNvSpPr/>
-              <p:nvPr/>
-            </p:nvSpPr>
-            <p:spPr>
-              <a:xfrm>
-                <a:off x="10062692" y="1543050"/>
-                <a:ext cx="597270" cy="507254"/>
-              </a:xfrm>
-              <a:prstGeom prst="frame">
-                <a:avLst/>
-              </a:prstGeom>
-              <a:solidFill>
-                <a:srgbClr val="37362E"/>
-              </a:solidFill>
-              <a:ln>
-                <a:noFill/>
-              </a:ln>
-            </p:spPr>
-            <p:style>
-              <a:lnRef idx="2">
-                <a:schemeClr val="accent1">
-                  <a:shade val="50000"/>
-                </a:schemeClr>
-              </a:lnRef>
-              <a:fillRef idx="1">
-                <a:schemeClr val="accent1"/>
-              </a:fillRef>
-              <a:effectRef idx="0">
-                <a:schemeClr val="accent1"/>
-              </a:effectRef>
-              <a:fontRef idx="minor">
-                <a:schemeClr val="lt1"/>
-              </a:fontRef>
-            </p:style>
-            <p:txBody>
-              <a:bodyPr rtlCol="0" anchor="ctr"/>
-              <a:lstStyle/>
-              <a:p>
-                <a:pPr algn="ctr"/>
-                <a:endParaRPr lang="es-CL">
-                  <a:solidFill>
-                    <a:schemeClr val="tx1"/>
-                  </a:solidFill>
-                </a:endParaRPr>
-              </a:p>
-            </p:txBody>
-          </p:sp>
-          <p:sp>
-            <p:nvSpPr>
-              <p:cNvPr id="37" name="Marco 36">
-                <a:extLst>
-                  <a:ext uri="{FF2B5EF4-FFF2-40B4-BE49-F238E27FC236}">
-                    <a16:creationId xmlns:a16="http://schemas.microsoft.com/office/drawing/2014/main" id="{F4211BFE-385F-4A8C-8689-420B22EF12F1}"/>
-                  </a:ext>
-                </a:extLst>
-              </p:cNvPr>
-              <p:cNvSpPr/>
-              <p:nvPr/>
-            </p:nvSpPr>
-            <p:spPr>
-              <a:xfrm>
-                <a:off x="10751635" y="1543050"/>
-                <a:ext cx="597270" cy="507254"/>
-              </a:xfrm>
-              <a:prstGeom prst="frame">
-                <a:avLst/>
-              </a:prstGeom>
-              <a:solidFill>
-                <a:srgbClr val="37362E"/>
-              </a:solidFill>
-              <a:ln>
-                <a:noFill/>
-              </a:ln>
-            </p:spPr>
-            <p:style>
-              <a:lnRef idx="2">
-                <a:schemeClr val="accent1">
-                  <a:shade val="50000"/>
-                </a:schemeClr>
-              </a:lnRef>
-              <a:fillRef idx="1">
-                <a:schemeClr val="accent1"/>
-              </a:fillRef>
-              <a:effectRef idx="0">
-                <a:schemeClr val="accent1"/>
-              </a:effectRef>
-              <a:fontRef idx="minor">
-                <a:schemeClr val="lt1"/>
-              </a:fontRef>
-            </p:style>
-            <p:txBody>
-              <a:bodyPr rtlCol="0" anchor="ctr"/>
-              <a:lstStyle/>
-              <a:p>
-                <a:pPr algn="ctr"/>
-                <a:endParaRPr lang="es-CL">
-                  <a:solidFill>
-                    <a:schemeClr val="tx1"/>
-                  </a:solidFill>
-                </a:endParaRPr>
-              </a:p>
-            </p:txBody>
-          </p:sp>
-        </p:grpSp>
-        <p:cxnSp>
-          <p:nvCxnSpPr>
-            <p:cNvPr id="40" name="Conector recto 39">
-              <a:extLst>
-                <a:ext uri="{FF2B5EF4-FFF2-40B4-BE49-F238E27FC236}">
-                  <a16:creationId xmlns:a16="http://schemas.microsoft.com/office/drawing/2014/main" id="{5FDB14CD-3AEC-44A1-B1FF-AE304C3FAE5C}"/>
-                </a:ext>
-              </a:extLst>
-            </p:cNvPr>
-            <p:cNvCxnSpPr>
-              <a:cxnSpLocks/>
-            </p:cNvCxnSpPr>
-            <p:nvPr/>
-          </p:nvCxnSpPr>
-          <p:spPr>
-            <a:xfrm>
-              <a:off x="4570117" y="1629312"/>
-              <a:ext cx="631006" cy="250847"/>
-            </a:xfrm>
-            <a:prstGeom prst="line">
-              <a:avLst/>
-            </a:prstGeom>
-            <a:ln w="76200">
-              <a:solidFill>
-                <a:srgbClr val="37362E"/>
-              </a:solidFill>
-            </a:ln>
-          </p:spPr>
-          <p:style>
-            <a:lnRef idx="1">
-              <a:schemeClr val="accent1"/>
-            </a:lnRef>
-            <a:fillRef idx="0">
-              <a:schemeClr val="accent1"/>
-            </a:fillRef>
-            <a:effectRef idx="0">
-              <a:schemeClr val="accent1"/>
-            </a:effectRef>
-            <a:fontRef idx="minor">
-              <a:schemeClr val="tx1"/>
-            </a:fontRef>
-          </p:style>
-        </p:cxnSp>
-        <p:sp>
-          <p:nvSpPr>
-            <p:cNvPr id="44" name="Elipse 43">
-              <a:extLst>
-                <a:ext uri="{FF2B5EF4-FFF2-40B4-BE49-F238E27FC236}">
-                  <a16:creationId xmlns:a16="http://schemas.microsoft.com/office/drawing/2014/main" id="{67E2AD6F-87B1-4F4F-9C72-D55A368E645C}"/>
-                </a:ext>
-              </a:extLst>
-            </p:cNvPr>
-            <p:cNvSpPr/>
-            <p:nvPr/>
-          </p:nvSpPr>
-          <p:spPr>
-            <a:xfrm>
-              <a:off x="58456" y="6075506"/>
-              <a:ext cx="3466014" cy="1379144"/>
-            </a:xfrm>
-            <a:prstGeom prst="ellipse">
-              <a:avLst/>
-            </a:prstGeom>
-            <a:solidFill>
-              <a:srgbClr val="9E281C"/>
-            </a:solidFill>
-            <a:ln>
-              <a:noFill/>
-            </a:ln>
-          </p:spPr>
-          <p:style>
-            <a:lnRef idx="2">
-              <a:schemeClr val="accent1">
-                <a:shade val="50000"/>
-              </a:schemeClr>
-            </a:lnRef>
-            <a:fillRef idx="1">
-              <a:schemeClr val="accent1"/>
-            </a:fillRef>
-            <a:effectRef idx="0">
-              <a:schemeClr val="accent1"/>
-            </a:effectRef>
-            <a:fontRef idx="minor">
-              <a:schemeClr val="lt1"/>
-            </a:fontRef>
-          </p:style>
-          <p:txBody>
-            <a:bodyPr rtlCol="0" anchor="ctr"/>
-            <a:lstStyle/>
-            <a:p>
-              <a:pPr algn="ctr"/>
-              <a:endParaRPr lang="es-CL"/>
-            </a:p>
-          </p:txBody>
-        </p:sp>
-        <p:sp>
-          <p:nvSpPr>
-            <p:cNvPr id="50" name="Círculo: vacío 49">
-              <a:extLst>
-                <a:ext uri="{FF2B5EF4-FFF2-40B4-BE49-F238E27FC236}">
-                  <a16:creationId xmlns:a16="http://schemas.microsoft.com/office/drawing/2014/main" id="{BCF46F9F-D5EF-4218-A579-E86E89F64363}"/>
-                </a:ext>
-              </a:extLst>
-            </p:cNvPr>
-            <p:cNvSpPr/>
-            <p:nvPr/>
-          </p:nvSpPr>
-          <p:spPr>
-            <a:xfrm>
-              <a:off x="58455" y="6021787"/>
-              <a:ext cx="3557343" cy="1441075"/>
-            </a:xfrm>
-            <a:prstGeom prst="donut">
-              <a:avLst>
-                <a:gd name="adj" fmla="val 11907"/>
-              </a:avLst>
-            </a:prstGeom>
-            <a:solidFill>
-              <a:srgbClr val="CE5046"/>
             </a:solidFill>
             <a:ln>
               <a:noFill/>
@@ -8076,7 +8661,7 @@
     </p:spTree>
     <p:extLst>
       <p:ext uri="{BB962C8B-B14F-4D97-AF65-F5344CB8AC3E}">
-        <p14:creationId xmlns:p14="http://schemas.microsoft.com/office/powerpoint/2010/main" val="150923521"/>
+        <p14:creationId xmlns:p14="http://schemas.microsoft.com/office/powerpoint/2010/main" val="229919288"/>
       </p:ext>
     </p:extLst>
   </p:cSld>

--- a/@src/Img/Edition/Conlangs' Flags.pptx
+++ b/@src/Img/Edition/Conlangs' Flags.pptx
@@ -274,7 +274,7 @@
           <a:p>
             <a:fld id="{97D07C31-17FD-4282-BE1B-410575909701}" type="datetimeFigureOut">
               <a:rPr lang="es-CL" smtClean="0"/>
-              <a:t>16-02-2023</a:t>
+              <a:t>19-11-2023</a:t>
             </a:fld>
             <a:endParaRPr lang="es-CL"/>
           </a:p>
@@ -474,7 +474,7 @@
           <a:p>
             <a:fld id="{97D07C31-17FD-4282-BE1B-410575909701}" type="datetimeFigureOut">
               <a:rPr lang="es-CL" smtClean="0"/>
-              <a:t>16-02-2023</a:t>
+              <a:t>19-11-2023</a:t>
             </a:fld>
             <a:endParaRPr lang="es-CL"/>
           </a:p>
@@ -684,7 +684,7 @@
           <a:p>
             <a:fld id="{97D07C31-17FD-4282-BE1B-410575909701}" type="datetimeFigureOut">
               <a:rPr lang="es-CL" smtClean="0"/>
-              <a:t>16-02-2023</a:t>
+              <a:t>19-11-2023</a:t>
             </a:fld>
             <a:endParaRPr lang="es-CL"/>
           </a:p>
@@ -884,7 +884,7 @@
           <a:p>
             <a:fld id="{97D07C31-17FD-4282-BE1B-410575909701}" type="datetimeFigureOut">
               <a:rPr lang="es-CL" smtClean="0"/>
-              <a:t>16-02-2023</a:t>
+              <a:t>19-11-2023</a:t>
             </a:fld>
             <a:endParaRPr lang="es-CL"/>
           </a:p>
@@ -1160,7 +1160,7 @@
           <a:p>
             <a:fld id="{97D07C31-17FD-4282-BE1B-410575909701}" type="datetimeFigureOut">
               <a:rPr lang="es-CL" smtClean="0"/>
-              <a:t>16-02-2023</a:t>
+              <a:t>19-11-2023</a:t>
             </a:fld>
             <a:endParaRPr lang="es-CL"/>
           </a:p>
@@ -1428,7 +1428,7 @@
           <a:p>
             <a:fld id="{97D07C31-17FD-4282-BE1B-410575909701}" type="datetimeFigureOut">
               <a:rPr lang="es-CL" smtClean="0"/>
-              <a:t>16-02-2023</a:t>
+              <a:t>19-11-2023</a:t>
             </a:fld>
             <a:endParaRPr lang="es-CL"/>
           </a:p>
@@ -1843,7 +1843,7 @@
           <a:p>
             <a:fld id="{97D07C31-17FD-4282-BE1B-410575909701}" type="datetimeFigureOut">
               <a:rPr lang="es-CL" smtClean="0"/>
-              <a:t>16-02-2023</a:t>
+              <a:t>19-11-2023</a:t>
             </a:fld>
             <a:endParaRPr lang="es-CL"/>
           </a:p>
@@ -1985,7 +1985,7 @@
           <a:p>
             <a:fld id="{97D07C31-17FD-4282-BE1B-410575909701}" type="datetimeFigureOut">
               <a:rPr lang="es-CL" smtClean="0"/>
-              <a:t>16-02-2023</a:t>
+              <a:t>19-11-2023</a:t>
             </a:fld>
             <a:endParaRPr lang="es-CL"/>
           </a:p>
@@ -2098,7 +2098,7 @@
           <a:p>
             <a:fld id="{97D07C31-17FD-4282-BE1B-410575909701}" type="datetimeFigureOut">
               <a:rPr lang="es-CL" smtClean="0"/>
-              <a:t>16-02-2023</a:t>
+              <a:t>19-11-2023</a:t>
             </a:fld>
             <a:endParaRPr lang="es-CL"/>
           </a:p>
@@ -2411,7 +2411,7 @@
           <a:p>
             <a:fld id="{97D07C31-17FD-4282-BE1B-410575909701}" type="datetimeFigureOut">
               <a:rPr lang="es-CL" smtClean="0"/>
-              <a:t>16-02-2023</a:t>
+              <a:t>19-11-2023</a:t>
             </a:fld>
             <a:endParaRPr lang="es-CL"/>
           </a:p>
@@ -2700,7 +2700,7 @@
           <a:p>
             <a:fld id="{97D07C31-17FD-4282-BE1B-410575909701}" type="datetimeFigureOut">
               <a:rPr lang="es-CL" smtClean="0"/>
-              <a:t>16-02-2023</a:t>
+              <a:t>19-11-2023</a:t>
             </a:fld>
             <a:endParaRPr lang="es-CL"/>
           </a:p>
@@ -2943,7 +2943,7 @@
           <a:p>
             <a:fld id="{97D07C31-17FD-4282-BE1B-410575909701}" type="datetimeFigureOut">
               <a:rPr lang="es-CL" smtClean="0"/>
-              <a:t>16-02-2023</a:t>
+              <a:t>19-11-2023</a:t>
             </a:fld>
             <a:endParaRPr lang="es-CL"/>
           </a:p>
@@ -3362,10 +3362,10 @@
       </p:grpSpPr>
       <p:grpSp>
         <p:nvGrpSpPr>
-          <p:cNvPr id="22" name="Grupo 21">
+          <p:cNvPr id="31" name="Grupo 30">
             <a:extLst>
               <a:ext uri="{FF2B5EF4-FFF2-40B4-BE49-F238E27FC236}">
-                <a16:creationId xmlns:a16="http://schemas.microsoft.com/office/drawing/2014/main" id="{CD53B7F4-BFA2-4A87-A60C-A9DD3852DC5F}"/>
+                <a16:creationId xmlns:a16="http://schemas.microsoft.com/office/drawing/2014/main" id="{0BBC77CD-BD37-D3E1-C61A-FC53513A72BE}"/>
               </a:ext>
             </a:extLst>
           </p:cNvPr>
@@ -3374,18 +3374,18 @@
         </p:nvGrpSpPr>
         <p:grpSpPr>
           <a:xfrm>
-            <a:off x="491271" y="591662"/>
-            <a:ext cx="10798794" cy="5400000"/>
-            <a:chOff x="491271" y="591662"/>
-            <a:chExt cx="10798794" cy="5400000"/>
+            <a:off x="568775" y="728999"/>
+            <a:ext cx="10790389" cy="5400001"/>
+            <a:chOff x="568775" y="728999"/>
+            <a:chExt cx="10790389" cy="5400001"/>
           </a:xfrm>
         </p:grpSpPr>
         <p:pic>
           <p:nvPicPr>
-            <p:cNvPr id="3" name="Imagen 2" descr="Una caricatura de una persona&#10;&#10;Descripción generada automáticamente con confianza baja">
+            <p:cNvPr id="7" name="Imagen 6" descr="Icono&#10;&#10;Descripción generada automáticamente">
               <a:extLst>
                 <a:ext uri="{FF2B5EF4-FFF2-40B4-BE49-F238E27FC236}">
-                  <a16:creationId xmlns:a16="http://schemas.microsoft.com/office/drawing/2014/main" id="{EB6CAF17-5213-4258-BFBC-D6858D65B2CA}"/>
+                  <a16:creationId xmlns:a16="http://schemas.microsoft.com/office/drawing/2014/main" id="{6154BE3B-BF21-4259-9368-6F4FC4798A0F}"/>
                 </a:ext>
               </a:extLst>
             </p:cNvPr>
@@ -3408,43 +3408,7 @@
           </p:blipFill>
           <p:spPr>
             <a:xfrm>
-              <a:off x="8586656" y="2391662"/>
-              <a:ext cx="2699615" cy="1800000"/>
-            </a:xfrm>
-            <a:prstGeom prst="rect">
-              <a:avLst/>
-            </a:prstGeom>
-          </p:spPr>
-        </p:pic>
-        <p:pic>
-          <p:nvPicPr>
-            <p:cNvPr id="7" name="Imagen 6" descr="Icono&#10;&#10;Descripción generada automáticamente">
-              <a:extLst>
-                <a:ext uri="{FF2B5EF4-FFF2-40B4-BE49-F238E27FC236}">
-                  <a16:creationId xmlns:a16="http://schemas.microsoft.com/office/drawing/2014/main" id="{6154BE3B-BF21-4259-9368-6F4FC4798A0F}"/>
-                </a:ext>
-              </a:extLst>
-            </p:cNvPr>
-            <p:cNvPicPr>
-              <a:picLocks noChangeAspect="1"/>
-            </p:cNvPicPr>
-            <p:nvPr/>
-          </p:nvPicPr>
-          <p:blipFill>
-            <a:blip r:embed="rId3">
-              <a:extLst>
-                <a:ext uri="{28A0092B-C50C-407E-A947-70E740481C1C}">
-                  <a14:useLocalDpi xmlns:a14="http://schemas.microsoft.com/office/drawing/2010/main" val="0"/>
-                </a:ext>
-              </a:extLst>
-            </a:blip>
-            <a:stretch>
-              <a:fillRect/>
-            </a:stretch>
-          </p:blipFill>
-          <p:spPr>
-            <a:xfrm>
-              <a:off x="8586656" y="591662"/>
+              <a:off x="5959068" y="728999"/>
               <a:ext cx="2699615" cy="1800000"/>
             </a:xfrm>
             <a:prstGeom prst="rect">
@@ -3467,7 +3431,7 @@
             <p:nvPr/>
           </p:nvPicPr>
           <p:blipFill>
-            <a:blip r:embed="rId4">
+            <a:blip r:embed="rId3">
               <a:extLst>
                 <a:ext uri="{28A0092B-C50C-407E-A947-70E740481C1C}">
                   <a14:useLocalDpi xmlns:a14="http://schemas.microsoft.com/office/drawing/2010/main" val="0"/>
@@ -3480,7 +3444,7 @@
           </p:blipFill>
           <p:spPr>
             <a:xfrm>
-              <a:off x="3192085" y="591662"/>
+              <a:off x="8659741" y="728999"/>
               <a:ext cx="2699423" cy="1800000"/>
             </a:xfrm>
             <a:prstGeom prst="rect">
@@ -3503,7 +3467,7 @@
             <p:nvPr/>
           </p:nvPicPr>
           <p:blipFill>
-            <a:blip r:embed="rId5">
+            <a:blip r:embed="rId4">
               <a:extLst>
                 <a:ext uri="{28A0092B-C50C-407E-A947-70E740481C1C}">
                   <a14:useLocalDpi xmlns:a14="http://schemas.microsoft.com/office/drawing/2010/main" val="0"/>
@@ -3516,43 +3480,7 @@
           </p:blipFill>
           <p:spPr>
             <a:xfrm>
-              <a:off x="492470" y="591662"/>
-              <a:ext cx="2699615" cy="1800000"/>
-            </a:xfrm>
-            <a:prstGeom prst="rect">
-              <a:avLst/>
-            </a:prstGeom>
-          </p:spPr>
-        </p:pic>
-        <p:pic>
-          <p:nvPicPr>
-            <p:cNvPr id="13" name="Imagen 12" descr="Icono&#10;&#10;Descripción generada automáticamente">
-              <a:extLst>
-                <a:ext uri="{FF2B5EF4-FFF2-40B4-BE49-F238E27FC236}">
-                  <a16:creationId xmlns:a16="http://schemas.microsoft.com/office/drawing/2014/main" id="{DB0FF48A-7F66-480D-9EF1-C30EEBDD383F}"/>
-                </a:ext>
-              </a:extLst>
-            </p:cNvPr>
-            <p:cNvPicPr>
-              <a:picLocks noChangeAspect="1"/>
-            </p:cNvPicPr>
-            <p:nvPr/>
-          </p:nvPicPr>
-          <p:blipFill>
-            <a:blip r:embed="rId6">
-              <a:extLst>
-                <a:ext uri="{28A0092B-C50C-407E-A947-70E740481C1C}">
-                  <a14:useLocalDpi xmlns:a14="http://schemas.microsoft.com/office/drawing/2010/main" val="0"/>
-                </a:ext>
-              </a:extLst>
-            </a:blip>
-            <a:stretch>
-              <a:fillRect/>
-            </a:stretch>
-          </p:blipFill>
-          <p:spPr>
-            <a:xfrm>
-              <a:off x="5891316" y="2391662"/>
+              <a:off x="8654117" y="2528999"/>
               <a:ext cx="2699615" cy="1800000"/>
             </a:xfrm>
             <a:prstGeom prst="rect">
@@ -3575,7 +3503,7 @@
             <p:nvPr/>
           </p:nvPicPr>
           <p:blipFill>
-            <a:blip r:embed="rId7">
+            <a:blip r:embed="rId5">
               <a:extLst>
                 <a:ext uri="{28A0092B-C50C-407E-A947-70E740481C1C}">
                   <a14:useLocalDpi xmlns:a14="http://schemas.microsoft.com/office/drawing/2010/main" val="0"/>
@@ -3588,151 +3516,7 @@
           </p:blipFill>
           <p:spPr>
             <a:xfrm>
-              <a:off x="5891508" y="591662"/>
-              <a:ext cx="2699615" cy="1800000"/>
-            </a:xfrm>
-            <a:prstGeom prst="rect">
-              <a:avLst/>
-            </a:prstGeom>
-          </p:spPr>
-        </p:pic>
-        <p:pic>
-          <p:nvPicPr>
-            <p:cNvPr id="16" name="Imagen 15" descr="Imagen que contiene Gráfico&#10;&#10;Descripción generada automáticamente">
-              <a:extLst>
-                <a:ext uri="{FF2B5EF4-FFF2-40B4-BE49-F238E27FC236}">
-                  <a16:creationId xmlns:a16="http://schemas.microsoft.com/office/drawing/2014/main" id="{622F5428-9DA0-4238-A7D8-52F3BB7A1FCD}"/>
-                </a:ext>
-              </a:extLst>
-            </p:cNvPr>
-            <p:cNvPicPr>
-              <a:picLocks noChangeAspect="1"/>
-            </p:cNvPicPr>
-            <p:nvPr/>
-          </p:nvPicPr>
-          <p:blipFill>
-            <a:blip r:embed="rId4">
-              <a:extLst>
-                <a:ext uri="{28A0092B-C50C-407E-A947-70E740481C1C}">
-                  <a14:useLocalDpi xmlns:a14="http://schemas.microsoft.com/office/drawing/2010/main" val="0"/>
-                </a:ext>
-              </a:extLst>
-            </a:blip>
-            <a:stretch>
-              <a:fillRect/>
-            </a:stretch>
-          </p:blipFill>
-          <p:spPr>
-            <a:xfrm>
-              <a:off x="8590642" y="4191662"/>
-              <a:ext cx="2699423" cy="1800000"/>
-            </a:xfrm>
-            <a:prstGeom prst="rect">
-              <a:avLst/>
-            </a:prstGeom>
-          </p:spPr>
-        </p:pic>
-        <p:pic>
-          <p:nvPicPr>
-            <p:cNvPr id="17" name="Imagen 16" descr="Icono&#10;&#10;Descripción generada automáticamente">
-              <a:extLst>
-                <a:ext uri="{FF2B5EF4-FFF2-40B4-BE49-F238E27FC236}">
-                  <a16:creationId xmlns:a16="http://schemas.microsoft.com/office/drawing/2014/main" id="{9C098D4F-602E-45BB-B888-03AFBDBFA123}"/>
-                </a:ext>
-              </a:extLst>
-            </p:cNvPr>
-            <p:cNvPicPr>
-              <a:picLocks noChangeAspect="1"/>
-            </p:cNvPicPr>
-            <p:nvPr/>
-          </p:nvPicPr>
-          <p:blipFill>
-            <a:blip r:embed="rId6">
-              <a:extLst>
-                <a:ext uri="{28A0092B-C50C-407E-A947-70E740481C1C}">
-                  <a14:useLocalDpi xmlns:a14="http://schemas.microsoft.com/office/drawing/2010/main" val="0"/>
-                </a:ext>
-              </a:extLst>
-            </a:blip>
-            <a:stretch>
-              <a:fillRect/>
-            </a:stretch>
-          </p:blipFill>
-          <p:spPr>
-            <a:xfrm>
-              <a:off x="492231" y="4191662"/>
-              <a:ext cx="2699615" cy="1800000"/>
-            </a:xfrm>
-            <a:prstGeom prst="rect">
-              <a:avLst/>
-            </a:prstGeom>
-          </p:spPr>
-        </p:pic>
-        <p:pic>
-          <p:nvPicPr>
-            <p:cNvPr id="18" name="Imagen 17" descr="Logotipo&#10;&#10;Descripción generada automáticamente">
-              <a:extLst>
-                <a:ext uri="{FF2B5EF4-FFF2-40B4-BE49-F238E27FC236}">
-                  <a16:creationId xmlns:a16="http://schemas.microsoft.com/office/drawing/2014/main" id="{DE79A543-4003-423A-AB36-240EED78D6F4}"/>
-                </a:ext>
-              </a:extLst>
-            </p:cNvPr>
-            <p:cNvPicPr>
-              <a:picLocks noChangeAspect="1"/>
-            </p:cNvPicPr>
-            <p:nvPr/>
-          </p:nvPicPr>
-          <p:blipFill>
-            <a:blip r:embed="rId5">
-              <a:extLst>
-                <a:ext uri="{28A0092B-C50C-407E-A947-70E740481C1C}">
-                  <a14:useLocalDpi xmlns:a14="http://schemas.microsoft.com/office/drawing/2010/main" val="0"/>
-                </a:ext>
-              </a:extLst>
-            </a:blip>
-            <a:stretch>
-              <a:fillRect/>
-            </a:stretch>
-          </p:blipFill>
-          <p:spPr>
-            <a:xfrm>
-              <a:off x="5890885" y="4191662"/>
-              <a:ext cx="2699615" cy="1800000"/>
-            </a:xfrm>
-            <a:prstGeom prst="rect">
-              <a:avLst/>
-            </a:prstGeom>
-          </p:spPr>
-        </p:pic>
-        <p:pic>
-          <p:nvPicPr>
-            <p:cNvPr id="19" name="Imagen 18" descr="Icono&#10;&#10;Descripción generada automáticamente">
-              <a:extLst>
-                <a:ext uri="{FF2B5EF4-FFF2-40B4-BE49-F238E27FC236}">
-                  <a16:creationId xmlns:a16="http://schemas.microsoft.com/office/drawing/2014/main" id="{86E1BF8D-1727-4C39-9C50-A28FD7CB31E9}"/>
-                </a:ext>
-              </a:extLst>
-            </p:cNvPr>
-            <p:cNvPicPr>
-              <a:picLocks noChangeAspect="1"/>
-            </p:cNvPicPr>
-            <p:nvPr/>
-          </p:nvPicPr>
-          <p:blipFill>
-            <a:blip r:embed="rId3">
-              <a:extLst>
-                <a:ext uri="{28A0092B-C50C-407E-A947-70E740481C1C}">
-                  <a14:useLocalDpi xmlns:a14="http://schemas.microsoft.com/office/drawing/2010/main" val="0"/>
-                </a:ext>
-              </a:extLst>
-            </a:blip>
-            <a:stretch>
-              <a:fillRect/>
-            </a:stretch>
-          </p:blipFill>
-          <p:spPr>
-            <a:xfrm>
-              <a:off x="3190670" y="2391662"/>
+              <a:off x="3276009" y="4328999"/>
               <a:ext cx="2699615" cy="1800000"/>
             </a:xfrm>
             <a:prstGeom prst="rect">
@@ -3755,7 +3539,7 @@
             <p:nvPr/>
           </p:nvPicPr>
           <p:blipFill>
-            <a:blip r:embed="rId2">
+            <a:blip r:embed="rId6">
               <a:extLst>
                 <a:ext uri="{28A0092B-C50C-407E-A947-70E740481C1C}">
                   <a14:useLocalDpi xmlns:a14="http://schemas.microsoft.com/office/drawing/2010/main" val="0"/>
@@ -3768,7 +3552,7 @@
           </p:blipFill>
           <p:spPr>
             <a:xfrm>
-              <a:off x="3190669" y="4191662"/>
+              <a:off x="570098" y="2528999"/>
               <a:ext cx="2699615" cy="1800000"/>
             </a:xfrm>
             <a:prstGeom prst="rect">
@@ -3778,10 +3562,10 @@
         </p:pic>
         <p:pic>
           <p:nvPicPr>
-            <p:cNvPr id="21" name="Imagen 20" descr="Logotipo&#10;&#10;Descripción generada automáticamente">
+            <p:cNvPr id="4" name="Imagen 3" descr="Logotipo&#10;&#10;Descripción generada automáticamente">
               <a:extLst>
                 <a:ext uri="{FF2B5EF4-FFF2-40B4-BE49-F238E27FC236}">
-                  <a16:creationId xmlns:a16="http://schemas.microsoft.com/office/drawing/2014/main" id="{8A2AFEEF-65A2-4D5B-8CC9-E0AC275607F8}"/>
+                  <a16:creationId xmlns:a16="http://schemas.microsoft.com/office/drawing/2014/main" id="{7E989EAA-ED9B-88B6-ACE5-D61C626E6282}"/>
                 </a:ext>
               </a:extLst>
             </p:cNvPr>
@@ -3804,7 +3588,7 @@
           </p:blipFill>
           <p:spPr>
             <a:xfrm>
-              <a:off x="491271" y="2391662"/>
+              <a:off x="568775" y="728999"/>
               <a:ext cx="2699615" cy="1800000"/>
             </a:xfrm>
             <a:prstGeom prst="rect">
@@ -3812,6 +3596,397 @@
             </a:prstGeom>
           </p:spPr>
         </p:pic>
+        <p:pic>
+          <p:nvPicPr>
+            <p:cNvPr id="6" name="Imagen 5" descr="Icono&#10;&#10;Descripción generada automáticamente">
+              <a:extLst>
+                <a:ext uri="{FF2B5EF4-FFF2-40B4-BE49-F238E27FC236}">
+                  <a16:creationId xmlns:a16="http://schemas.microsoft.com/office/drawing/2014/main" id="{59A2B93D-CD30-F1E9-943B-4BD2441A9F83}"/>
+                </a:ext>
+              </a:extLst>
+            </p:cNvPr>
+            <p:cNvPicPr>
+              <a:picLocks noChangeAspect="1"/>
+            </p:cNvPicPr>
+            <p:nvPr/>
+          </p:nvPicPr>
+          <p:blipFill>
+            <a:blip r:embed="rId8">
+              <a:extLst>
+                <a:ext uri="{28A0092B-C50C-407E-A947-70E740481C1C}">
+                  <a14:useLocalDpi xmlns:a14="http://schemas.microsoft.com/office/drawing/2010/main" val="0"/>
+                </a:ext>
+              </a:extLst>
+            </a:blip>
+            <a:stretch>
+              <a:fillRect/>
+            </a:stretch>
+          </p:blipFill>
+          <p:spPr>
+            <a:xfrm>
+              <a:off x="576586" y="4328999"/>
+              <a:ext cx="2699615" cy="1800000"/>
+            </a:xfrm>
+            <a:prstGeom prst="rect">
+              <a:avLst/>
+            </a:prstGeom>
+          </p:spPr>
+        </p:pic>
+        <p:pic>
+          <p:nvPicPr>
+            <p:cNvPr id="10" name="Imagen 9" descr="Logotipo&#10;&#10;Descripción generada automáticamente">
+              <a:extLst>
+                <a:ext uri="{FF2B5EF4-FFF2-40B4-BE49-F238E27FC236}">
+                  <a16:creationId xmlns:a16="http://schemas.microsoft.com/office/drawing/2014/main" id="{AA5A60B9-309E-BCA2-766E-07F0E5715A2A}"/>
+                </a:ext>
+              </a:extLst>
+            </p:cNvPr>
+            <p:cNvPicPr>
+              <a:picLocks noChangeAspect="1"/>
+            </p:cNvPicPr>
+            <p:nvPr/>
+          </p:nvPicPr>
+          <p:blipFill>
+            <a:blip r:embed="rId9">
+              <a:extLst>
+                <a:ext uri="{28A0092B-C50C-407E-A947-70E740481C1C}">
+                  <a14:useLocalDpi xmlns:a14="http://schemas.microsoft.com/office/drawing/2010/main" val="0"/>
+                </a:ext>
+              </a:extLst>
+            </a:blip>
+            <a:stretch>
+              <a:fillRect/>
+            </a:stretch>
+          </p:blipFill>
+          <p:spPr>
+            <a:xfrm>
+              <a:off x="3265146" y="728999"/>
+              <a:ext cx="2699616" cy="1800000"/>
+            </a:xfrm>
+            <a:prstGeom prst="rect">
+              <a:avLst/>
+            </a:prstGeom>
+          </p:spPr>
+        </p:pic>
+        <p:pic>
+          <p:nvPicPr>
+            <p:cNvPr id="14" name="Imagen 13" descr="Icono&#10;&#10;Descripción generada automáticamente">
+              <a:extLst>
+                <a:ext uri="{FF2B5EF4-FFF2-40B4-BE49-F238E27FC236}">
+                  <a16:creationId xmlns:a16="http://schemas.microsoft.com/office/drawing/2014/main" id="{164AA423-698C-B1E6-F1AE-52D4606B2379}"/>
+                </a:ext>
+              </a:extLst>
+            </p:cNvPr>
+            <p:cNvPicPr>
+              <a:picLocks noChangeAspect="1"/>
+            </p:cNvPicPr>
+            <p:nvPr/>
+          </p:nvPicPr>
+          <p:blipFill>
+            <a:blip r:embed="rId10">
+              <a:extLst>
+                <a:ext uri="{28A0092B-C50C-407E-A947-70E740481C1C}">
+                  <a14:useLocalDpi xmlns:a14="http://schemas.microsoft.com/office/drawing/2010/main" val="0"/>
+                </a:ext>
+              </a:extLst>
+            </a:blip>
+            <a:stretch>
+              <a:fillRect/>
+            </a:stretch>
+          </p:blipFill>
+          <p:spPr>
+            <a:xfrm>
+              <a:off x="3265941" y="2528999"/>
+              <a:ext cx="2699615" cy="1800000"/>
+            </a:xfrm>
+            <a:prstGeom prst="rect">
+              <a:avLst/>
+            </a:prstGeom>
+          </p:spPr>
+        </p:pic>
+        <p:pic>
+          <p:nvPicPr>
+            <p:cNvPr id="24" name="Imagen 23" descr="Un dibujo de una persona&#10;&#10;Descripción generada automáticamente con confianza baja">
+              <a:extLst>
+                <a:ext uri="{FF2B5EF4-FFF2-40B4-BE49-F238E27FC236}">
+                  <a16:creationId xmlns:a16="http://schemas.microsoft.com/office/drawing/2014/main" id="{0FF718E1-0A55-0A4E-C8A9-EBC53695D663}"/>
+                </a:ext>
+              </a:extLst>
+            </p:cNvPr>
+            <p:cNvPicPr>
+              <a:picLocks noChangeAspect="1"/>
+            </p:cNvPicPr>
+            <p:nvPr/>
+          </p:nvPicPr>
+          <p:blipFill>
+            <a:blip r:embed="rId11">
+              <a:extLst>
+                <a:ext uri="{28A0092B-C50C-407E-A947-70E740481C1C}">
+                  <a14:useLocalDpi xmlns:a14="http://schemas.microsoft.com/office/drawing/2010/main" val="0"/>
+                </a:ext>
+              </a:extLst>
+            </a:blip>
+            <a:stretch>
+              <a:fillRect/>
+            </a:stretch>
+          </p:blipFill>
+          <p:spPr>
+            <a:xfrm>
+              <a:off x="5965556" y="2528999"/>
+              <a:ext cx="2699616" cy="1800001"/>
+            </a:xfrm>
+            <a:prstGeom prst="rect">
+              <a:avLst/>
+            </a:prstGeom>
+          </p:spPr>
+        </p:pic>
+        <p:pic>
+          <p:nvPicPr>
+            <p:cNvPr id="26" name="Imagen 25" descr="Icono&#10;&#10;Descripción generada automáticamente">
+              <a:extLst>
+                <a:ext uri="{FF2B5EF4-FFF2-40B4-BE49-F238E27FC236}">
+                  <a16:creationId xmlns:a16="http://schemas.microsoft.com/office/drawing/2014/main" id="{136A43BE-6D1B-80B2-E2F3-B34776E07563}"/>
+                </a:ext>
+              </a:extLst>
+            </p:cNvPr>
+            <p:cNvPicPr>
+              <a:picLocks noChangeAspect="1"/>
+            </p:cNvPicPr>
+            <p:nvPr/>
+          </p:nvPicPr>
+          <p:blipFill>
+            <a:blip r:embed="rId12">
+              <a:extLst>
+                <a:ext uri="{28A0092B-C50C-407E-A947-70E740481C1C}">
+                  <a14:useLocalDpi xmlns:a14="http://schemas.microsoft.com/office/drawing/2010/main" val="0"/>
+                </a:ext>
+              </a:extLst>
+            </a:blip>
+            <a:stretch>
+              <a:fillRect/>
+            </a:stretch>
+          </p:blipFill>
+          <p:spPr>
+            <a:xfrm>
+              <a:off x="5965556" y="4329000"/>
+              <a:ext cx="2699615" cy="1800000"/>
+            </a:xfrm>
+            <a:prstGeom prst="rect">
+              <a:avLst/>
+            </a:prstGeom>
+          </p:spPr>
+        </p:pic>
+        <p:sp>
+          <p:nvSpPr>
+            <p:cNvPr id="27" name="Rectángulo 26">
+              <a:extLst>
+                <a:ext uri="{FF2B5EF4-FFF2-40B4-BE49-F238E27FC236}">
+                  <a16:creationId xmlns:a16="http://schemas.microsoft.com/office/drawing/2014/main" id="{5B907BB2-1BDA-855B-12E3-16CC6A538E61}"/>
+                </a:ext>
+              </a:extLst>
+            </p:cNvPr>
+            <p:cNvSpPr/>
+            <p:nvPr/>
+          </p:nvSpPr>
+          <p:spPr>
+            <a:xfrm>
+              <a:off x="8654911" y="4328999"/>
+              <a:ext cx="2698821" cy="1800000"/>
+            </a:xfrm>
+            <a:prstGeom prst="rect">
+              <a:avLst/>
+            </a:prstGeom>
+            <a:solidFill>
+              <a:schemeClr val="bg1"/>
+            </a:solidFill>
+            <a:ln>
+              <a:noFill/>
+            </a:ln>
+          </p:spPr>
+          <p:style>
+            <a:lnRef idx="2">
+              <a:schemeClr val="accent1">
+                <a:shade val="50000"/>
+              </a:schemeClr>
+            </a:lnRef>
+            <a:fillRef idx="1">
+              <a:schemeClr val="accent1"/>
+            </a:fillRef>
+            <a:effectRef idx="0">
+              <a:schemeClr val="accent1"/>
+            </a:effectRef>
+            <a:fontRef idx="minor">
+              <a:schemeClr val="lt1"/>
+            </a:fontRef>
+          </p:style>
+          <p:txBody>
+            <a:bodyPr rtlCol="0" anchor="ctr"/>
+            <a:lstStyle/>
+            <a:p>
+              <a:pPr algn="ctr"/>
+              <a:r>
+                <a:rPr lang="es-CL" dirty="0"/>
+                <a:t>.</a:t>
+              </a:r>
+            </a:p>
+          </p:txBody>
+        </p:sp>
+        <p:sp>
+          <p:nvSpPr>
+            <p:cNvPr id="28" name="Elipse 27">
+              <a:extLst>
+                <a:ext uri="{FF2B5EF4-FFF2-40B4-BE49-F238E27FC236}">
+                  <a16:creationId xmlns:a16="http://schemas.microsoft.com/office/drawing/2014/main" id="{A4F5C35F-D8BF-0405-4376-A67079C2F408}"/>
+                </a:ext>
+              </a:extLst>
+            </p:cNvPr>
+            <p:cNvSpPr/>
+            <p:nvPr/>
+          </p:nvSpPr>
+          <p:spPr>
+            <a:xfrm>
+              <a:off x="9428560" y="5084999"/>
+              <a:ext cx="288000" cy="288000"/>
+            </a:xfrm>
+            <a:prstGeom prst="ellipse">
+              <a:avLst/>
+            </a:prstGeom>
+            <a:solidFill>
+              <a:schemeClr val="tx1"/>
+            </a:solidFill>
+            <a:ln>
+              <a:noFill/>
+            </a:ln>
+          </p:spPr>
+          <p:style>
+            <a:lnRef idx="2">
+              <a:schemeClr val="accent1">
+                <a:shade val="50000"/>
+              </a:schemeClr>
+            </a:lnRef>
+            <a:fillRef idx="1">
+              <a:schemeClr val="accent1"/>
+            </a:fillRef>
+            <a:effectRef idx="0">
+              <a:schemeClr val="accent1"/>
+            </a:effectRef>
+            <a:fontRef idx="minor">
+              <a:schemeClr val="lt1"/>
+            </a:fontRef>
+          </p:style>
+          <p:txBody>
+            <a:bodyPr rtlCol="0" anchor="ctr"/>
+            <a:lstStyle/>
+            <a:p>
+              <a:pPr algn="ctr"/>
+              <a:endParaRPr lang="es-CL"/>
+            </a:p>
+          </p:txBody>
+        </p:sp>
+        <p:sp>
+          <p:nvSpPr>
+            <p:cNvPr id="29" name="Elipse 28">
+              <a:extLst>
+                <a:ext uri="{FF2B5EF4-FFF2-40B4-BE49-F238E27FC236}">
+                  <a16:creationId xmlns:a16="http://schemas.microsoft.com/office/drawing/2014/main" id="{C751D136-22A3-35F6-37BA-E39169768986}"/>
+                </a:ext>
+              </a:extLst>
+            </p:cNvPr>
+            <p:cNvSpPr/>
+            <p:nvPr/>
+          </p:nvSpPr>
+          <p:spPr>
+            <a:xfrm>
+              <a:off x="9865451" y="5084999"/>
+              <a:ext cx="288000" cy="288000"/>
+            </a:xfrm>
+            <a:prstGeom prst="ellipse">
+              <a:avLst/>
+            </a:prstGeom>
+            <a:solidFill>
+              <a:schemeClr val="tx1"/>
+            </a:solidFill>
+            <a:ln>
+              <a:noFill/>
+            </a:ln>
+          </p:spPr>
+          <p:style>
+            <a:lnRef idx="2">
+              <a:schemeClr val="accent1">
+                <a:shade val="50000"/>
+              </a:schemeClr>
+            </a:lnRef>
+            <a:fillRef idx="1">
+              <a:schemeClr val="accent1"/>
+            </a:fillRef>
+            <a:effectRef idx="0">
+              <a:schemeClr val="accent1"/>
+            </a:effectRef>
+            <a:fontRef idx="minor">
+              <a:schemeClr val="lt1"/>
+            </a:fontRef>
+          </p:style>
+          <p:txBody>
+            <a:bodyPr rtlCol="0" anchor="ctr"/>
+            <a:lstStyle/>
+            <a:p>
+              <a:pPr algn="ctr"/>
+              <a:endParaRPr lang="es-CL"/>
+            </a:p>
+          </p:txBody>
+        </p:sp>
+        <p:sp>
+          <p:nvSpPr>
+            <p:cNvPr id="30" name="Elipse 29">
+              <a:extLst>
+                <a:ext uri="{FF2B5EF4-FFF2-40B4-BE49-F238E27FC236}">
+                  <a16:creationId xmlns:a16="http://schemas.microsoft.com/office/drawing/2014/main" id="{43052553-DAFA-0890-BD62-7A7381EEAC5F}"/>
+                </a:ext>
+              </a:extLst>
+            </p:cNvPr>
+            <p:cNvSpPr/>
+            <p:nvPr/>
+          </p:nvSpPr>
+          <p:spPr>
+            <a:xfrm>
+              <a:off x="10302342" y="5084999"/>
+              <a:ext cx="288000" cy="288000"/>
+            </a:xfrm>
+            <a:prstGeom prst="ellipse">
+              <a:avLst/>
+            </a:prstGeom>
+            <a:solidFill>
+              <a:schemeClr val="tx1"/>
+            </a:solidFill>
+            <a:ln>
+              <a:noFill/>
+            </a:ln>
+          </p:spPr>
+          <p:style>
+            <a:lnRef idx="2">
+              <a:schemeClr val="accent1">
+                <a:shade val="50000"/>
+              </a:schemeClr>
+            </a:lnRef>
+            <a:fillRef idx="1">
+              <a:schemeClr val="accent1"/>
+            </a:fillRef>
+            <a:effectRef idx="0">
+              <a:schemeClr val="accent1"/>
+            </a:effectRef>
+            <a:fontRef idx="minor">
+              <a:schemeClr val="lt1"/>
+            </a:fontRef>
+          </p:style>
+          <p:txBody>
+            <a:bodyPr rtlCol="0" anchor="ctr"/>
+            <a:lstStyle/>
+            <a:p>
+              <a:pPr algn="ctr"/>
+              <a:endParaRPr lang="es-CL"/>
+            </a:p>
+          </p:txBody>
+        </p:sp>
       </p:grpSp>
     </p:spTree>
     <p:extLst>
